--- a/data-viz-01/src/complete-lecture.pptx
+++ b/data-viz-01/src/complete-lecture.pptx
@@ -5,7 +5,7 @@
     <p:sldMasterId id="2147483648" r:id="rId1"/>
   </p:sldMasterIdLst>
   <p:notesMasterIdLst>
-    <p:NotesMasterId r:id="rId47"/>
+    <p:NotesMasterId r:id="rId84"/>
   </p:notesMasterIdLst>
   <p:sldIdLst>
     <p:sldId id="256" r:id="rId2"/>
@@ -53,6 +53,43 @@
     <p:sldId id="298" r:id="rId44"/>
     <p:sldId id="299" r:id="rId45"/>
     <p:sldId id="300" r:id="rId46"/>
+    <p:sldId id="301" r:id="rId47"/>
+    <p:sldId id="302" r:id="rId48"/>
+    <p:sldId id="303" r:id="rId49"/>
+    <p:sldId id="304" r:id="rId50"/>
+    <p:sldId id="305" r:id="rId51"/>
+    <p:sldId id="306" r:id="rId52"/>
+    <p:sldId id="307" r:id="rId53"/>
+    <p:sldId id="308" r:id="rId54"/>
+    <p:sldId id="309" r:id="rId55"/>
+    <p:sldId id="310" r:id="rId56"/>
+    <p:sldId id="311" r:id="rId57"/>
+    <p:sldId id="312" r:id="rId58"/>
+    <p:sldId id="313" r:id="rId59"/>
+    <p:sldId id="314" r:id="rId60"/>
+    <p:sldId id="315" r:id="rId61"/>
+    <p:sldId id="316" r:id="rId62"/>
+    <p:sldId id="317" r:id="rId63"/>
+    <p:sldId id="318" r:id="rId64"/>
+    <p:sldId id="319" r:id="rId65"/>
+    <p:sldId id="320" r:id="rId66"/>
+    <p:sldId id="321" r:id="rId67"/>
+    <p:sldId id="322" r:id="rId68"/>
+    <p:sldId id="323" r:id="rId69"/>
+    <p:sldId id="324" r:id="rId70"/>
+    <p:sldId id="325" r:id="rId71"/>
+    <p:sldId id="326" r:id="rId72"/>
+    <p:sldId id="327" r:id="rId73"/>
+    <p:sldId id="328" r:id="rId74"/>
+    <p:sldId id="329" r:id="rId75"/>
+    <p:sldId id="330" r:id="rId76"/>
+    <p:sldId id="331" r:id="rId77"/>
+    <p:sldId id="332" r:id="rId78"/>
+    <p:sldId id="333" r:id="rId79"/>
+    <p:sldId id="334" r:id="rId80"/>
+    <p:sldId id="335" r:id="rId81"/>
+    <p:sldId id="336" r:id="rId82"/>
+    <p:sldId id="337" r:id="rId83"/>
   </p:sldIdLst>
   <p:sldSz cx="9144000" cy="6858000" type="screen4x3"/>
   <p:notesSz cx="6858000" cy="9144000"/>
@@ -28668,6 +28705,3694 @@
 </p:notes>
 </file>
 
+<file path=ppt/notesSlides/notesSlide42.xml><?xml version="1.0" encoding="utf-8"?>
+<p:notes xmlns:a="http://schemas.openxmlformats.org/drawingml/2006/main" xmlns:r="http://schemas.openxmlformats.org/officeDocument/2006/relationships" xmlns:p="http://schemas.openxmlformats.org/presentationml/2006/main">
+  <p:cSld>
+    <p:spTree>
+      <p:nvGrpSpPr>
+        <p:cNvPr id="1" name=""/>
+        <p:cNvGrpSpPr/>
+        <p:nvPr/>
+      </p:nvGrpSpPr>
+      <p:grpSpPr>
+        <a:xfrm>
+          <a:off x="0" y="0"/>
+          <a:ext cx="0" cy="0"/>
+          <a:chOff x="0" y="0"/>
+          <a:chExt cx="0" cy="0"/>
+        </a:xfrm>
+      </p:grpSpPr>
+      <p:sp>
+        <p:nvSpPr>
+          <p:cNvPr id="2" name="Slide Image Placeholder 1"/>
+          <p:cNvSpPr>
+            <a:spLocks noGrp="1" noRot="1" noChangeAspect="1"/>
+          </p:cNvSpPr>
+          <p:nvPr>
+            <p:ph type="sldImg"/>
+          </p:nvPr>
+        </p:nvSpPr>
+        <p:spPr/>
+      </p:sp>
+      <p:sp>
+        <p:nvSpPr>
+          <p:cNvPr id="3" name="Notes Placeholder 2"/>
+          <p:cNvSpPr>
+            <a:spLocks noGrp="1"/>
+          </p:cNvSpPr>
+          <p:nvPr>
+            <p:ph type="body" idx="1"/>
+          </p:nvPr>
+        </p:nvSpPr>
+        <p:spPr/>
+        <p:txBody>
+          <a:bodyPr/>
+          <a:lstStyle/>
+          <a:p>
+            <a:pPr lvl="0" marL="0" indent="0">
+              <a:buNone/>
+            </a:pPr>
+            <a:r>
+              <a:rPr/>
+              <a:t>You’ve</a:t>
+            </a:r>
+            <a:r>
+              <a:rPr/>
+              <a:t> </a:t>
+            </a:r>
+            <a:r>
+              <a:rPr/>
+              <a:t>already</a:t>
+            </a:r>
+            <a:r>
+              <a:rPr/>
+              <a:t> </a:t>
+            </a:r>
+            <a:r>
+              <a:rPr/>
+              <a:t>drawn</a:t>
+            </a:r>
+            <a:r>
+              <a:rPr/>
+              <a:t> </a:t>
+            </a:r>
+            <a:r>
+              <a:rPr/>
+              <a:t>a</a:t>
+            </a:r>
+            <a:r>
+              <a:rPr/>
+              <a:t> </a:t>
+            </a:r>
+            <a:r>
+              <a:rPr/>
+              <a:t>basic</a:t>
+            </a:r>
+            <a:r>
+              <a:rPr/>
+              <a:t> </a:t>
+            </a:r>
+            <a:r>
+              <a:rPr/>
+              <a:t>scatterplot</a:t>
+            </a:r>
+            <a:r>
+              <a:rPr/>
+              <a:t> </a:t>
+            </a:r>
+            <a:r>
+              <a:rPr/>
+              <a:t>in</a:t>
+            </a:r>
+            <a:r>
+              <a:rPr/>
+              <a:t> </a:t>
+            </a:r>
+            <a:r>
+              <a:rPr/>
+              <a:t>Python,</a:t>
+            </a:r>
+            <a:r>
+              <a:rPr/>
+              <a:t> </a:t>
+            </a:r>
+            <a:r>
+              <a:rPr/>
+              <a:t>R,</a:t>
+            </a:r>
+            <a:r>
+              <a:rPr/>
+              <a:t> </a:t>
+            </a:r>
+            <a:r>
+              <a:rPr/>
+              <a:t>or</a:t>
+            </a:r>
+            <a:r>
+              <a:rPr/>
+              <a:t> </a:t>
+            </a:r>
+            <a:r>
+              <a:rPr/>
+              <a:t>Tableau.</a:t>
+            </a:r>
+            <a:r>
+              <a:rPr/>
+              <a:t> </a:t>
+            </a:r>
+            <a:r>
+              <a:rPr/>
+              <a:t>All</a:t>
+            </a:r>
+            <a:r>
+              <a:rPr/>
+              <a:t> </a:t>
+            </a:r>
+            <a:r>
+              <a:rPr/>
+              <a:t>three</a:t>
+            </a:r>
+            <a:r>
+              <a:rPr/>
+              <a:t> </a:t>
+            </a:r>
+            <a:r>
+              <a:rPr/>
+              <a:t>systems</a:t>
+            </a:r>
+            <a:r>
+              <a:rPr/>
+              <a:t> </a:t>
+            </a:r>
+            <a:r>
+              <a:rPr/>
+              <a:t>choose</a:t>
+            </a:r>
+            <a:r>
+              <a:rPr/>
+              <a:t> </a:t>
+            </a:r>
+            <a:r>
+              <a:rPr/>
+              <a:t>a</a:t>
+            </a:r>
+            <a:r>
+              <a:rPr/>
+              <a:t> </a:t>
+            </a:r>
+            <a:r>
+              <a:rPr/>
+              <a:t>slightly</a:t>
+            </a:r>
+            <a:r>
+              <a:rPr/>
+              <a:t> </a:t>
+            </a:r>
+            <a:r>
+              <a:rPr/>
+              <a:t>different</a:t>
+            </a:r>
+            <a:r>
+              <a:rPr/>
+              <a:t> </a:t>
+            </a:r>
+            <a:r>
+              <a:rPr/>
+              <a:t>visualization,</a:t>
+            </a:r>
+            <a:r>
+              <a:rPr/>
+              <a:t> </a:t>
+            </a:r>
+            <a:r>
+              <a:rPr/>
+              <a:t>but,</a:t>
+            </a:r>
+            <a:r>
+              <a:rPr/>
+              <a:t> </a:t>
+            </a:r>
+            <a:r>
+              <a:rPr/>
+              <a:t>for</a:t>
+            </a:r>
+            <a:r>
+              <a:rPr/>
+              <a:t> </a:t>
+            </a:r>
+            <a:r>
+              <a:rPr/>
+              <a:t>the</a:t>
+            </a:r>
+            <a:r>
+              <a:rPr/>
+              <a:t> </a:t>
+            </a:r>
+            <a:r>
+              <a:rPr/>
+              <a:t>most</a:t>
+            </a:r>
+            <a:r>
+              <a:rPr/>
+              <a:t> </a:t>
+            </a:r>
+            <a:r>
+              <a:rPr/>
+              <a:t>part,</a:t>
+            </a:r>
+            <a:r>
+              <a:rPr/>
+              <a:t> </a:t>
+            </a:r>
+            <a:r>
+              <a:rPr/>
+              <a:t>the</a:t>
+            </a:r>
+            <a:r>
+              <a:rPr/>
+              <a:t> </a:t>
+            </a:r>
+            <a:r>
+              <a:rPr/>
+              <a:t>graphs</a:t>
+            </a:r>
+            <a:r>
+              <a:rPr/>
+              <a:t> </a:t>
+            </a:r>
+            <a:r>
+              <a:rPr/>
+              <a:t>look</a:t>
+            </a:r>
+            <a:r>
+              <a:rPr/>
+              <a:t> </a:t>
+            </a:r>
+            <a:r>
+              <a:rPr/>
+              <a:t>fairly</a:t>
+            </a:r>
+            <a:r>
+              <a:rPr/>
+              <a:t> </a:t>
+            </a:r>
+            <a:r>
+              <a:rPr/>
+              <a:t>nice.</a:t>
+            </a:r>
+            <a:r>
+              <a:rPr/>
+              <a:t> </a:t>
+            </a:r>
+            <a:r>
+              <a:rPr/>
+              <a:t>You</a:t>
+            </a:r>
+            <a:r>
+              <a:rPr/>
+              <a:t> </a:t>
+            </a:r>
+            <a:r>
+              <a:rPr/>
+              <a:t>can</a:t>
+            </a:r>
+            <a:r>
+              <a:rPr/>
+              <a:t> </a:t>
+            </a:r>
+            <a:r>
+              <a:rPr/>
+              <a:t>change</a:t>
+            </a:r>
+            <a:r>
+              <a:rPr/>
+              <a:t> </a:t>
+            </a:r>
+            <a:r>
+              <a:rPr/>
+              <a:t>some</a:t>
+            </a:r>
+            <a:r>
+              <a:rPr/>
+              <a:t> </a:t>
+            </a:r>
+            <a:r>
+              <a:rPr/>
+              <a:t>of</a:t>
+            </a:r>
+            <a:r>
+              <a:rPr/>
+              <a:t> </a:t>
+            </a:r>
+            <a:r>
+              <a:rPr/>
+              <a:t>those</a:t>
+            </a:r>
+            <a:r>
+              <a:rPr/>
+              <a:t> </a:t>
+            </a:r>
+            <a:r>
+              <a:rPr/>
+              <a:t>default</a:t>
+            </a:r>
+            <a:r>
+              <a:rPr/>
+              <a:t> </a:t>
+            </a:r>
+            <a:r>
+              <a:rPr/>
+              <a:t>options.</a:t>
+            </a:r>
+          </a:p>
+        </p:txBody>
+      </p:sp>
+      <p:sp>
+        <p:nvSpPr>
+          <p:cNvPr id="4" name="Slide Number Placeholder 3"/>
+          <p:cNvSpPr>
+            <a:spLocks noGrp="1"/>
+          </p:cNvSpPr>
+          <p:nvPr>
+            <p:ph type="sldNum" sz="quarter" idx="10"/>
+          </p:nvPr>
+        </p:nvSpPr>
+        <p:spPr/>
+        <p:txBody>
+          <a:bodyPr/>
+          <a:lstStyle/>
+          <a:p>
+            <a:fld id="{18BDFEC3-8487-43E8-A154-7C12CBC1FFF2}" type="slidenum">
+              <a:rPr lang="en-US"/>
+              <a:t>46</a:t>
+            </a:fld>
+            <a:endParaRPr lang="en-US"/>
+          </a:p>
+        </p:txBody>
+      </p:sp>
+    </p:spTree>
+  </p:cSld>
+</p:notes>
+</file>
+
+<file path=ppt/notesSlides/notesSlide43.xml><?xml version="1.0" encoding="utf-8"?>
+<p:notes xmlns:a="http://schemas.openxmlformats.org/drawingml/2006/main" xmlns:r="http://schemas.openxmlformats.org/officeDocument/2006/relationships" xmlns:p="http://schemas.openxmlformats.org/presentationml/2006/main">
+  <p:cSld>
+    <p:spTree>
+      <p:nvGrpSpPr>
+        <p:cNvPr id="1" name=""/>
+        <p:cNvGrpSpPr/>
+        <p:nvPr/>
+      </p:nvGrpSpPr>
+      <p:grpSpPr>
+        <a:xfrm>
+          <a:off x="0" y="0"/>
+          <a:ext cx="0" cy="0"/>
+          <a:chOff x="0" y="0"/>
+          <a:chExt cx="0" cy="0"/>
+        </a:xfrm>
+      </p:grpSpPr>
+      <p:sp>
+        <p:nvSpPr>
+          <p:cNvPr id="2" name="Slide Image Placeholder 1"/>
+          <p:cNvSpPr>
+            <a:spLocks noGrp="1" noRot="1" noChangeAspect="1"/>
+          </p:cNvSpPr>
+          <p:nvPr>
+            <p:ph type="sldImg"/>
+          </p:nvPr>
+        </p:nvSpPr>
+        <p:spPr/>
+      </p:sp>
+      <p:sp>
+        <p:nvSpPr>
+          <p:cNvPr id="3" name="Notes Placeholder 2"/>
+          <p:cNvSpPr>
+            <a:spLocks noGrp="1"/>
+          </p:cNvSpPr>
+          <p:nvPr>
+            <p:ph type="body" idx="1"/>
+          </p:nvPr>
+        </p:nvSpPr>
+        <p:spPr/>
+        <p:txBody>
+          <a:bodyPr/>
+          <a:lstStyle/>
+          <a:p>
+            <a:pPr lvl="0" marL="0" indent="0">
+              <a:buNone/>
+            </a:pPr>
+            <a:r>
+              <a:rPr/>
+              <a:t>In</a:t>
+            </a:r>
+            <a:r>
+              <a:rPr/>
+              <a:t> </a:t>
+            </a:r>
+            <a:r>
+              <a:rPr/>
+              <a:t>Python,</a:t>
+            </a:r>
+            <a:r>
+              <a:rPr/>
+              <a:t> </a:t>
+            </a:r>
+            <a:r>
+              <a:rPr/>
+              <a:t>you</a:t>
+            </a:r>
+            <a:r>
+              <a:rPr/>
+              <a:t> </a:t>
+            </a:r>
+            <a:r>
+              <a:rPr/>
+              <a:t>can</a:t>
+            </a:r>
+            <a:r>
+              <a:rPr/>
+              <a:t> </a:t>
+            </a:r>
+            <a:r>
+              <a:rPr/>
+              <a:t>change</a:t>
+            </a:r>
+            <a:r>
+              <a:rPr/>
+              <a:t> </a:t>
+            </a:r>
+            <a:r>
+              <a:rPr/>
+              <a:t>the</a:t>
+            </a:r>
+            <a:r>
+              <a:rPr/>
+              <a:t> </a:t>
+            </a:r>
+            <a:r>
+              <a:rPr/>
+              <a:t>default</a:t>
+            </a:r>
+            <a:r>
+              <a:rPr/>
+              <a:t> </a:t>
+            </a:r>
+            <a:r>
+              <a:rPr/>
+              <a:t>from</a:t>
+            </a:r>
+            <a:r>
+              <a:rPr/>
+              <a:t> </a:t>
+            </a:r>
+            <a:r>
+              <a:rPr/>
+              <a:t>blue</a:t>
+            </a:r>
+            <a:r>
+              <a:rPr/>
+              <a:t> </a:t>
+            </a:r>
+            <a:r>
+              <a:rPr/>
+              <a:t>circles</a:t>
+            </a:r>
+            <a:r>
+              <a:rPr/>
+              <a:t> </a:t>
+            </a:r>
+            <a:r>
+              <a:rPr/>
+              <a:t>to</a:t>
+            </a:r>
+            <a:r>
+              <a:rPr/>
+              <a:t> </a:t>
+            </a:r>
+            <a:r>
+              <a:rPr/>
+              <a:t>green</a:t>
+            </a:r>
+            <a:r>
+              <a:rPr/>
+              <a:t> </a:t>
+            </a:r>
+            <a:r>
+              <a:rPr/>
+              <a:t>squares</a:t>
+            </a:r>
+            <a:r>
+              <a:rPr/>
+              <a:t> </a:t>
+            </a:r>
+            <a:r>
+              <a:rPr/>
+              <a:t>in</a:t>
+            </a:r>
+            <a:r>
+              <a:rPr/>
+              <a:t> </a:t>
+            </a:r>
+            <a:r>
+              <a:rPr/>
+              <a:t>the</a:t>
+            </a:r>
+            <a:r>
+              <a:rPr/>
+              <a:t> </a:t>
+            </a:r>
+            <a:r>
+              <a:rPr/>
+              <a:t>mark_point</a:t>
+            </a:r>
+            <a:r>
+              <a:rPr/>
+              <a:t> </a:t>
+            </a:r>
+            <a:r>
+              <a:rPr/>
+              <a:t>function.</a:t>
+            </a:r>
+            <a:r>
+              <a:rPr/>
+              <a:t> </a:t>
+            </a:r>
+            <a:r>
+              <a:rPr/>
+              <a:t>In</a:t>
+            </a:r>
+            <a:r>
+              <a:rPr/>
+              <a:t> </a:t>
+            </a:r>
+            <a:r>
+              <a:rPr/>
+              <a:t>R,</a:t>
+            </a:r>
+            <a:r>
+              <a:rPr/>
+              <a:t> </a:t>
+            </a:r>
+            <a:r>
+              <a:rPr/>
+              <a:t>you</a:t>
+            </a:r>
+            <a:r>
+              <a:rPr/>
+              <a:t> </a:t>
+            </a:r>
+            <a:r>
+              <a:rPr/>
+              <a:t>do</a:t>
+            </a:r>
+            <a:r>
+              <a:rPr/>
+              <a:t> </a:t>
+            </a:r>
+            <a:r>
+              <a:rPr/>
+              <a:t>this</a:t>
+            </a:r>
+            <a:r>
+              <a:rPr/>
+              <a:t> </a:t>
+            </a:r>
+            <a:r>
+              <a:rPr/>
+              <a:t>inside</a:t>
+            </a:r>
+            <a:r>
+              <a:rPr/>
+              <a:t> </a:t>
+            </a:r>
+            <a:r>
+              <a:rPr/>
+              <a:t>the</a:t>
+            </a:r>
+            <a:r>
+              <a:rPr/>
+              <a:t> </a:t>
+            </a:r>
+            <a:r>
+              <a:rPr/>
+              <a:t>geom_point</a:t>
+            </a:r>
+            <a:r>
+              <a:rPr/>
+              <a:t> </a:t>
+            </a:r>
+            <a:r>
+              <a:rPr/>
+              <a:t>function.</a:t>
+            </a:r>
+            <a:r>
+              <a:rPr/>
+              <a:t> </a:t>
+            </a:r>
+            <a:r>
+              <a:rPr/>
+              <a:t>In</a:t>
+            </a:r>
+            <a:r>
+              <a:rPr/>
+              <a:t> </a:t>
+            </a:r>
+            <a:r>
+              <a:rPr/>
+              <a:t>Tableau,</a:t>
+            </a:r>
+            <a:r>
+              <a:rPr/>
+              <a:t> </a:t>
+            </a:r>
+            <a:r>
+              <a:rPr/>
+              <a:t>you</a:t>
+            </a:r>
+            <a:r>
+              <a:rPr/>
+              <a:t> </a:t>
+            </a:r>
+            <a:r>
+              <a:rPr/>
+              <a:t>have</a:t>
+            </a:r>
+            <a:r>
+              <a:rPr/>
+              <a:t> </a:t>
+            </a:r>
+            <a:r>
+              <a:rPr/>
+              <a:t>to</a:t>
+            </a:r>
+            <a:r>
+              <a:rPr/>
+              <a:t> </a:t>
+            </a:r>
+            <a:r>
+              <a:rPr/>
+              <a:t>click</a:t>
+            </a:r>
+            <a:r>
+              <a:rPr/>
+              <a:t> </a:t>
+            </a:r>
+            <a:r>
+              <a:rPr/>
+              <a:t>on</a:t>
+            </a:r>
+            <a:r>
+              <a:rPr/>
+              <a:t> </a:t>
+            </a:r>
+            <a:r>
+              <a:rPr/>
+              <a:t>the</a:t>
+            </a:r>
+            <a:r>
+              <a:rPr/>
+              <a:t> </a:t>
+            </a:r>
+            <a:r>
+              <a:rPr/>
+              <a:t>color</a:t>
+            </a:r>
+            <a:r>
+              <a:rPr/>
+              <a:t> </a:t>
+            </a:r>
+            <a:r>
+              <a:rPr/>
+              <a:t>and</a:t>
+            </a:r>
+            <a:r>
+              <a:rPr/>
+              <a:t> </a:t>
+            </a:r>
+            <a:r>
+              <a:rPr/>
+              <a:t>shape</a:t>
+            </a:r>
+            <a:r>
+              <a:rPr/>
+              <a:t> </a:t>
+            </a:r>
+            <a:r>
+              <a:rPr/>
+              <a:t>buttons</a:t>
+            </a:r>
+            <a:r>
+              <a:rPr/>
+              <a:t> </a:t>
+            </a:r>
+            <a:r>
+              <a:rPr/>
+              <a:t>to</a:t>
+            </a:r>
+            <a:r>
+              <a:rPr/>
+              <a:t> </a:t>
+            </a:r>
+            <a:r>
+              <a:rPr/>
+              <a:t>change</a:t>
+            </a:r>
+            <a:r>
+              <a:rPr/>
+              <a:t> </a:t>
+            </a:r>
+            <a:r>
+              <a:rPr/>
+              <a:t>the</a:t>
+            </a:r>
+            <a:r>
+              <a:rPr/>
+              <a:t> </a:t>
+            </a:r>
+            <a:r>
+              <a:rPr/>
+              <a:t>defaults.</a:t>
+            </a:r>
+          </a:p>
+        </p:txBody>
+      </p:sp>
+      <p:sp>
+        <p:nvSpPr>
+          <p:cNvPr id="4" name="Slide Number Placeholder 3"/>
+          <p:cNvSpPr>
+            <a:spLocks noGrp="1"/>
+          </p:cNvSpPr>
+          <p:nvPr>
+            <p:ph type="sldNum" sz="quarter" idx="10"/>
+          </p:nvPr>
+        </p:nvSpPr>
+        <p:spPr/>
+        <p:txBody>
+          <a:bodyPr/>
+          <a:lstStyle/>
+          <a:p>
+            <a:fld id="{18BDFEC3-8487-43E8-A154-7C12CBC1FFF2}" type="slidenum">
+              <a:rPr lang="en-US"/>
+              <a:t>47</a:t>
+            </a:fld>
+            <a:endParaRPr lang="en-US"/>
+          </a:p>
+        </p:txBody>
+      </p:sp>
+    </p:spTree>
+  </p:cSld>
+</p:notes>
+</file>
+
+<file path=ppt/notesSlides/notesSlide44.xml><?xml version="1.0" encoding="utf-8"?>
+<p:notes xmlns:a="http://schemas.openxmlformats.org/drawingml/2006/main" xmlns:r="http://schemas.openxmlformats.org/officeDocument/2006/relationships" xmlns:p="http://schemas.openxmlformats.org/presentationml/2006/main">
+  <p:cSld>
+    <p:spTree>
+      <p:nvGrpSpPr>
+        <p:cNvPr id="1" name=""/>
+        <p:cNvGrpSpPr/>
+        <p:nvPr/>
+      </p:nvGrpSpPr>
+      <p:grpSpPr>
+        <a:xfrm>
+          <a:off x="0" y="0"/>
+          <a:ext cx="0" cy="0"/>
+          <a:chOff x="0" y="0"/>
+          <a:chExt cx="0" cy="0"/>
+        </a:xfrm>
+      </p:grpSpPr>
+      <p:sp>
+        <p:nvSpPr>
+          <p:cNvPr id="2" name="Slide Image Placeholder 1"/>
+          <p:cNvSpPr>
+            <a:spLocks noGrp="1" noRot="1" noChangeAspect="1"/>
+          </p:cNvSpPr>
+          <p:nvPr>
+            <p:ph type="sldImg"/>
+          </p:nvPr>
+        </p:nvSpPr>
+        <p:spPr/>
+      </p:sp>
+      <p:sp>
+        <p:nvSpPr>
+          <p:cNvPr id="3" name="Notes Placeholder 2"/>
+          <p:cNvSpPr>
+            <a:spLocks noGrp="1"/>
+          </p:cNvSpPr>
+          <p:nvPr>
+            <p:ph type="body" idx="1"/>
+          </p:nvPr>
+        </p:nvSpPr>
+        <p:spPr/>
+        <p:txBody>
+          <a:bodyPr/>
+          <a:lstStyle/>
+          <a:p>
+            <a:pPr lvl="0" marL="0" indent="0">
+              <a:buNone/>
+            </a:pPr>
+            <a:r>
+              <a:rPr/>
+              <a:t>This</a:t>
+            </a:r>
+            <a:r>
+              <a:rPr/>
+              <a:t> </a:t>
+            </a:r>
+            <a:r>
+              <a:rPr/>
+              <a:t>plot</a:t>
+            </a:r>
+            <a:r>
+              <a:rPr/>
+              <a:t> </a:t>
+            </a:r>
+            <a:r>
+              <a:rPr/>
+              <a:t>show</a:t>
+            </a:r>
+            <a:r>
+              <a:rPr/>
+              <a:t> </a:t>
+            </a:r>
+            <a:r>
+              <a:rPr/>
+              <a:t>only</a:t>
+            </a:r>
+            <a:r>
+              <a:rPr/>
+              <a:t> </a:t>
+            </a:r>
+            <a:r>
+              <a:rPr/>
+              <a:t>two</a:t>
+            </a:r>
+            <a:r>
+              <a:rPr/>
+              <a:t> </a:t>
+            </a:r>
+            <a:r>
+              <a:rPr/>
+              <a:t>data</a:t>
+            </a:r>
+            <a:r>
+              <a:rPr/>
+              <a:t> </a:t>
+            </a:r>
+            <a:r>
+              <a:rPr/>
+              <a:t>points,</a:t>
+            </a:r>
+            <a:r>
+              <a:rPr/>
+              <a:t> </a:t>
+            </a:r>
+            <a:r>
+              <a:rPr/>
+              <a:t>and</a:t>
+            </a:r>
+            <a:r>
+              <a:rPr/>
+              <a:t> </a:t>
+            </a:r>
+            <a:r>
+              <a:rPr/>
+              <a:t>is</a:t>
+            </a:r>
+            <a:r>
+              <a:rPr/>
+              <a:t> </a:t>
+            </a:r>
+            <a:r>
+              <a:rPr/>
+              <a:t>labeled</a:t>
+            </a:r>
+            <a:r>
+              <a:rPr/>
+              <a:t> </a:t>
+            </a:r>
+            <a:r>
+              <a:rPr/>
+              <a:t>with</a:t>
+            </a:r>
+            <a:r>
+              <a:rPr/>
+              <a:t> </a:t>
+            </a:r>
+            <a:r>
+              <a:rPr/>
+              <a:t>the</a:t>
+            </a:r>
+            <a:r>
+              <a:rPr/>
+              <a:t> </a:t>
+            </a:r>
+            <a:r>
+              <a:rPr/>
+              <a:t>variable</a:t>
+            </a:r>
+            <a:r>
+              <a:rPr/>
+              <a:t> </a:t>
+            </a:r>
+            <a:r>
+              <a:rPr/>
+              <a:t>age,</a:t>
+            </a:r>
+            <a:r>
+              <a:rPr/>
+              <a:t> </a:t>
+            </a:r>
+            <a:r>
+              <a:rPr/>
+              <a:t>corresponding</a:t>
+            </a:r>
+            <a:r>
+              <a:rPr/>
+              <a:t> </a:t>
+            </a:r>
+            <a:r>
+              <a:rPr/>
+              <a:t>to</a:t>
+            </a:r>
+            <a:r>
+              <a:rPr/>
+              <a:t> </a:t>
+            </a:r>
+            <a:r>
+              <a:rPr/>
+              <a:t>the</a:t>
+            </a:r>
+            <a:r>
+              <a:rPr/>
+              <a:t> </a:t>
+            </a:r>
+            <a:r>
+              <a:rPr/>
+              <a:t>X</a:t>
+            </a:r>
+            <a:r>
+              <a:rPr/>
+              <a:t> </a:t>
+            </a:r>
+            <a:r>
+              <a:rPr/>
+              <a:t>location.</a:t>
+            </a:r>
+          </a:p>
+          <a:p>
+            <a:pPr lvl="0" marL="0" indent="0">
+              <a:buNone/>
+            </a:pPr>
+          </a:p>
+          <a:p>
+            <a:pPr lvl="0" marL="0" indent="0">
+              <a:buNone/>
+            </a:pPr>
+            <a:r>
+              <a:rPr/>
+              <a:t>The</a:t>
+            </a:r>
+            <a:r>
+              <a:rPr/>
+              <a:t> </a:t>
+            </a:r>
+            <a:r>
+              <a:rPr/>
+              <a:t>point</a:t>
+            </a:r>
+            <a:r>
+              <a:rPr/>
+              <a:t> </a:t>
+            </a:r>
+            <a:r>
+              <a:rPr/>
+              <a:t>in</a:t>
+            </a:r>
+            <a:r>
+              <a:rPr/>
+              <a:t> </a:t>
+            </a:r>
+            <a:r>
+              <a:rPr/>
+              <a:t>the</a:t>
+            </a:r>
+            <a:r>
+              <a:rPr/>
+              <a:t> </a:t>
+            </a:r>
+            <a:r>
+              <a:rPr/>
+              <a:t>upper</a:t>
+            </a:r>
+            <a:r>
+              <a:rPr/>
+              <a:t> </a:t>
+            </a:r>
+            <a:r>
+              <a:rPr/>
+              <a:t>left</a:t>
+            </a:r>
+            <a:r>
+              <a:rPr/>
+              <a:t> </a:t>
+            </a:r>
+            <a:r>
+              <a:rPr/>
+              <a:t>corner</a:t>
+            </a:r>
+            <a:r>
+              <a:rPr/>
+              <a:t> </a:t>
+            </a:r>
+            <a:r>
+              <a:rPr/>
+              <a:t>is</a:t>
+            </a:r>
+            <a:r>
+              <a:rPr/>
+              <a:t> </a:t>
+            </a:r>
+            <a:r>
+              <a:rPr/>
+              <a:t>a</a:t>
+            </a:r>
+            <a:r>
+              <a:rPr/>
+              <a:t> </a:t>
+            </a:r>
+            <a:r>
+              <a:rPr/>
+              <a:t>young</a:t>
+            </a:r>
+            <a:r>
+              <a:rPr/>
+              <a:t> </a:t>
+            </a:r>
+            <a:r>
+              <a:rPr/>
+              <a:t>house,</a:t>
+            </a:r>
+            <a:r>
+              <a:rPr/>
+              <a:t> </a:t>
+            </a:r>
+            <a:r>
+              <a:rPr/>
+              <a:t>only</a:t>
+            </a:r>
+            <a:r>
+              <a:rPr/>
+              <a:t> </a:t>
+            </a:r>
+            <a:r>
+              <a:rPr/>
+              <a:t>14</a:t>
+            </a:r>
+            <a:r>
+              <a:rPr/>
+              <a:t> </a:t>
+            </a:r>
+            <a:r>
+              <a:rPr/>
+              <a:t>years</a:t>
+            </a:r>
+            <a:r>
+              <a:rPr/>
+              <a:t> </a:t>
+            </a:r>
+            <a:r>
+              <a:rPr/>
+              <a:t>old.</a:t>
+            </a:r>
+            <a:r>
+              <a:rPr/>
+              <a:t> </a:t>
+            </a:r>
+            <a:r>
+              <a:rPr/>
+              <a:t>The</a:t>
+            </a:r>
+            <a:r>
+              <a:rPr/>
+              <a:t> </a:t>
+            </a:r>
+            <a:r>
+              <a:rPr/>
+              <a:t>point</a:t>
+            </a:r>
+            <a:r>
+              <a:rPr/>
+              <a:t> </a:t>
+            </a:r>
+            <a:r>
+              <a:rPr/>
+              <a:t>in</a:t>
+            </a:r>
+            <a:r>
+              <a:rPr/>
+              <a:t> </a:t>
+            </a:r>
+            <a:r>
+              <a:rPr/>
+              <a:t>the</a:t>
+            </a:r>
+            <a:r>
+              <a:rPr/>
+              <a:t> </a:t>
+            </a:r>
+            <a:r>
+              <a:rPr/>
+              <a:t>lower</a:t>
+            </a:r>
+            <a:r>
+              <a:rPr/>
+              <a:t> </a:t>
+            </a:r>
+            <a:r>
+              <a:rPr/>
+              <a:t>right</a:t>
+            </a:r>
+            <a:r>
+              <a:rPr/>
+              <a:t> </a:t>
+            </a:r>
+            <a:r>
+              <a:rPr/>
+              <a:t>corner</a:t>
+            </a:r>
+            <a:r>
+              <a:rPr/>
+              <a:t> </a:t>
+            </a:r>
+            <a:r>
+              <a:rPr/>
+              <a:t>is</a:t>
+            </a:r>
+            <a:r>
+              <a:rPr/>
+              <a:t> </a:t>
+            </a:r>
+            <a:r>
+              <a:rPr/>
+              <a:t>an</a:t>
+            </a:r>
+            <a:r>
+              <a:rPr/>
+              <a:t> </a:t>
+            </a:r>
+            <a:r>
+              <a:rPr/>
+              <a:t>old</a:t>
+            </a:r>
+            <a:r>
+              <a:rPr/>
+              <a:t> </a:t>
+            </a:r>
+            <a:r>
+              <a:rPr/>
+              <a:t>house,</a:t>
+            </a:r>
+            <a:r>
+              <a:rPr/>
+              <a:t> </a:t>
+            </a:r>
+            <a:r>
+              <a:rPr/>
+              <a:t>233</a:t>
+            </a:r>
+            <a:r>
+              <a:rPr/>
+              <a:t> </a:t>
+            </a:r>
+            <a:r>
+              <a:rPr/>
+              <a:t>years</a:t>
+            </a:r>
+            <a:r>
+              <a:rPr/>
+              <a:t> </a:t>
+            </a:r>
+            <a:r>
+              <a:rPr/>
+              <a:t>old.</a:t>
+            </a:r>
+          </a:p>
+        </p:txBody>
+      </p:sp>
+      <p:sp>
+        <p:nvSpPr>
+          <p:cNvPr id="4" name="Slide Number Placeholder 3"/>
+          <p:cNvSpPr>
+            <a:spLocks noGrp="1"/>
+          </p:cNvSpPr>
+          <p:nvPr>
+            <p:ph type="sldNum" sz="quarter" idx="10"/>
+          </p:nvPr>
+        </p:nvSpPr>
+        <p:spPr/>
+        <p:txBody>
+          <a:bodyPr/>
+          <a:lstStyle/>
+          <a:p>
+            <a:fld id="{18BDFEC3-8487-43E8-A154-7C12CBC1FFF2}" type="slidenum">
+              <a:rPr lang="en-US"/>
+              <a:t>49</a:t>
+            </a:fld>
+            <a:endParaRPr lang="en-US"/>
+          </a:p>
+        </p:txBody>
+      </p:sp>
+    </p:spTree>
+  </p:cSld>
+</p:notes>
+</file>
+
+<file path=ppt/notesSlides/notesSlide45.xml><?xml version="1.0" encoding="utf-8"?>
+<p:notes xmlns:a="http://schemas.openxmlformats.org/drawingml/2006/main" xmlns:r="http://schemas.openxmlformats.org/officeDocument/2006/relationships" xmlns:p="http://schemas.openxmlformats.org/presentationml/2006/main">
+  <p:cSld>
+    <p:spTree>
+      <p:nvGrpSpPr>
+        <p:cNvPr id="1" name=""/>
+        <p:cNvGrpSpPr/>
+        <p:nvPr/>
+      </p:nvGrpSpPr>
+      <p:grpSpPr>
+        <a:xfrm>
+          <a:off x="0" y="0"/>
+          <a:ext cx="0" cy="0"/>
+          <a:chOff x="0" y="0"/>
+          <a:chExt cx="0" cy="0"/>
+        </a:xfrm>
+      </p:grpSpPr>
+      <p:sp>
+        <p:nvSpPr>
+          <p:cNvPr id="2" name="Slide Image Placeholder 1"/>
+          <p:cNvSpPr>
+            <a:spLocks noGrp="1" noRot="1" noChangeAspect="1"/>
+          </p:cNvSpPr>
+          <p:nvPr>
+            <p:ph type="sldImg"/>
+          </p:nvPr>
+        </p:nvSpPr>
+        <p:spPr/>
+      </p:sp>
+      <p:sp>
+        <p:nvSpPr>
+          <p:cNvPr id="3" name="Notes Placeholder 2"/>
+          <p:cNvSpPr>
+            <a:spLocks noGrp="1"/>
+          </p:cNvSpPr>
+          <p:nvPr>
+            <p:ph type="body" idx="1"/>
+          </p:nvPr>
+        </p:nvSpPr>
+        <p:spPr/>
+        <p:txBody>
+          <a:bodyPr/>
+          <a:lstStyle/>
+          <a:p>
+            <a:pPr lvl="0" marL="0" indent="0">
+              <a:buNone/>
+            </a:pPr>
+            <a:r>
+              <a:rPr/>
+              <a:t>This</a:t>
+            </a:r>
+            <a:r>
+              <a:rPr/>
+              <a:t> </a:t>
+            </a:r>
+            <a:r>
+              <a:rPr/>
+              <a:t>plot</a:t>
+            </a:r>
+            <a:r>
+              <a:rPr/>
+              <a:t> </a:t>
+            </a:r>
+            <a:r>
+              <a:rPr/>
+              <a:t>is</a:t>
+            </a:r>
+            <a:r>
+              <a:rPr/>
+              <a:t> </a:t>
+            </a:r>
+            <a:r>
+              <a:rPr/>
+              <a:t>labeled</a:t>
+            </a:r>
+            <a:r>
+              <a:rPr/>
+              <a:t> </a:t>
+            </a:r>
+            <a:r>
+              <a:rPr/>
+              <a:t>with</a:t>
+            </a:r>
+            <a:r>
+              <a:rPr/>
+              <a:t> </a:t>
+            </a:r>
+            <a:r>
+              <a:rPr/>
+              <a:t>the</a:t>
+            </a:r>
+            <a:r>
+              <a:rPr/>
+              <a:t> </a:t>
+            </a:r>
+            <a:r>
+              <a:rPr/>
+              <a:t>variable</a:t>
+            </a:r>
+            <a:r>
+              <a:rPr/>
+              <a:t> </a:t>
+            </a:r>
+            <a:r>
+              <a:rPr/>
+              <a:t>Price,</a:t>
+            </a:r>
+            <a:r>
+              <a:rPr/>
+              <a:t> </a:t>
+            </a:r>
+            <a:r>
+              <a:rPr/>
+              <a:t>corresponding</a:t>
+            </a:r>
+            <a:r>
+              <a:rPr/>
+              <a:t> </a:t>
+            </a:r>
+            <a:r>
+              <a:rPr/>
+              <a:t>to</a:t>
+            </a:r>
+            <a:r>
+              <a:rPr/>
+              <a:t> </a:t>
+            </a:r>
+            <a:r>
+              <a:rPr/>
+              <a:t>the</a:t>
+            </a:r>
+            <a:r>
+              <a:rPr/>
+              <a:t> </a:t>
+            </a:r>
+            <a:r>
+              <a:rPr/>
+              <a:t>Y</a:t>
+            </a:r>
+            <a:r>
+              <a:rPr/>
+              <a:t> </a:t>
+            </a:r>
+            <a:r>
+              <a:rPr/>
+              <a:t>location.</a:t>
+            </a:r>
+          </a:p>
+          <a:p>
+            <a:pPr lvl="0" marL="0" indent="0">
+              <a:buNone/>
+            </a:pPr>
+          </a:p>
+          <a:p>
+            <a:pPr lvl="0" marL="0" indent="0">
+              <a:buNone/>
+            </a:pPr>
+            <a:r>
+              <a:rPr/>
+              <a:t>The</a:t>
+            </a:r>
+            <a:r>
+              <a:rPr/>
+              <a:t> </a:t>
+            </a:r>
+            <a:r>
+              <a:rPr/>
+              <a:t>point</a:t>
+            </a:r>
+            <a:r>
+              <a:rPr/>
+              <a:t> </a:t>
+            </a:r>
+            <a:r>
+              <a:rPr/>
+              <a:t>in</a:t>
+            </a:r>
+            <a:r>
+              <a:rPr/>
+              <a:t> </a:t>
+            </a:r>
+            <a:r>
+              <a:rPr/>
+              <a:t>the</a:t>
+            </a:r>
+            <a:r>
+              <a:rPr/>
+              <a:t> </a:t>
+            </a:r>
+            <a:r>
+              <a:rPr/>
+              <a:t>upper</a:t>
+            </a:r>
+            <a:r>
+              <a:rPr/>
+              <a:t> </a:t>
+            </a:r>
+            <a:r>
+              <a:rPr/>
+              <a:t>left</a:t>
+            </a:r>
+            <a:r>
+              <a:rPr/>
+              <a:t> </a:t>
+            </a:r>
+            <a:r>
+              <a:rPr/>
+              <a:t>corner</a:t>
+            </a:r>
+            <a:r>
+              <a:rPr/>
+              <a:t> </a:t>
+            </a:r>
+            <a:r>
+              <a:rPr/>
+              <a:t>is</a:t>
+            </a:r>
+            <a:r>
+              <a:rPr/>
+              <a:t> </a:t>
+            </a:r>
+            <a:r>
+              <a:rPr/>
+              <a:t>an</a:t>
+            </a:r>
+            <a:r>
+              <a:rPr/>
+              <a:t> </a:t>
+            </a:r>
+            <a:r>
+              <a:rPr/>
+              <a:t>expensive</a:t>
+            </a:r>
+            <a:r>
+              <a:rPr/>
+              <a:t> </a:t>
+            </a:r>
+            <a:r>
+              <a:rPr/>
+              <a:t>house,</a:t>
+            </a:r>
+            <a:r>
+              <a:rPr/>
+              <a:t> </a:t>
+            </a:r>
+            <a:r>
+              <a:rPr/>
+              <a:t>over</a:t>
+            </a:r>
+            <a:r>
+              <a:rPr/>
+              <a:t> </a:t>
+            </a:r>
+            <a:r>
+              <a:rPr/>
+              <a:t>a</a:t>
+            </a:r>
+            <a:r>
+              <a:rPr/>
+              <a:t> </a:t>
+            </a:r>
+            <a:r>
+              <a:rPr/>
+              <a:t>half</a:t>
+            </a:r>
+            <a:r>
+              <a:rPr/>
+              <a:t> </a:t>
+            </a:r>
+            <a:r>
+              <a:rPr/>
+              <a:t>million</a:t>
+            </a:r>
+            <a:r>
+              <a:rPr/>
+              <a:t> </a:t>
+            </a:r>
+            <a:r>
+              <a:rPr/>
+              <a:t>dollars.</a:t>
+            </a:r>
+            <a:r>
+              <a:rPr/>
+              <a:t> </a:t>
+            </a:r>
+            <a:r>
+              <a:rPr/>
+              <a:t>The</a:t>
+            </a:r>
+            <a:r>
+              <a:rPr/>
+              <a:t> </a:t>
+            </a:r>
+            <a:r>
+              <a:rPr/>
+              <a:t>point</a:t>
+            </a:r>
+            <a:r>
+              <a:rPr/>
+              <a:t> </a:t>
+            </a:r>
+            <a:r>
+              <a:rPr/>
+              <a:t>in</a:t>
+            </a:r>
+            <a:r>
+              <a:rPr/>
+              <a:t> </a:t>
+            </a:r>
+            <a:r>
+              <a:rPr/>
+              <a:t>the</a:t>
+            </a:r>
+            <a:r>
+              <a:rPr/>
+              <a:t> </a:t>
+            </a:r>
+            <a:r>
+              <a:rPr/>
+              <a:t>lower</a:t>
+            </a:r>
+            <a:r>
+              <a:rPr/>
+              <a:t> </a:t>
+            </a:r>
+            <a:r>
+              <a:rPr/>
+              <a:t>right</a:t>
+            </a:r>
+            <a:r>
+              <a:rPr/>
+              <a:t> </a:t>
+            </a:r>
+            <a:r>
+              <a:rPr/>
+              <a:t>corner</a:t>
+            </a:r>
+            <a:r>
+              <a:rPr/>
+              <a:t> </a:t>
+            </a:r>
+            <a:r>
+              <a:rPr/>
+              <a:t>is</a:t>
+            </a:r>
+            <a:r>
+              <a:rPr/>
+              <a:t> </a:t>
+            </a:r>
+            <a:r>
+              <a:rPr/>
+              <a:t>a</a:t>
+            </a:r>
+            <a:r>
+              <a:rPr/>
+              <a:t> </a:t>
+            </a:r>
+            <a:r>
+              <a:rPr/>
+              <a:t>cheap</a:t>
+            </a:r>
+            <a:r>
+              <a:rPr/>
+              <a:t> </a:t>
+            </a:r>
+            <a:r>
+              <a:rPr/>
+              <a:t>house,</a:t>
+            </a:r>
+            <a:r>
+              <a:rPr/>
+              <a:t> </a:t>
+            </a:r>
+            <a:r>
+              <a:rPr/>
+              <a:t>about</a:t>
+            </a:r>
+            <a:r>
+              <a:rPr/>
+              <a:t> </a:t>
+            </a:r>
+            <a:r>
+              <a:rPr/>
+              <a:t>one-tenth</a:t>
+            </a:r>
+            <a:r>
+              <a:rPr/>
+              <a:t> </a:t>
+            </a:r>
+            <a:r>
+              <a:rPr/>
+              <a:t>of</a:t>
+            </a:r>
+            <a:r>
+              <a:rPr/>
+              <a:t> </a:t>
+            </a:r>
+            <a:r>
+              <a:rPr/>
+              <a:t>the</a:t>
+            </a:r>
+            <a:r>
+              <a:rPr/>
+              <a:t> </a:t>
+            </a:r>
+            <a:r>
+              <a:rPr/>
+              <a:t>price.</a:t>
+            </a:r>
+          </a:p>
+        </p:txBody>
+      </p:sp>
+      <p:sp>
+        <p:nvSpPr>
+          <p:cNvPr id="4" name="Slide Number Placeholder 3"/>
+          <p:cNvSpPr>
+            <a:spLocks noGrp="1"/>
+          </p:cNvSpPr>
+          <p:nvPr>
+            <p:ph type="sldNum" sz="quarter" idx="10"/>
+          </p:nvPr>
+        </p:nvSpPr>
+        <p:spPr/>
+        <p:txBody>
+          <a:bodyPr/>
+          <a:lstStyle/>
+          <a:p>
+            <a:fld id="{18BDFEC3-8487-43E8-A154-7C12CBC1FFF2}" type="slidenum">
+              <a:rPr lang="en-US"/>
+              <a:t>50</a:t>
+            </a:fld>
+            <a:endParaRPr lang="en-US"/>
+          </a:p>
+        </p:txBody>
+      </p:sp>
+    </p:spTree>
+  </p:cSld>
+</p:notes>
+</file>
+
+<file path=ppt/notesSlides/notesSlide46.xml><?xml version="1.0" encoding="utf-8"?>
+<p:notes xmlns:a="http://schemas.openxmlformats.org/drawingml/2006/main" xmlns:r="http://schemas.openxmlformats.org/officeDocument/2006/relationships" xmlns:p="http://schemas.openxmlformats.org/presentationml/2006/main">
+  <p:cSld>
+    <p:spTree>
+      <p:nvGrpSpPr>
+        <p:cNvPr id="1" name=""/>
+        <p:cNvGrpSpPr/>
+        <p:nvPr/>
+      </p:nvGrpSpPr>
+      <p:grpSpPr>
+        <a:xfrm>
+          <a:off x="0" y="0"/>
+          <a:ext cx="0" cy="0"/>
+          <a:chOff x="0" y="0"/>
+          <a:chExt cx="0" cy="0"/>
+        </a:xfrm>
+      </p:grpSpPr>
+      <p:sp>
+        <p:nvSpPr>
+          <p:cNvPr id="2" name="Slide Image Placeholder 1"/>
+          <p:cNvSpPr>
+            <a:spLocks noGrp="1" noRot="1" noChangeAspect="1"/>
+          </p:cNvSpPr>
+          <p:nvPr>
+            <p:ph type="sldImg"/>
+          </p:nvPr>
+        </p:nvSpPr>
+        <p:spPr/>
+      </p:sp>
+      <p:sp>
+        <p:nvSpPr>
+          <p:cNvPr id="3" name="Notes Placeholder 2"/>
+          <p:cNvSpPr>
+            <a:spLocks noGrp="1"/>
+          </p:cNvSpPr>
+          <p:nvPr>
+            <p:ph type="body" idx="1"/>
+          </p:nvPr>
+        </p:nvSpPr>
+        <p:spPr/>
+        <p:txBody>
+          <a:bodyPr/>
+          <a:lstStyle/>
+          <a:p>
+            <a:pPr lvl="0" marL="0" indent="0">
+              <a:buNone/>
+            </a:pPr>
+            <a:r>
+              <a:rPr/>
+              <a:t>In</a:t>
+            </a:r>
+            <a:r>
+              <a:rPr/>
+              <a:t> </a:t>
+            </a:r>
+            <a:r>
+              <a:rPr/>
+              <a:t>Tableau,</a:t>
+            </a:r>
+            <a:r>
+              <a:rPr/>
+              <a:t> </a:t>
+            </a:r>
+            <a:r>
+              <a:rPr/>
+              <a:t>click</a:t>
+            </a:r>
+            <a:r>
+              <a:rPr/>
+              <a:t> </a:t>
+            </a:r>
+            <a:r>
+              <a:rPr/>
+              <a:t>on</a:t>
+            </a:r>
+            <a:r>
+              <a:rPr/>
+              <a:t> </a:t>
+            </a:r>
+            <a:r>
+              <a:rPr/>
+              <a:t>Age</a:t>
+            </a:r>
+            <a:r>
+              <a:rPr/>
+              <a:t> </a:t>
+            </a:r>
+            <a:r>
+              <a:rPr/>
+              <a:t>in</a:t>
+            </a:r>
+            <a:r>
+              <a:rPr/>
+              <a:t> </a:t>
+            </a:r>
+            <a:r>
+              <a:rPr/>
+              <a:t>the</a:t>
+            </a:r>
+            <a:r>
+              <a:rPr/>
+              <a:t> </a:t>
+            </a:r>
+            <a:r>
+              <a:rPr/>
+              <a:t>Columns</a:t>
+            </a:r>
+            <a:r>
+              <a:rPr/>
+              <a:t> </a:t>
+            </a:r>
+            <a:r>
+              <a:rPr/>
+              <a:t>field</a:t>
+            </a:r>
+            <a:r>
+              <a:rPr/>
+              <a:t> </a:t>
+            </a:r>
+            <a:r>
+              <a:rPr/>
+              <a:t>and</a:t>
+            </a:r>
+            <a:r>
+              <a:rPr/>
+              <a:t> </a:t>
+            </a:r>
+            <a:r>
+              <a:rPr/>
+              <a:t>choose</a:t>
+            </a:r>
+            <a:r>
+              <a:rPr/>
+              <a:t> </a:t>
+            </a:r>
+            <a:r>
+              <a:rPr/>
+              <a:t>the</a:t>
+            </a:r>
+            <a:r>
+              <a:rPr/>
+              <a:t> </a:t>
+            </a:r>
+            <a:r>
+              <a:rPr/>
+              <a:t>remove</a:t>
+            </a:r>
+            <a:r>
+              <a:rPr/>
+              <a:t> </a:t>
+            </a:r>
+            <a:r>
+              <a:rPr/>
+              <a:t>option.</a:t>
+            </a:r>
+            <a:r>
+              <a:rPr/>
+              <a:t> </a:t>
+            </a:r>
+            <a:r>
+              <a:rPr/>
+              <a:t>The</a:t>
+            </a:r>
+            <a:r>
+              <a:rPr/>
+              <a:t> </a:t>
+            </a:r>
+            <a:r>
+              <a:rPr/>
+              <a:t>graph</a:t>
+            </a:r>
+            <a:r>
+              <a:rPr/>
+              <a:t> </a:t>
+            </a:r>
+            <a:r>
+              <a:rPr/>
+              <a:t>looks</a:t>
+            </a:r>
+            <a:r>
+              <a:rPr/>
+              <a:t> </a:t>
+            </a:r>
+            <a:r>
+              <a:rPr/>
+              <a:t>a</a:t>
+            </a:r>
+            <a:r>
+              <a:rPr/>
+              <a:t> </a:t>
+            </a:r>
+            <a:r>
+              <a:rPr/>
+              <a:t>bit</a:t>
+            </a:r>
+            <a:r>
+              <a:rPr/>
+              <a:t> </a:t>
+            </a:r>
+            <a:r>
+              <a:rPr/>
+              <a:t>weird</a:t>
+            </a:r>
+            <a:r>
+              <a:rPr/>
+              <a:t> </a:t>
+            </a:r>
+            <a:r>
+              <a:rPr/>
+              <a:t>with</a:t>
+            </a:r>
+            <a:r>
+              <a:rPr/>
+              <a:t> </a:t>
+            </a:r>
+            <a:r>
+              <a:rPr/>
+              <a:t>no</a:t>
+            </a:r>
+            <a:r>
+              <a:rPr/>
+              <a:t> </a:t>
+            </a:r>
+            <a:r>
+              <a:rPr/>
+              <a:t>columns,</a:t>
+            </a:r>
+            <a:r>
+              <a:rPr/>
+              <a:t> </a:t>
+            </a:r>
+            <a:r>
+              <a:rPr/>
+              <a:t>but</a:t>
+            </a:r>
+            <a:r>
+              <a:rPr/>
+              <a:t> </a:t>
+            </a:r>
+            <a:r>
+              <a:rPr/>
+              <a:t>ignore</a:t>
+            </a:r>
+            <a:r>
+              <a:rPr/>
+              <a:t> </a:t>
+            </a:r>
+            <a:r>
+              <a:rPr/>
+              <a:t>it.</a:t>
+            </a:r>
+            <a:r>
+              <a:rPr/>
+              <a:t> </a:t>
+            </a:r>
+            <a:r>
+              <a:rPr/>
+              <a:t>Drag</a:t>
+            </a:r>
+            <a:r>
+              <a:rPr/>
+              <a:t> </a:t>
+            </a:r>
+            <a:r>
+              <a:rPr/>
+              <a:t>Bedrooms</a:t>
+            </a:r>
+            <a:r>
+              <a:rPr/>
+              <a:t> </a:t>
+            </a:r>
+            <a:r>
+              <a:rPr/>
+              <a:t>over</a:t>
+            </a:r>
+            <a:r>
+              <a:rPr/>
+              <a:t> </a:t>
+            </a:r>
+            <a:r>
+              <a:rPr/>
+              <a:t>to</a:t>
+            </a:r>
+            <a:r>
+              <a:rPr/>
+              <a:t> </a:t>
+            </a:r>
+            <a:r>
+              <a:rPr/>
+              <a:t>the</a:t>
+            </a:r>
+            <a:r>
+              <a:rPr/>
+              <a:t> </a:t>
+            </a:r>
+            <a:r>
+              <a:rPr/>
+              <a:t>Columns</a:t>
+            </a:r>
+            <a:r>
+              <a:rPr/>
+              <a:t> </a:t>
+            </a:r>
+            <a:r>
+              <a:rPr/>
+              <a:t>field.</a:t>
+            </a:r>
+            <a:r>
+              <a:rPr/>
+              <a:t> </a:t>
+            </a:r>
+            <a:r>
+              <a:rPr/>
+              <a:t>Tableau</a:t>
+            </a:r>
+            <a:r>
+              <a:rPr/>
+              <a:t> </a:t>
+            </a:r>
+            <a:r>
+              <a:rPr/>
+              <a:t>wants</a:t>
+            </a:r>
+            <a:r>
+              <a:rPr/>
+              <a:t> </a:t>
+            </a:r>
+            <a:r>
+              <a:rPr/>
+              <a:t>to</a:t>
+            </a:r>
+            <a:r>
+              <a:rPr/>
+              <a:t> </a:t>
+            </a:r>
+            <a:r>
+              <a:rPr/>
+              <a:t>use</a:t>
+            </a:r>
+            <a:r>
+              <a:rPr/>
+              <a:t> </a:t>
+            </a:r>
+            <a:r>
+              <a:rPr/>
+              <a:t>a</a:t>
+            </a:r>
+            <a:r>
+              <a:rPr/>
+              <a:t> </a:t>
+            </a:r>
+            <a:r>
+              <a:rPr/>
+              <a:t>sum,</a:t>
+            </a:r>
+            <a:r>
+              <a:rPr/>
+              <a:t> </a:t>
+            </a:r>
+            <a:r>
+              <a:rPr/>
+              <a:t>but</a:t>
+            </a:r>
+            <a:r>
+              <a:rPr/>
+              <a:t> </a:t>
+            </a:r>
+            <a:r>
+              <a:rPr/>
+              <a:t>you</a:t>
+            </a:r>
+            <a:r>
+              <a:rPr/>
+              <a:t> </a:t>
+            </a:r>
+            <a:r>
+              <a:rPr/>
+              <a:t>want</a:t>
+            </a:r>
+            <a:r>
+              <a:rPr/>
+              <a:t> </a:t>
+            </a:r>
+            <a:r>
+              <a:rPr/>
+              <a:t>individual</a:t>
+            </a:r>
+            <a:r>
+              <a:rPr/>
+              <a:t> </a:t>
+            </a:r>
+            <a:r>
+              <a:rPr/>
+              <a:t>data</a:t>
+            </a:r>
+            <a:r>
+              <a:rPr/>
+              <a:t> </a:t>
+            </a:r>
+            <a:r>
+              <a:rPr/>
+              <a:t>points.</a:t>
+            </a:r>
+            <a:r>
+              <a:rPr/>
+              <a:t> </a:t>
+            </a:r>
+            <a:r>
+              <a:rPr/>
+              <a:t>So</a:t>
+            </a:r>
+            <a:r>
+              <a:rPr/>
+              <a:t> </a:t>
+            </a:r>
+            <a:r>
+              <a:rPr/>
+              <a:t>click</a:t>
+            </a:r>
+            <a:r>
+              <a:rPr/>
+              <a:t> </a:t>
+            </a:r>
+            <a:r>
+              <a:rPr/>
+              <a:t>on</a:t>
+            </a:r>
+            <a:r>
+              <a:rPr/>
+              <a:t> </a:t>
+            </a:r>
+            <a:r>
+              <a:rPr/>
+              <a:t>SUM(Bedrooms)</a:t>
+            </a:r>
+            <a:r>
+              <a:rPr/>
+              <a:t> </a:t>
+            </a:r>
+            <a:r>
+              <a:rPr/>
+              <a:t>and</a:t>
+            </a:r>
+            <a:r>
+              <a:rPr/>
+              <a:t> </a:t>
+            </a:r>
+            <a:r>
+              <a:rPr/>
+              <a:t>change</a:t>
+            </a:r>
+            <a:r>
+              <a:rPr/>
+              <a:t> </a:t>
+            </a:r>
+            <a:r>
+              <a:rPr/>
+              <a:t>it</a:t>
+            </a:r>
+            <a:r>
+              <a:rPr/>
+              <a:t> </a:t>
+            </a:r>
+            <a:r>
+              <a:rPr/>
+              <a:t>to</a:t>
+            </a:r>
+            <a:r>
+              <a:rPr/>
+              <a:t> </a:t>
+            </a:r>
+            <a:r>
+              <a:rPr/>
+              <a:t>a</a:t>
+            </a:r>
+            <a:r>
+              <a:rPr/>
+              <a:t> </a:t>
+            </a:r>
+            <a:r>
+              <a:rPr/>
+              <a:t>Dimension.</a:t>
+            </a:r>
+          </a:p>
+        </p:txBody>
+      </p:sp>
+      <p:sp>
+        <p:nvSpPr>
+          <p:cNvPr id="4" name="Slide Number Placeholder 3"/>
+          <p:cNvSpPr>
+            <a:spLocks noGrp="1"/>
+          </p:cNvSpPr>
+          <p:nvPr>
+            <p:ph type="sldNum" sz="quarter" idx="10"/>
+          </p:nvPr>
+        </p:nvSpPr>
+        <p:spPr/>
+        <p:txBody>
+          <a:bodyPr/>
+          <a:lstStyle/>
+          <a:p>
+            <a:fld id="{18BDFEC3-8487-43E8-A154-7C12CBC1FFF2}" type="slidenum">
+              <a:rPr lang="en-US"/>
+              <a:t>57</a:t>
+            </a:fld>
+            <a:endParaRPr lang="en-US"/>
+          </a:p>
+        </p:txBody>
+      </p:sp>
+    </p:spTree>
+  </p:cSld>
+</p:notes>
+</file>
+
+<file path=ppt/notesSlides/notesSlide47.xml><?xml version="1.0" encoding="utf-8"?>
+<p:notes xmlns:a="http://schemas.openxmlformats.org/drawingml/2006/main" xmlns:r="http://schemas.openxmlformats.org/officeDocument/2006/relationships" xmlns:p="http://schemas.openxmlformats.org/presentationml/2006/main">
+  <p:cSld>
+    <p:spTree>
+      <p:nvGrpSpPr>
+        <p:cNvPr id="1" name=""/>
+        <p:cNvGrpSpPr/>
+        <p:nvPr/>
+      </p:nvGrpSpPr>
+      <p:grpSpPr>
+        <a:xfrm>
+          <a:off x="0" y="0"/>
+          <a:ext cx="0" cy="0"/>
+          <a:chOff x="0" y="0"/>
+          <a:chExt cx="0" cy="0"/>
+        </a:xfrm>
+      </p:grpSpPr>
+      <p:sp>
+        <p:nvSpPr>
+          <p:cNvPr id="2" name="Slide Image Placeholder 1"/>
+          <p:cNvSpPr>
+            <a:spLocks noGrp="1" noRot="1" noChangeAspect="1"/>
+          </p:cNvSpPr>
+          <p:nvPr>
+            <p:ph type="sldImg"/>
+          </p:nvPr>
+        </p:nvSpPr>
+        <p:spPr/>
+      </p:sp>
+      <p:sp>
+        <p:nvSpPr>
+          <p:cNvPr id="3" name="Notes Placeholder 2"/>
+          <p:cNvSpPr>
+            <a:spLocks noGrp="1"/>
+          </p:cNvSpPr>
+          <p:nvPr>
+            <p:ph type="body" idx="1"/>
+          </p:nvPr>
+        </p:nvSpPr>
+        <p:spPr/>
+        <p:txBody>
+          <a:bodyPr/>
+          <a:lstStyle/>
+          <a:p>
+            <a:pPr lvl="0" marL="0" indent="0">
+              <a:buNone/>
+            </a:pPr>
+            <a:r>
+              <a:rPr/>
+              <a:t>The</a:t>
+            </a:r>
+            <a:r>
+              <a:rPr/>
+              <a:t> </a:t>
+            </a:r>
+            <a:r>
+              <a:rPr/>
+              <a:t>house</a:t>
+            </a:r>
+            <a:r>
+              <a:rPr/>
+              <a:t> </a:t>
+            </a:r>
+            <a:r>
+              <a:rPr/>
+              <a:t>in</a:t>
+            </a:r>
+            <a:r>
+              <a:rPr/>
+              <a:t> </a:t>
+            </a:r>
+            <a:r>
+              <a:rPr/>
+              <a:t>the</a:t>
+            </a:r>
+            <a:r>
+              <a:rPr/>
+              <a:t> </a:t>
+            </a:r>
+            <a:r>
+              <a:rPr/>
+              <a:t>upper</a:t>
+            </a:r>
+            <a:r>
+              <a:rPr/>
+              <a:t> </a:t>
+            </a:r>
+            <a:r>
+              <a:rPr/>
+              <a:t>left</a:t>
+            </a:r>
+            <a:r>
+              <a:rPr/>
+              <a:t> </a:t>
+            </a:r>
+            <a:r>
+              <a:rPr/>
+              <a:t>corner</a:t>
+            </a:r>
+            <a:r>
+              <a:rPr/>
+              <a:t> </a:t>
+            </a:r>
+            <a:r>
+              <a:rPr/>
+              <a:t>has</a:t>
+            </a:r>
+            <a:r>
+              <a:rPr/>
+              <a:t> </a:t>
+            </a:r>
+            <a:r>
+              <a:rPr/>
+              <a:t>four</a:t>
+            </a:r>
+            <a:r>
+              <a:rPr/>
+              <a:t> </a:t>
+            </a:r>
+            <a:r>
+              <a:rPr/>
+              <a:t>bedrooms,</a:t>
+            </a:r>
+            <a:r>
+              <a:rPr/>
+              <a:t> </a:t>
+            </a:r>
+            <a:r>
+              <a:rPr/>
+              <a:t>and</a:t>
+            </a:r>
+            <a:r>
+              <a:rPr/>
+              <a:t> </a:t>
+            </a:r>
+            <a:r>
+              <a:rPr/>
+              <a:t>the</a:t>
+            </a:r>
+            <a:r>
+              <a:rPr/>
+              <a:t> </a:t>
+            </a:r>
+            <a:r>
+              <a:rPr/>
+              <a:t>house</a:t>
+            </a:r>
+            <a:r>
+              <a:rPr/>
+              <a:t> </a:t>
+            </a:r>
+            <a:r>
+              <a:rPr/>
+              <a:t>in</a:t>
+            </a:r>
+            <a:r>
+              <a:rPr/>
+              <a:t> </a:t>
+            </a:r>
+            <a:r>
+              <a:rPr/>
+              <a:t>the</a:t>
+            </a:r>
+            <a:r>
+              <a:rPr/>
+              <a:t> </a:t>
+            </a:r>
+            <a:r>
+              <a:rPr/>
+              <a:t>lower</a:t>
+            </a:r>
+            <a:r>
+              <a:rPr/>
+              <a:t> </a:t>
+            </a:r>
+            <a:r>
+              <a:rPr/>
+              <a:t>right</a:t>
+            </a:r>
+            <a:r>
+              <a:rPr/>
+              <a:t> </a:t>
+            </a:r>
+            <a:r>
+              <a:rPr/>
+              <a:t>corner</a:t>
+            </a:r>
+            <a:r>
+              <a:rPr/>
+              <a:t> </a:t>
+            </a:r>
+            <a:r>
+              <a:rPr/>
+              <a:t>has</a:t>
+            </a:r>
+            <a:r>
+              <a:rPr/>
+              <a:t> </a:t>
+            </a:r>
+            <a:r>
+              <a:rPr/>
+              <a:t>five</a:t>
+            </a:r>
+            <a:r>
+              <a:rPr/>
+              <a:t> </a:t>
+            </a:r>
+            <a:r>
+              <a:rPr/>
+              <a:t>bedrooms.</a:t>
+            </a:r>
+            <a:r>
+              <a:rPr/>
+              <a:t> </a:t>
+            </a:r>
+            <a:r>
+              <a:rPr/>
+              <a:t>You</a:t>
+            </a:r>
+            <a:r>
+              <a:rPr/>
+              <a:t> </a:t>
+            </a:r>
+            <a:r>
+              <a:rPr/>
+              <a:t>use</a:t>
+            </a:r>
+            <a:r>
+              <a:rPr/>
+              <a:t> </a:t>
+            </a:r>
+            <a:r>
+              <a:rPr/>
+              <a:t>circles</a:t>
+            </a:r>
+            <a:r>
+              <a:rPr/>
+              <a:t> </a:t>
+            </a:r>
+            <a:r>
+              <a:rPr/>
+              <a:t>and</a:t>
+            </a:r>
+            <a:r>
+              <a:rPr/>
+              <a:t> </a:t>
+            </a:r>
+            <a:r>
+              <a:rPr/>
+              <a:t>triangles</a:t>
+            </a:r>
+            <a:r>
+              <a:rPr/>
+              <a:t> </a:t>
+            </a:r>
+            <a:r>
+              <a:rPr/>
+              <a:t>to</a:t>
+            </a:r>
+            <a:r>
+              <a:rPr/>
+              <a:t> </a:t>
+            </a:r>
+            <a:r>
+              <a:rPr/>
+              <a:t>designate</a:t>
+            </a:r>
+            <a:r>
+              <a:rPr/>
+              <a:t> </a:t>
+            </a:r>
+            <a:r>
+              <a:rPr/>
+              <a:t>this</a:t>
+            </a:r>
+            <a:r>
+              <a:rPr/>
+              <a:t> </a:t>
+            </a:r>
+            <a:r>
+              <a:rPr/>
+              <a:t>and</a:t>
+            </a:r>
+            <a:r>
+              <a:rPr/>
+              <a:t> </a:t>
+            </a:r>
+            <a:r>
+              <a:rPr/>
+              <a:t>the</a:t>
+            </a:r>
+            <a:r>
+              <a:rPr/>
+              <a:t> </a:t>
+            </a:r>
+            <a:r>
+              <a:rPr/>
+              <a:t>legend</a:t>
+            </a:r>
+            <a:r>
+              <a:rPr/>
+              <a:t> </a:t>
+            </a:r>
+            <a:r>
+              <a:rPr/>
+              <a:t>on</a:t>
+            </a:r>
+            <a:r>
+              <a:rPr/>
+              <a:t> </a:t>
+            </a:r>
+            <a:r>
+              <a:rPr/>
+              <a:t>the</a:t>
+            </a:r>
+            <a:r>
+              <a:rPr/>
+              <a:t> </a:t>
+            </a:r>
+            <a:r>
+              <a:rPr/>
+              <a:t>right</a:t>
+            </a:r>
+            <a:r>
+              <a:rPr/>
+              <a:t> </a:t>
+            </a:r>
+            <a:r>
+              <a:rPr/>
+              <a:t>hand</a:t>
+            </a:r>
+            <a:r>
+              <a:rPr/>
+              <a:t> </a:t>
+            </a:r>
+            <a:r>
+              <a:rPr/>
+              <a:t>side</a:t>
+            </a:r>
+            <a:r>
+              <a:rPr/>
+              <a:t> </a:t>
+            </a:r>
+            <a:r>
+              <a:rPr/>
+              <a:t>tells</a:t>
+            </a:r>
+            <a:r>
+              <a:rPr/>
+              <a:t> </a:t>
+            </a:r>
+            <a:r>
+              <a:rPr/>
+              <a:t>you</a:t>
+            </a:r>
+            <a:r>
+              <a:rPr/>
+              <a:t> </a:t>
+            </a:r>
+            <a:r>
+              <a:rPr/>
+              <a:t>how</a:t>
+            </a:r>
+            <a:r>
+              <a:rPr/>
+              <a:t> </a:t>
+            </a:r>
+            <a:r>
+              <a:rPr/>
+              <a:t>to</a:t>
+            </a:r>
+            <a:r>
+              <a:rPr/>
+              <a:t> </a:t>
+            </a:r>
+            <a:r>
+              <a:rPr/>
+              <a:t>decipher</a:t>
+            </a:r>
+            <a:r>
+              <a:rPr/>
+              <a:t> </a:t>
+            </a:r>
+            <a:r>
+              <a:rPr/>
+              <a:t>the</a:t>
+            </a:r>
+            <a:r>
+              <a:rPr/>
+              <a:t> </a:t>
+            </a:r>
+            <a:r>
+              <a:rPr/>
+              <a:t>symbols.</a:t>
+            </a:r>
+          </a:p>
+          <a:p>
+            <a:pPr lvl="0" marL="0" indent="0">
+              <a:buNone/>
+            </a:pPr>
+          </a:p>
+          <a:p>
+            <a:pPr lvl="0" marL="0" indent="0">
+              <a:buNone/>
+            </a:pPr>
+            <a:r>
+              <a:rPr/>
+              <a:t>I</a:t>
+            </a:r>
+            <a:r>
+              <a:rPr/>
+              <a:t> </a:t>
+            </a:r>
+            <a:r>
+              <a:rPr/>
+              <a:t>want</a:t>
+            </a:r>
+            <a:r>
+              <a:rPr/>
+              <a:t> </a:t>
+            </a:r>
+            <a:r>
+              <a:rPr/>
+              <a:t>to</a:t>
+            </a:r>
+            <a:r>
+              <a:rPr/>
+              <a:t> </a:t>
+            </a:r>
+            <a:r>
+              <a:rPr/>
+              <a:t>note</a:t>
+            </a:r>
+            <a:r>
+              <a:rPr/>
+              <a:t> </a:t>
+            </a:r>
+            <a:r>
+              <a:rPr/>
+              <a:t>here</a:t>
+            </a:r>
+            <a:r>
+              <a:rPr/>
+              <a:t> </a:t>
+            </a:r>
+            <a:r>
+              <a:rPr/>
+              <a:t>that</a:t>
+            </a:r>
+            <a:r>
+              <a:rPr/>
+              <a:t> </a:t>
+            </a:r>
+            <a:r>
+              <a:rPr/>
+              <a:t>this</a:t>
+            </a:r>
+            <a:r>
+              <a:rPr/>
+              <a:t> </a:t>
+            </a:r>
+            <a:r>
+              <a:rPr/>
+              <a:t>plot</a:t>
+            </a:r>
+            <a:r>
+              <a:rPr/>
+              <a:t> </a:t>
+            </a:r>
+            <a:r>
+              <a:rPr/>
+              <a:t>is</a:t>
+            </a:r>
+            <a:r>
+              <a:rPr/>
+              <a:t> </a:t>
+            </a:r>
+            <a:r>
+              <a:rPr/>
+              <a:t>effectively</a:t>
+            </a:r>
+            <a:r>
+              <a:rPr/>
+              <a:t> </a:t>
+            </a:r>
+            <a:r>
+              <a:rPr/>
+              <a:t>showing</a:t>
+            </a:r>
+            <a:r>
+              <a:rPr/>
+              <a:t> </a:t>
+            </a:r>
+            <a:r>
+              <a:rPr/>
+              <a:t>three</a:t>
+            </a:r>
+            <a:r>
+              <a:rPr/>
+              <a:t> </a:t>
+            </a:r>
+            <a:r>
+              <a:rPr/>
+              <a:t>dimensions,</a:t>
+            </a:r>
+            <a:r>
+              <a:rPr/>
+              <a:t> </a:t>
+            </a:r>
+            <a:r>
+              <a:rPr/>
+              <a:t>Age,</a:t>
+            </a:r>
+            <a:r>
+              <a:rPr/>
+              <a:t> </a:t>
+            </a:r>
+            <a:r>
+              <a:rPr/>
+              <a:t>Price,</a:t>
+            </a:r>
+            <a:r>
+              <a:rPr/>
+              <a:t> </a:t>
+            </a:r>
+            <a:r>
+              <a:rPr/>
+              <a:t>and</a:t>
+            </a:r>
+            <a:r>
+              <a:rPr/>
+              <a:t> </a:t>
+            </a:r>
+            <a:r>
+              <a:rPr/>
+              <a:t>Bedrooms,</a:t>
+            </a:r>
+            <a:r>
+              <a:rPr/>
+              <a:t> </a:t>
+            </a:r>
+            <a:r>
+              <a:rPr/>
+              <a:t>even</a:t>
+            </a:r>
+            <a:r>
+              <a:rPr/>
+              <a:t> </a:t>
+            </a:r>
+            <a:r>
+              <a:rPr/>
+              <a:t>though</a:t>
+            </a:r>
+            <a:r>
+              <a:rPr/>
+              <a:t> </a:t>
+            </a:r>
+            <a:r>
+              <a:rPr/>
+              <a:t>it</a:t>
+            </a:r>
+            <a:r>
+              <a:rPr/>
+              <a:t> </a:t>
+            </a:r>
+            <a:r>
+              <a:rPr/>
+              <a:t>is</a:t>
+            </a:r>
+            <a:r>
+              <a:rPr/>
+              <a:t> </a:t>
+            </a:r>
+            <a:r>
+              <a:rPr/>
+              <a:t>restricted</a:t>
+            </a:r>
+            <a:r>
+              <a:rPr/>
+              <a:t> </a:t>
+            </a:r>
+            <a:r>
+              <a:rPr/>
+              <a:t>to</a:t>
+            </a:r>
+            <a:r>
+              <a:rPr/>
+              <a:t> </a:t>
+            </a:r>
+            <a:r>
+              <a:rPr/>
+              <a:t>a</a:t>
+            </a:r>
+            <a:r>
+              <a:rPr/>
+              <a:t> </a:t>
+            </a:r>
+            <a:r>
+              <a:rPr/>
+              <a:t>two</a:t>
+            </a:r>
+            <a:r>
+              <a:rPr/>
+              <a:t> </a:t>
+            </a:r>
+            <a:r>
+              <a:rPr/>
+              <a:t>dimensional</a:t>
+            </a:r>
+            <a:r>
+              <a:rPr/>
+              <a:t> </a:t>
+            </a:r>
+            <a:r>
+              <a:rPr/>
+              <a:t>screen.</a:t>
+            </a:r>
+          </a:p>
+          <a:p>
+            <a:pPr lvl="0" marL="0" indent="0">
+              <a:buNone/>
+            </a:pPr>
+          </a:p>
+          <a:p>
+            <a:pPr lvl="0" marL="0" indent="0">
+              <a:buNone/>
+            </a:pPr>
+            <a:r>
+              <a:rPr/>
+              <a:t>I</a:t>
+            </a:r>
+            <a:r>
+              <a:rPr/>
+              <a:t> </a:t>
+            </a:r>
+            <a:r>
+              <a:rPr/>
+              <a:t>also</a:t>
+            </a:r>
+            <a:r>
+              <a:rPr/>
+              <a:t> </a:t>
+            </a:r>
+            <a:r>
+              <a:rPr/>
+              <a:t>want</a:t>
+            </a:r>
+            <a:r>
+              <a:rPr/>
+              <a:t> </a:t>
+            </a:r>
+            <a:r>
+              <a:rPr/>
+              <a:t>to</a:t>
+            </a:r>
+            <a:r>
+              <a:rPr/>
+              <a:t> </a:t>
+            </a:r>
+            <a:r>
+              <a:rPr/>
+              <a:t>point</a:t>
+            </a:r>
+            <a:r>
+              <a:rPr/>
+              <a:t> </a:t>
+            </a:r>
+            <a:r>
+              <a:rPr/>
+              <a:t>out</a:t>
+            </a:r>
+            <a:r>
+              <a:rPr/>
+              <a:t> </a:t>
+            </a:r>
+            <a:r>
+              <a:rPr/>
+              <a:t>that</a:t>
+            </a:r>
+            <a:r>
+              <a:rPr/>
+              <a:t> </a:t>
+            </a:r>
+            <a:r>
+              <a:rPr/>
+              <a:t>this</a:t>
+            </a:r>
+            <a:r>
+              <a:rPr/>
+              <a:t> </a:t>
+            </a:r>
+            <a:r>
+              <a:rPr/>
+              <a:t>may</a:t>
+            </a:r>
+            <a:r>
+              <a:rPr/>
+              <a:t> </a:t>
+            </a:r>
+            <a:r>
+              <a:rPr/>
+              <a:t>not</a:t>
+            </a:r>
+            <a:r>
+              <a:rPr/>
+              <a:t> </a:t>
+            </a:r>
+            <a:r>
+              <a:rPr/>
+              <a:t>be</a:t>
+            </a:r>
+            <a:r>
+              <a:rPr/>
+              <a:t> </a:t>
+            </a:r>
+            <a:r>
+              <a:rPr/>
+              <a:t>the</a:t>
+            </a:r>
+            <a:r>
+              <a:rPr/>
+              <a:t> </a:t>
+            </a:r>
+            <a:r>
+              <a:rPr/>
+              <a:t>best</a:t>
+            </a:r>
+            <a:r>
+              <a:rPr/>
+              <a:t> </a:t>
+            </a:r>
+            <a:r>
+              <a:rPr/>
+              <a:t>way</a:t>
+            </a:r>
+            <a:r>
+              <a:rPr/>
+              <a:t> </a:t>
+            </a:r>
+            <a:r>
+              <a:rPr/>
+              <a:t>to</a:t>
+            </a:r>
+            <a:r>
+              <a:rPr/>
+              <a:t> </a:t>
+            </a:r>
+            <a:r>
+              <a:rPr/>
+              <a:t>visualize</a:t>
+            </a:r>
+            <a:r>
+              <a:rPr/>
+              <a:t> </a:t>
+            </a:r>
+            <a:r>
+              <a:rPr/>
+              <a:t>the</a:t>
+            </a:r>
+            <a:r>
+              <a:rPr/>
+              <a:t> </a:t>
+            </a:r>
+            <a:r>
+              <a:rPr/>
+              <a:t>relationship</a:t>
+            </a:r>
+            <a:r>
+              <a:rPr/>
+              <a:t> </a:t>
+            </a:r>
+            <a:r>
+              <a:rPr/>
+              <a:t>among</a:t>
+            </a:r>
+            <a:r>
+              <a:rPr/>
+              <a:t> </a:t>
+            </a:r>
+            <a:r>
+              <a:rPr/>
+              <a:t>these</a:t>
+            </a:r>
+            <a:r>
+              <a:rPr/>
+              <a:t> </a:t>
+            </a:r>
+            <a:r>
+              <a:rPr/>
+              <a:t>three</a:t>
+            </a:r>
+            <a:r>
+              <a:rPr/>
+              <a:t> </a:t>
+            </a:r>
+            <a:r>
+              <a:rPr/>
+              <a:t>variables.</a:t>
+            </a:r>
+          </a:p>
+        </p:txBody>
+      </p:sp>
+      <p:sp>
+        <p:nvSpPr>
+          <p:cNvPr id="4" name="Slide Number Placeholder 3"/>
+          <p:cNvSpPr>
+            <a:spLocks noGrp="1"/>
+          </p:cNvSpPr>
+          <p:nvPr>
+            <p:ph type="sldNum" sz="quarter" idx="10"/>
+          </p:nvPr>
+        </p:nvSpPr>
+        <p:spPr/>
+        <p:txBody>
+          <a:bodyPr/>
+          <a:lstStyle/>
+          <a:p>
+            <a:fld id="{18BDFEC3-8487-43E8-A154-7C12CBC1FFF2}" type="slidenum">
+              <a:rPr lang="en-US"/>
+              <a:t>58</a:t>
+            </a:fld>
+            <a:endParaRPr lang="en-US"/>
+          </a:p>
+        </p:txBody>
+      </p:sp>
+    </p:spTree>
+  </p:cSld>
+</p:notes>
+</file>
+
+<file path=ppt/notesSlides/notesSlide48.xml><?xml version="1.0" encoding="utf-8"?>
+<p:notes xmlns:a="http://schemas.openxmlformats.org/drawingml/2006/main" xmlns:r="http://schemas.openxmlformats.org/officeDocument/2006/relationships" xmlns:p="http://schemas.openxmlformats.org/presentationml/2006/main">
+  <p:cSld>
+    <p:spTree>
+      <p:nvGrpSpPr>
+        <p:cNvPr id="1" name=""/>
+        <p:cNvGrpSpPr/>
+        <p:nvPr/>
+      </p:nvGrpSpPr>
+      <p:grpSpPr>
+        <a:xfrm>
+          <a:off x="0" y="0"/>
+          <a:ext cx="0" cy="0"/>
+          <a:chOff x="0" y="0"/>
+          <a:chExt cx="0" cy="0"/>
+        </a:xfrm>
+      </p:grpSpPr>
+      <p:sp>
+        <p:nvSpPr>
+          <p:cNvPr id="2" name="Slide Image Placeholder 1"/>
+          <p:cNvSpPr>
+            <a:spLocks noGrp="1" noRot="1" noChangeAspect="1"/>
+          </p:cNvSpPr>
+          <p:nvPr>
+            <p:ph type="sldImg"/>
+          </p:nvPr>
+        </p:nvSpPr>
+        <p:spPr/>
+      </p:sp>
+      <p:sp>
+        <p:nvSpPr>
+          <p:cNvPr id="3" name="Notes Placeholder 2"/>
+          <p:cNvSpPr>
+            <a:spLocks noGrp="1"/>
+          </p:cNvSpPr>
+          <p:nvPr>
+            <p:ph type="body" idx="1"/>
+          </p:nvPr>
+        </p:nvSpPr>
+        <p:spPr/>
+        <p:txBody>
+          <a:bodyPr/>
+          <a:lstStyle/>
+          <a:p>
+            <a:pPr lvl="0" marL="0" indent="0">
+              <a:buNone/>
+            </a:pPr>
+            <a:r>
+              <a:rPr/>
+              <a:t>Here</a:t>
+            </a:r>
+            <a:r>
+              <a:rPr/>
+              <a:t> </a:t>
+            </a:r>
+            <a:r>
+              <a:rPr/>
+              <a:t>is</a:t>
+            </a:r>
+            <a:r>
+              <a:rPr/>
+              <a:t> </a:t>
+            </a:r>
+            <a:r>
+              <a:rPr/>
+              <a:t>what</a:t>
+            </a:r>
+            <a:r>
+              <a:rPr/>
+              <a:t> </a:t>
+            </a:r>
+            <a:r>
+              <a:rPr/>
+              <a:t>the</a:t>
+            </a:r>
+            <a:r>
+              <a:rPr/>
+              <a:t> </a:t>
+            </a:r>
+            <a:r>
+              <a:rPr/>
+              <a:t>R</a:t>
+            </a:r>
+            <a:r>
+              <a:rPr/>
+              <a:t> </a:t>
+            </a:r>
+            <a:r>
+              <a:rPr/>
+              <a:t>graph</a:t>
+            </a:r>
+            <a:r>
+              <a:rPr/>
+              <a:t> </a:t>
+            </a:r>
+            <a:r>
+              <a:rPr/>
+              <a:t>looks</a:t>
+            </a:r>
+            <a:r>
+              <a:rPr/>
+              <a:t> </a:t>
+            </a:r>
+            <a:r>
+              <a:rPr/>
+              <a:t>like.</a:t>
+            </a:r>
+            <a:r>
+              <a:rPr/>
+              <a:t> </a:t>
+            </a:r>
+            <a:r>
+              <a:rPr/>
+              <a:t>I</a:t>
+            </a:r>
+            <a:r>
+              <a:rPr/>
+              <a:t> </a:t>
+            </a:r>
+            <a:r>
+              <a:rPr/>
+              <a:t>don’t</a:t>
+            </a:r>
+            <a:r>
+              <a:rPr/>
+              <a:t> </a:t>
+            </a:r>
+            <a:r>
+              <a:rPr/>
+              <a:t>particularly</a:t>
+            </a:r>
+            <a:r>
+              <a:rPr/>
+              <a:t> </a:t>
+            </a:r>
+            <a:r>
+              <a:rPr/>
+              <a:t>like</a:t>
+            </a:r>
+            <a:r>
+              <a:rPr/>
+              <a:t> </a:t>
+            </a:r>
+            <a:r>
+              <a:rPr/>
+              <a:t>this</a:t>
+            </a:r>
+            <a:r>
+              <a:rPr/>
+              <a:t> </a:t>
+            </a:r>
+            <a:r>
+              <a:rPr/>
+              <a:t>graph.</a:t>
+            </a:r>
+            <a:r>
+              <a:rPr/>
+              <a:t> </a:t>
+            </a:r>
+            <a:r>
+              <a:rPr/>
+              <a:t>It</a:t>
+            </a:r>
+            <a:r>
+              <a:rPr/>
+              <a:t> </a:t>
+            </a:r>
+            <a:r>
+              <a:rPr/>
+              <a:t>is</a:t>
+            </a:r>
+            <a:r>
+              <a:rPr/>
+              <a:t> </a:t>
+            </a:r>
+            <a:r>
+              <a:rPr/>
+              <a:t>confusing,</a:t>
+            </a:r>
+            <a:r>
+              <a:rPr/>
+              <a:t> </a:t>
+            </a:r>
+            <a:r>
+              <a:rPr/>
+              <a:t>especially</a:t>
+            </a:r>
+            <a:r>
+              <a:rPr/>
+              <a:t> </a:t>
+            </a:r>
+            <a:r>
+              <a:rPr/>
+              <a:t>with</a:t>
+            </a:r>
+            <a:r>
+              <a:rPr/>
+              <a:t> </a:t>
+            </a:r>
+            <a:r>
+              <a:rPr/>
+              <a:t>all</a:t>
+            </a:r>
+            <a:r>
+              <a:rPr/>
+              <a:t> </a:t>
+            </a:r>
+            <a:r>
+              <a:rPr/>
+              <a:t>the</a:t>
+            </a:r>
+            <a:r>
+              <a:rPr/>
+              <a:t> </a:t>
+            </a:r>
+            <a:r>
+              <a:rPr/>
+              <a:t>overprinting.</a:t>
+            </a:r>
+          </a:p>
+        </p:txBody>
+      </p:sp>
+      <p:sp>
+        <p:nvSpPr>
+          <p:cNvPr id="4" name="Slide Number Placeholder 3"/>
+          <p:cNvSpPr>
+            <a:spLocks noGrp="1"/>
+          </p:cNvSpPr>
+          <p:nvPr>
+            <p:ph type="sldNum" sz="quarter" idx="10"/>
+          </p:nvPr>
+        </p:nvSpPr>
+        <p:spPr/>
+        <p:txBody>
+          <a:bodyPr/>
+          <a:lstStyle/>
+          <a:p>
+            <a:fld id="{18BDFEC3-8487-43E8-A154-7C12CBC1FFF2}" type="slidenum">
+              <a:rPr lang="en-US"/>
+              <a:t>64</a:t>
+            </a:fld>
+            <a:endParaRPr lang="en-US"/>
+          </a:p>
+        </p:txBody>
+      </p:sp>
+    </p:spTree>
+  </p:cSld>
+</p:notes>
+</file>
+
+<file path=ppt/notesSlides/notesSlide49.xml><?xml version="1.0" encoding="utf-8"?>
+<p:notes xmlns:a="http://schemas.openxmlformats.org/drawingml/2006/main" xmlns:r="http://schemas.openxmlformats.org/officeDocument/2006/relationships" xmlns:p="http://schemas.openxmlformats.org/presentationml/2006/main">
+  <p:cSld>
+    <p:spTree>
+      <p:nvGrpSpPr>
+        <p:cNvPr id="1" name=""/>
+        <p:cNvGrpSpPr/>
+        <p:nvPr/>
+      </p:nvGrpSpPr>
+      <p:grpSpPr>
+        <a:xfrm>
+          <a:off x="0" y="0"/>
+          <a:ext cx="0" cy="0"/>
+          <a:chOff x="0" y="0"/>
+          <a:chExt cx="0" cy="0"/>
+        </a:xfrm>
+      </p:grpSpPr>
+      <p:sp>
+        <p:nvSpPr>
+          <p:cNvPr id="2" name="Slide Image Placeholder 1"/>
+          <p:cNvSpPr>
+            <a:spLocks noGrp="1" noRot="1" noChangeAspect="1"/>
+          </p:cNvSpPr>
+          <p:nvPr>
+            <p:ph type="sldImg"/>
+          </p:nvPr>
+        </p:nvSpPr>
+        <p:spPr/>
+      </p:sp>
+      <p:sp>
+        <p:nvSpPr>
+          <p:cNvPr id="3" name="Notes Placeholder 2"/>
+          <p:cNvSpPr>
+            <a:spLocks noGrp="1"/>
+          </p:cNvSpPr>
+          <p:nvPr>
+            <p:ph type="body" idx="1"/>
+          </p:nvPr>
+        </p:nvSpPr>
+        <p:spPr/>
+        <p:txBody>
+          <a:bodyPr/>
+          <a:lstStyle/>
+          <a:p>
+            <a:pPr lvl="0" marL="0" indent="0">
+              <a:buNone/>
+            </a:pPr>
+            <a:r>
+              <a:rPr/>
+              <a:t>Here</a:t>
+            </a:r>
+            <a:r>
+              <a:rPr/>
+              <a:t> </a:t>
+            </a:r>
+            <a:r>
+              <a:rPr/>
+              <a:t>are</a:t>
+            </a:r>
+            <a:r>
+              <a:rPr/>
+              <a:t> </a:t>
+            </a:r>
+            <a:r>
+              <a:rPr/>
+              <a:t>the</a:t>
+            </a:r>
+            <a:r>
+              <a:rPr/>
+              <a:t> </a:t>
+            </a:r>
+            <a:r>
+              <a:rPr/>
+              <a:t>steps</a:t>
+            </a:r>
+            <a:r>
+              <a:rPr/>
+              <a:t> </a:t>
+            </a:r>
+            <a:r>
+              <a:rPr/>
+              <a:t>in</a:t>
+            </a:r>
+            <a:r>
+              <a:rPr/>
+              <a:t> </a:t>
+            </a:r>
+            <a:r>
+              <a:rPr/>
+              <a:t>Tableau.</a:t>
+            </a:r>
+            <a:r>
+              <a:rPr/>
+              <a:t> </a:t>
+            </a:r>
+            <a:r>
+              <a:rPr/>
+              <a:t>First</a:t>
+            </a:r>
+            <a:r>
+              <a:rPr/>
+              <a:t> </a:t>
+            </a:r>
+            <a:r>
+              <a:rPr/>
+              <a:t>revert</a:t>
+            </a:r>
+            <a:r>
+              <a:rPr/>
+              <a:t> </a:t>
+            </a:r>
+            <a:r>
+              <a:rPr/>
+              <a:t>to</a:t>
+            </a:r>
+            <a:r>
+              <a:rPr/>
+              <a:t> </a:t>
+            </a:r>
+            <a:r>
+              <a:rPr/>
+              <a:t>the</a:t>
+            </a:r>
+            <a:r>
+              <a:rPr/>
+              <a:t> </a:t>
+            </a:r>
+            <a:r>
+              <a:rPr/>
+              <a:t>earlier</a:t>
+            </a:r>
+            <a:r>
+              <a:rPr/>
+              <a:t> </a:t>
+            </a:r>
+            <a:r>
+              <a:rPr/>
+              <a:t>scatterplot</a:t>
+            </a:r>
+            <a:r>
+              <a:rPr/>
+              <a:t> </a:t>
+            </a:r>
+            <a:r>
+              <a:rPr/>
+              <a:t>where</a:t>
+            </a:r>
+            <a:r>
+              <a:rPr/>
+              <a:t> </a:t>
+            </a:r>
+            <a:r>
+              <a:rPr/>
+              <a:t>Age</a:t>
+            </a:r>
+            <a:r>
+              <a:rPr/>
+              <a:t> </a:t>
+            </a:r>
+            <a:r>
+              <a:rPr/>
+              <a:t>is</a:t>
+            </a:r>
+            <a:r>
+              <a:rPr/>
+              <a:t> </a:t>
+            </a:r>
+            <a:r>
+              <a:rPr/>
+              <a:t>in</a:t>
+            </a:r>
+            <a:r>
+              <a:rPr/>
+              <a:t> </a:t>
+            </a:r>
+            <a:r>
+              <a:rPr/>
+              <a:t>the</a:t>
+            </a:r>
+            <a:r>
+              <a:rPr/>
+              <a:t> </a:t>
+            </a:r>
+            <a:r>
+              <a:rPr/>
+              <a:t>Column</a:t>
+            </a:r>
+            <a:r>
+              <a:rPr/>
+              <a:t> </a:t>
+            </a:r>
+            <a:r>
+              <a:rPr/>
+              <a:t>fields</a:t>
+            </a:r>
+            <a:r>
+              <a:rPr/>
+              <a:t> </a:t>
+            </a:r>
+            <a:r>
+              <a:rPr/>
+              <a:t>and</a:t>
+            </a:r>
+            <a:r>
+              <a:rPr/>
+              <a:t> </a:t>
+            </a:r>
+            <a:r>
+              <a:rPr/>
+              <a:t>Price</a:t>
+            </a:r>
+            <a:r>
+              <a:rPr/>
+              <a:t> </a:t>
+            </a:r>
+            <a:r>
+              <a:rPr/>
+              <a:t>is</a:t>
+            </a:r>
+            <a:r>
+              <a:rPr/>
+              <a:t> </a:t>
+            </a:r>
+            <a:r>
+              <a:rPr/>
+              <a:t>in</a:t>
+            </a:r>
+            <a:r>
+              <a:rPr/>
+              <a:t> </a:t>
+            </a:r>
+            <a:r>
+              <a:rPr/>
+              <a:t>the</a:t>
+            </a:r>
+            <a:r>
+              <a:rPr/>
+              <a:t> </a:t>
+            </a:r>
+            <a:r>
+              <a:rPr/>
+              <a:t>Rows</a:t>
+            </a:r>
+            <a:r>
+              <a:rPr/>
+              <a:t> </a:t>
+            </a:r>
+            <a:r>
+              <a:rPr/>
+              <a:t>field.</a:t>
+            </a:r>
+            <a:r>
+              <a:rPr/>
+              <a:t> </a:t>
+            </a:r>
+            <a:r>
+              <a:rPr/>
+              <a:t>Then</a:t>
+            </a:r>
+            <a:r>
+              <a:rPr/>
+              <a:t> </a:t>
+            </a:r>
+            <a:r>
+              <a:rPr/>
+              <a:t>drag</a:t>
+            </a:r>
+            <a:r>
+              <a:rPr/>
+              <a:t> </a:t>
+            </a:r>
+            <a:r>
+              <a:rPr/>
+              <a:t>and</a:t>
+            </a:r>
+            <a:r>
+              <a:rPr/>
+              <a:t> </a:t>
+            </a:r>
+            <a:r>
+              <a:rPr/>
+              <a:t>drop</a:t>
+            </a:r>
+            <a:r>
+              <a:rPr/>
+              <a:t> </a:t>
+            </a:r>
+            <a:r>
+              <a:rPr/>
+              <a:t>Bedrooms</a:t>
+            </a:r>
+            <a:r>
+              <a:rPr/>
+              <a:t> </a:t>
+            </a:r>
+            <a:r>
+              <a:rPr/>
+              <a:t>on</a:t>
+            </a:r>
+            <a:r>
+              <a:rPr/>
+              <a:t> </a:t>
+            </a:r>
+            <a:r>
+              <a:rPr/>
+              <a:t>top</a:t>
+            </a:r>
+            <a:r>
+              <a:rPr/>
+              <a:t> </a:t>
+            </a:r>
+            <a:r>
+              <a:rPr/>
+              <a:t>of</a:t>
+            </a:r>
+            <a:r>
+              <a:rPr/>
+              <a:t> </a:t>
+            </a:r>
+            <a:r>
+              <a:rPr/>
+              <a:t>the</a:t>
+            </a:r>
+            <a:r>
+              <a:rPr/>
+              <a:t> </a:t>
+            </a:r>
+            <a:r>
+              <a:rPr/>
+              <a:t>Shape</a:t>
+            </a:r>
+            <a:r>
+              <a:rPr/>
+              <a:t> </a:t>
+            </a:r>
+            <a:r>
+              <a:rPr/>
+              <a:t>icon.</a:t>
+            </a:r>
+            <a:r>
+              <a:rPr/>
+              <a:t> </a:t>
+            </a:r>
+            <a:r>
+              <a:rPr/>
+              <a:t>Change</a:t>
+            </a:r>
+            <a:r>
+              <a:rPr/>
+              <a:t> </a:t>
+            </a:r>
+            <a:r>
+              <a:rPr/>
+              <a:t>from</a:t>
+            </a:r>
+            <a:r>
+              <a:rPr/>
+              <a:t> </a:t>
+            </a:r>
+            <a:r>
+              <a:rPr/>
+              <a:t>SUM(Bedrooms)</a:t>
+            </a:r>
+            <a:r>
+              <a:rPr/>
+              <a:t> </a:t>
+            </a:r>
+            <a:r>
+              <a:rPr/>
+              <a:t>to</a:t>
+            </a:r>
+            <a:r>
+              <a:rPr/>
+              <a:t> </a:t>
+            </a:r>
+            <a:r>
+              <a:rPr/>
+              <a:t>ATTR(Bedrooms).</a:t>
+            </a:r>
+          </a:p>
+        </p:txBody>
+      </p:sp>
+      <p:sp>
+        <p:nvSpPr>
+          <p:cNvPr id="4" name="Slide Number Placeholder 3"/>
+          <p:cNvSpPr>
+            <a:spLocks noGrp="1"/>
+          </p:cNvSpPr>
+          <p:nvPr>
+            <p:ph type="sldNum" sz="quarter" idx="10"/>
+          </p:nvPr>
+        </p:nvSpPr>
+        <p:spPr/>
+        <p:txBody>
+          <a:bodyPr/>
+          <a:lstStyle/>
+          <a:p>
+            <a:fld id="{18BDFEC3-8487-43E8-A154-7C12CBC1FFF2}" type="slidenum">
+              <a:rPr lang="en-US"/>
+              <a:t>65</a:t>
+            </a:fld>
+            <a:endParaRPr lang="en-US"/>
+          </a:p>
+        </p:txBody>
+      </p:sp>
+    </p:spTree>
+  </p:cSld>
+</p:notes>
+</file>
+
 <file path=ppt/notesSlides/notesSlide5.xml><?xml version="1.0" encoding="utf-8"?>
 <p:notes xmlns:a="http://schemas.openxmlformats.org/drawingml/2006/main" xmlns:r="http://schemas.openxmlformats.org/officeDocument/2006/relationships" xmlns:p="http://schemas.openxmlformats.org/presentationml/2006/main">
   <p:cSld>
@@ -29206,6 +32931,860 @@
             <a:fld id="{18BDFEC3-8487-43E8-A154-7C12CBC1FFF2}" type="slidenum">
               <a:rPr lang="en-US"/>
               <a:t>7</a:t>
+            </a:fld>
+            <a:endParaRPr lang="en-US"/>
+          </a:p>
+        </p:txBody>
+      </p:sp>
+    </p:spTree>
+  </p:cSld>
+</p:notes>
+</file>
+
+<file path=ppt/notesSlides/notesSlide50.xml><?xml version="1.0" encoding="utf-8"?>
+<p:notes xmlns:a="http://schemas.openxmlformats.org/drawingml/2006/main" xmlns:r="http://schemas.openxmlformats.org/officeDocument/2006/relationships" xmlns:p="http://schemas.openxmlformats.org/presentationml/2006/main">
+  <p:cSld>
+    <p:spTree>
+      <p:nvGrpSpPr>
+        <p:cNvPr id="1" name=""/>
+        <p:cNvGrpSpPr/>
+        <p:nvPr/>
+      </p:nvGrpSpPr>
+      <p:grpSpPr>
+        <a:xfrm>
+          <a:off x="0" y="0"/>
+          <a:ext cx="0" cy="0"/>
+          <a:chOff x="0" y="0"/>
+          <a:chExt cx="0" cy="0"/>
+        </a:xfrm>
+      </p:grpSpPr>
+      <p:sp>
+        <p:nvSpPr>
+          <p:cNvPr id="2" name="Slide Image Placeholder 1"/>
+          <p:cNvSpPr>
+            <a:spLocks noGrp="1" noRot="1" noChangeAspect="1"/>
+          </p:cNvSpPr>
+          <p:nvPr>
+            <p:ph type="sldImg"/>
+          </p:nvPr>
+        </p:nvSpPr>
+        <p:spPr/>
+      </p:sp>
+      <p:sp>
+        <p:nvSpPr>
+          <p:cNvPr id="3" name="Notes Placeholder 2"/>
+          <p:cNvSpPr>
+            <a:spLocks noGrp="1"/>
+          </p:cNvSpPr>
+          <p:nvPr>
+            <p:ph type="body" idx="1"/>
+          </p:nvPr>
+        </p:nvSpPr>
+        <p:spPr/>
+        <p:txBody>
+          <a:bodyPr/>
+          <a:lstStyle/>
+          <a:p>
+            <a:pPr lvl="0" marL="0" indent="0">
+              <a:buNone/>
+            </a:pPr>
+            <a:r>
+              <a:rPr/>
+              <a:t>You</a:t>
+            </a:r>
+            <a:r>
+              <a:rPr/>
+              <a:t> </a:t>
+            </a:r>
+            <a:r>
+              <a:rPr/>
+              <a:t>can</a:t>
+            </a:r>
+            <a:r>
+              <a:rPr/>
+              <a:t> </a:t>
+            </a:r>
+            <a:r>
+              <a:rPr/>
+              <a:t>also</a:t>
+            </a:r>
+            <a:r>
+              <a:rPr/>
+              <a:t> </a:t>
+            </a:r>
+            <a:r>
+              <a:rPr/>
+              <a:t>use</a:t>
+            </a:r>
+            <a:r>
+              <a:rPr/>
+              <a:t> </a:t>
+            </a:r>
+            <a:r>
+              <a:rPr/>
+              <a:t>the</a:t>
+            </a:r>
+            <a:r>
+              <a:rPr/>
+              <a:t> </a:t>
+            </a:r>
+            <a:r>
+              <a:rPr/>
+              <a:t>size</a:t>
+            </a:r>
+            <a:r>
+              <a:rPr/>
+              <a:t> </a:t>
+            </a:r>
+            <a:r>
+              <a:rPr/>
+              <a:t>of</a:t>
+            </a:r>
+            <a:r>
+              <a:rPr/>
+              <a:t> </a:t>
+            </a:r>
+            <a:r>
+              <a:rPr/>
+              <a:t>a</a:t>
+            </a:r>
+            <a:r>
+              <a:rPr/>
+              <a:t> </a:t>
+            </a:r>
+            <a:r>
+              <a:rPr/>
+              <a:t>point</a:t>
+            </a:r>
+            <a:r>
+              <a:rPr/>
+              <a:t> </a:t>
+            </a:r>
+            <a:r>
+              <a:rPr/>
+              <a:t>to</a:t>
+            </a:r>
+            <a:r>
+              <a:rPr/>
+              <a:t> </a:t>
+            </a:r>
+            <a:r>
+              <a:rPr/>
+              <a:t>represent</a:t>
+            </a:r>
+            <a:r>
+              <a:rPr/>
+              <a:t> </a:t>
+            </a:r>
+            <a:r>
+              <a:rPr/>
+              <a:t>a</a:t>
+            </a:r>
+            <a:r>
+              <a:rPr/>
+              <a:t> </a:t>
+            </a:r>
+            <a:r>
+              <a:rPr/>
+              <a:t>third</a:t>
+            </a:r>
+            <a:r>
+              <a:rPr/>
+              <a:t> </a:t>
+            </a:r>
+            <a:r>
+              <a:rPr/>
+              <a:t>dimension.</a:t>
+            </a:r>
+            <a:r>
+              <a:rPr/>
+              <a:t> </a:t>
+            </a:r>
+            <a:r>
+              <a:rPr/>
+              <a:t>Here</a:t>
+            </a:r>
+            <a:r>
+              <a:rPr/>
+              <a:t> </a:t>
+            </a:r>
+            <a:r>
+              <a:rPr/>
+              <a:t>is</a:t>
+            </a:r>
+            <a:r>
+              <a:rPr/>
+              <a:t> </a:t>
+            </a:r>
+            <a:r>
+              <a:rPr/>
+              <a:t>a</a:t>
+            </a:r>
+            <a:r>
+              <a:rPr/>
+              <a:t> </a:t>
+            </a:r>
+            <a:r>
+              <a:rPr/>
+              <a:t>plot</a:t>
+            </a:r>
+            <a:r>
+              <a:rPr/>
+              <a:t> </a:t>
+            </a:r>
+            <a:r>
+              <a:rPr/>
+              <a:t>where</a:t>
+            </a:r>
+            <a:r>
+              <a:rPr/>
+              <a:t> </a:t>
+            </a:r>
+            <a:r>
+              <a:rPr/>
+              <a:t>the</a:t>
+            </a:r>
+            <a:r>
+              <a:rPr/>
+              <a:t> </a:t>
+            </a:r>
+            <a:r>
+              <a:rPr/>
+              <a:t>larger</a:t>
+            </a:r>
+            <a:r>
+              <a:rPr/>
+              <a:t> </a:t>
+            </a:r>
+            <a:r>
+              <a:rPr/>
+              <a:t>house,</a:t>
+            </a:r>
+            <a:r>
+              <a:rPr/>
+              <a:t> </a:t>
+            </a:r>
+            <a:r>
+              <a:rPr/>
+              <a:t>the</a:t>
+            </a:r>
+            <a:r>
+              <a:rPr/>
+              <a:t> </a:t>
+            </a:r>
+            <a:r>
+              <a:rPr/>
+              <a:t>house</a:t>
+            </a:r>
+            <a:r>
+              <a:rPr/>
+              <a:t> </a:t>
+            </a:r>
+            <a:r>
+              <a:rPr/>
+              <a:t>with</a:t>
+            </a:r>
+            <a:r>
+              <a:rPr/>
+              <a:t> </a:t>
+            </a:r>
+            <a:r>
+              <a:rPr/>
+              <a:t>more</a:t>
+            </a:r>
+            <a:r>
+              <a:rPr/>
+              <a:t> </a:t>
+            </a:r>
+            <a:r>
+              <a:rPr/>
+              <a:t>living</a:t>
+            </a:r>
+            <a:r>
+              <a:rPr/>
+              <a:t> </a:t>
+            </a:r>
+            <a:r>
+              <a:rPr/>
+              <a:t>area</a:t>
+            </a:r>
+            <a:r>
+              <a:rPr/>
+              <a:t> </a:t>
+            </a:r>
+            <a:r>
+              <a:rPr/>
+              <a:t>has</a:t>
+            </a:r>
+            <a:r>
+              <a:rPr/>
+              <a:t> </a:t>
+            </a:r>
+            <a:r>
+              <a:rPr/>
+              <a:t>a</a:t>
+            </a:r>
+            <a:r>
+              <a:rPr/>
+              <a:t> </a:t>
+            </a:r>
+            <a:r>
+              <a:rPr/>
+              <a:t>big</a:t>
+            </a:r>
+            <a:r>
+              <a:rPr/>
+              <a:t> </a:t>
+            </a:r>
+            <a:r>
+              <a:rPr/>
+              <a:t>circle</a:t>
+            </a:r>
+            <a:r>
+              <a:rPr/>
+              <a:t> </a:t>
+            </a:r>
+            <a:r>
+              <a:rPr/>
+              <a:t>and</a:t>
+            </a:r>
+            <a:r>
+              <a:rPr/>
+              <a:t> </a:t>
+            </a:r>
+            <a:r>
+              <a:rPr/>
+              <a:t>the</a:t>
+            </a:r>
+            <a:r>
+              <a:rPr/>
+              <a:t> </a:t>
+            </a:r>
+            <a:r>
+              <a:rPr/>
+              <a:t>house</a:t>
+            </a:r>
+            <a:r>
+              <a:rPr/>
+              <a:t> </a:t>
+            </a:r>
+            <a:r>
+              <a:rPr/>
+              <a:t>with</a:t>
+            </a:r>
+            <a:r>
+              <a:rPr/>
+              <a:t> </a:t>
+            </a:r>
+            <a:r>
+              <a:rPr/>
+              <a:t>less</a:t>
+            </a:r>
+            <a:r>
+              <a:rPr/>
+              <a:t> </a:t>
+            </a:r>
+            <a:r>
+              <a:rPr/>
+              <a:t>living</a:t>
+            </a:r>
+            <a:r>
+              <a:rPr/>
+              <a:t> </a:t>
+            </a:r>
+            <a:r>
+              <a:rPr/>
+              <a:t>area</a:t>
+            </a:r>
+            <a:r>
+              <a:rPr/>
+              <a:t> </a:t>
+            </a:r>
+            <a:r>
+              <a:rPr/>
+              <a:t>has</a:t>
+            </a:r>
+            <a:r>
+              <a:rPr/>
+              <a:t> </a:t>
+            </a:r>
+            <a:r>
+              <a:rPr/>
+              <a:t>a</a:t>
+            </a:r>
+            <a:r>
+              <a:rPr/>
+              <a:t> </a:t>
+            </a:r>
+            <a:r>
+              <a:rPr/>
+              <a:t>small</a:t>
+            </a:r>
+            <a:r>
+              <a:rPr/>
+              <a:t> </a:t>
+            </a:r>
+            <a:r>
+              <a:rPr/>
+              <a:t>circle.</a:t>
+            </a:r>
+          </a:p>
+        </p:txBody>
+      </p:sp>
+      <p:sp>
+        <p:nvSpPr>
+          <p:cNvPr id="4" name="Slide Number Placeholder 3"/>
+          <p:cNvSpPr>
+            <a:spLocks noGrp="1"/>
+          </p:cNvSpPr>
+          <p:nvPr>
+            <p:ph type="sldNum" sz="quarter" idx="10"/>
+          </p:nvPr>
+        </p:nvSpPr>
+        <p:spPr/>
+        <p:txBody>
+          <a:bodyPr/>
+          <a:lstStyle/>
+          <a:p>
+            <a:fld id="{18BDFEC3-8487-43E8-A154-7C12CBC1FFF2}" type="slidenum">
+              <a:rPr lang="en-US"/>
+              <a:t>66</a:t>
+            </a:fld>
+            <a:endParaRPr lang="en-US"/>
+          </a:p>
+        </p:txBody>
+      </p:sp>
+    </p:spTree>
+  </p:cSld>
+</p:notes>
+</file>
+
+<file path=ppt/notesSlides/notesSlide51.xml><?xml version="1.0" encoding="utf-8"?>
+<p:notes xmlns:a="http://schemas.openxmlformats.org/drawingml/2006/main" xmlns:r="http://schemas.openxmlformats.org/officeDocument/2006/relationships" xmlns:p="http://schemas.openxmlformats.org/presentationml/2006/main">
+  <p:cSld>
+    <p:spTree>
+      <p:nvGrpSpPr>
+        <p:cNvPr id="1" name=""/>
+        <p:cNvGrpSpPr/>
+        <p:nvPr/>
+      </p:nvGrpSpPr>
+      <p:grpSpPr>
+        <a:xfrm>
+          <a:off x="0" y="0"/>
+          <a:ext cx="0" cy="0"/>
+          <a:chOff x="0" y="0"/>
+          <a:chExt cx="0" cy="0"/>
+        </a:xfrm>
+      </p:grpSpPr>
+      <p:sp>
+        <p:nvSpPr>
+          <p:cNvPr id="2" name="Slide Image Placeholder 1"/>
+          <p:cNvSpPr>
+            <a:spLocks noGrp="1" noRot="1" noChangeAspect="1"/>
+          </p:cNvSpPr>
+          <p:nvPr>
+            <p:ph type="sldImg"/>
+          </p:nvPr>
+        </p:nvSpPr>
+        <p:spPr/>
+      </p:sp>
+      <p:sp>
+        <p:nvSpPr>
+          <p:cNvPr id="3" name="Notes Placeholder 2"/>
+          <p:cNvSpPr>
+            <a:spLocks noGrp="1"/>
+          </p:cNvSpPr>
+          <p:nvPr>
+            <p:ph type="body" idx="1"/>
+          </p:nvPr>
+        </p:nvSpPr>
+        <p:spPr/>
+        <p:txBody>
+          <a:bodyPr/>
+          <a:lstStyle/>
+          <a:p>
+            <a:pPr lvl="0" marL="0" indent="0">
+              <a:buNone/>
+            </a:pPr>
+            <a:r>
+              <a:rPr/>
+              <a:t>This</a:t>
+            </a:r>
+            <a:r>
+              <a:rPr/>
+              <a:t> </a:t>
+            </a:r>
+            <a:r>
+              <a:rPr/>
+              <a:t>plot</a:t>
+            </a:r>
+            <a:r>
+              <a:rPr/>
+              <a:t> </a:t>
+            </a:r>
+            <a:r>
+              <a:rPr/>
+              <a:t>shows</a:t>
+            </a:r>
+            <a:r>
+              <a:rPr/>
+              <a:t> </a:t>
+            </a:r>
+            <a:r>
+              <a:rPr/>
+              <a:t>a</a:t>
+            </a:r>
+            <a:r>
+              <a:rPr/>
+              <a:t> </a:t>
+            </a:r>
+            <a:r>
+              <a:rPr/>
+              <a:t>blue</a:t>
+            </a:r>
+            <a:r>
+              <a:rPr/>
+              <a:t> </a:t>
+            </a:r>
+            <a:r>
+              <a:rPr/>
+              <a:t>point</a:t>
+            </a:r>
+            <a:r>
+              <a:rPr/>
+              <a:t> </a:t>
+            </a:r>
+            <a:r>
+              <a:rPr/>
+              <a:t>representing</a:t>
+            </a:r>
+            <a:r>
+              <a:rPr/>
+              <a:t> </a:t>
+            </a:r>
+            <a:r>
+              <a:rPr/>
+              <a:t>a</a:t>
+            </a:r>
+            <a:r>
+              <a:rPr/>
+              <a:t> </a:t>
+            </a:r>
+            <a:r>
+              <a:rPr/>
+              <a:t>four</a:t>
+            </a:r>
+            <a:r>
+              <a:rPr/>
+              <a:t> </a:t>
+            </a:r>
+            <a:r>
+              <a:rPr/>
+              <a:t>bathroom</a:t>
+            </a:r>
+            <a:r>
+              <a:rPr/>
+              <a:t> </a:t>
+            </a:r>
+            <a:r>
+              <a:rPr/>
+              <a:t>house</a:t>
+            </a:r>
+            <a:r>
+              <a:rPr/>
+              <a:t> </a:t>
+            </a:r>
+            <a:r>
+              <a:rPr/>
+              <a:t>in</a:t>
+            </a:r>
+            <a:r>
+              <a:rPr/>
+              <a:t> </a:t>
+            </a:r>
+            <a:r>
+              <a:rPr/>
+              <a:t>the</a:t>
+            </a:r>
+            <a:r>
+              <a:rPr/>
+              <a:t> </a:t>
+            </a:r>
+            <a:r>
+              <a:rPr/>
+              <a:t>upper</a:t>
+            </a:r>
+            <a:r>
+              <a:rPr/>
+              <a:t> </a:t>
+            </a:r>
+            <a:r>
+              <a:rPr/>
+              <a:t>left</a:t>
+            </a:r>
+            <a:r>
+              <a:rPr/>
+              <a:t> </a:t>
+            </a:r>
+            <a:r>
+              <a:rPr/>
+              <a:t>corner</a:t>
+            </a:r>
+            <a:r>
+              <a:rPr/>
+              <a:t> </a:t>
+            </a:r>
+            <a:r>
+              <a:rPr/>
+              <a:t>and</a:t>
+            </a:r>
+            <a:r>
+              <a:rPr/>
+              <a:t> </a:t>
+            </a:r>
+            <a:r>
+              <a:rPr/>
+              <a:t>an</a:t>
+            </a:r>
+            <a:r>
+              <a:rPr/>
+              <a:t> </a:t>
+            </a:r>
+            <a:r>
+              <a:rPr/>
+              <a:t>orange</a:t>
+            </a:r>
+            <a:r>
+              <a:rPr/>
+              <a:t> </a:t>
+            </a:r>
+            <a:r>
+              <a:rPr/>
+              <a:t>point</a:t>
+            </a:r>
+            <a:r>
+              <a:rPr/>
+              <a:t> </a:t>
+            </a:r>
+            <a:r>
+              <a:rPr/>
+              <a:t>representing</a:t>
+            </a:r>
+            <a:r>
+              <a:rPr/>
+              <a:t> </a:t>
+            </a:r>
+            <a:r>
+              <a:rPr/>
+              <a:t>a</a:t>
+            </a:r>
+            <a:r>
+              <a:rPr/>
+              <a:t> </a:t>
+            </a:r>
+            <a:r>
+              <a:rPr/>
+              <a:t>two</a:t>
+            </a:r>
+            <a:r>
+              <a:rPr/>
+              <a:t> </a:t>
+            </a:r>
+            <a:r>
+              <a:rPr/>
+              <a:t>bathroom</a:t>
+            </a:r>
+            <a:r>
+              <a:rPr/>
+              <a:t> </a:t>
+            </a:r>
+            <a:r>
+              <a:rPr/>
+              <a:t>house</a:t>
+            </a:r>
+            <a:r>
+              <a:rPr/>
+              <a:t> </a:t>
+            </a:r>
+            <a:r>
+              <a:rPr/>
+              <a:t>in</a:t>
+            </a:r>
+            <a:r>
+              <a:rPr/>
+              <a:t> </a:t>
+            </a:r>
+            <a:r>
+              <a:rPr/>
+              <a:t>the</a:t>
+            </a:r>
+            <a:r>
+              <a:rPr/>
+              <a:t> </a:t>
+            </a:r>
+            <a:r>
+              <a:rPr/>
+              <a:t>lower</a:t>
+            </a:r>
+            <a:r>
+              <a:rPr/>
+              <a:t> </a:t>
+            </a:r>
+            <a:r>
+              <a:rPr/>
+              <a:t>right</a:t>
+            </a:r>
+            <a:r>
+              <a:rPr/>
+              <a:t> </a:t>
+            </a:r>
+            <a:r>
+              <a:rPr/>
+              <a:t>corner.</a:t>
+            </a:r>
+          </a:p>
+        </p:txBody>
+      </p:sp>
+      <p:sp>
+        <p:nvSpPr>
+          <p:cNvPr id="4" name="Slide Number Placeholder 3"/>
+          <p:cNvSpPr>
+            <a:spLocks noGrp="1"/>
+          </p:cNvSpPr>
+          <p:nvPr>
+            <p:ph type="sldNum" sz="quarter" idx="10"/>
+          </p:nvPr>
+        </p:nvSpPr>
+        <p:spPr/>
+        <p:txBody>
+          <a:bodyPr/>
+          <a:lstStyle/>
+          <a:p>
+            <a:fld id="{18BDFEC3-8487-43E8-A154-7C12CBC1FFF2}" type="slidenum">
+              <a:rPr lang="en-US"/>
+              <a:t>74</a:t>
+            </a:fld>
+            <a:endParaRPr lang="en-US"/>
+          </a:p>
+        </p:txBody>
+      </p:sp>
+    </p:spTree>
+  </p:cSld>
+</p:notes>
+</file>
+
+<file path=ppt/notesSlides/notesSlide52.xml><?xml version="1.0" encoding="utf-8"?>
+<p:notes xmlns:a="http://schemas.openxmlformats.org/drawingml/2006/main" xmlns:r="http://schemas.openxmlformats.org/officeDocument/2006/relationships" xmlns:p="http://schemas.openxmlformats.org/presentationml/2006/main">
+  <p:cSld>
+    <p:spTree>
+      <p:nvGrpSpPr>
+        <p:cNvPr id="1" name=""/>
+        <p:cNvGrpSpPr/>
+        <p:nvPr/>
+      </p:nvGrpSpPr>
+      <p:grpSpPr>
+        <a:xfrm>
+          <a:off x="0" y="0"/>
+          <a:ext cx="0" cy="0"/>
+          <a:chOff x="0" y="0"/>
+          <a:chExt cx="0" cy="0"/>
+        </a:xfrm>
+      </p:grpSpPr>
+      <p:sp>
+        <p:nvSpPr>
+          <p:cNvPr id="2" name="Slide Image Placeholder 1"/>
+          <p:cNvSpPr>
+            <a:spLocks noGrp="1" noRot="1" noChangeAspect="1"/>
+          </p:cNvSpPr>
+          <p:nvPr>
+            <p:ph type="sldImg"/>
+          </p:nvPr>
+        </p:nvSpPr>
+        <p:spPr/>
+      </p:sp>
+      <p:sp>
+        <p:nvSpPr>
+          <p:cNvPr id="3" name="Notes Placeholder 2"/>
+          <p:cNvSpPr>
+            <a:spLocks noGrp="1"/>
+          </p:cNvSpPr>
+          <p:nvPr>
+            <p:ph type="body" idx="1"/>
+          </p:nvPr>
+        </p:nvSpPr>
+        <p:spPr/>
+        <p:txBody>
+          <a:bodyPr/>
+          <a:lstStyle/>
+          <a:p>
+            <a:pPr lvl="0" marL="0" indent="0">
+              <a:buNone/>
+            </a:pPr>
+            <a:r>
+              <a:rPr/>
+              <a:t>Notice</a:t>
+            </a:r>
+            <a:r>
+              <a:rPr/>
+              <a:t> </a:t>
+            </a:r>
+            <a:r>
+              <a:rPr/>
+              <a:t>how</a:t>
+            </a:r>
+            <a:r>
+              <a:rPr/>
+              <a:t> </a:t>
+            </a:r>
+            <a:r>
+              <a:rPr/>
+              <a:t>the</a:t>
+            </a:r>
+            <a:r>
+              <a:rPr/>
+              <a:t> </a:t>
+            </a:r>
+            <a:r>
+              <a:rPr/>
+              <a:t>legend</a:t>
+            </a:r>
+            <a:r>
+              <a:rPr/>
+              <a:t> </a:t>
+            </a:r>
+            <a:r>
+              <a:rPr/>
+              <a:t>has</a:t>
+            </a:r>
+            <a:r>
+              <a:rPr/>
+              <a:t> </a:t>
+            </a:r>
+            <a:r>
+              <a:rPr/>
+              <a:t>changed.</a:t>
+            </a:r>
+          </a:p>
+        </p:txBody>
+      </p:sp>
+      <p:sp>
+        <p:nvSpPr>
+          <p:cNvPr id="4" name="Slide Number Placeholder 3"/>
+          <p:cNvSpPr>
+            <a:spLocks noGrp="1"/>
+          </p:cNvSpPr>
+          <p:nvPr>
+            <p:ph type="sldNum" sz="quarter" idx="10"/>
+          </p:nvPr>
+        </p:nvSpPr>
+        <p:spPr/>
+        <p:txBody>
+          <a:bodyPr/>
+          <a:lstStyle/>
+          <a:p>
+            <a:fld id="{18BDFEC3-8487-43E8-A154-7C12CBC1FFF2}" type="slidenum">
+              <a:rPr lang="en-US"/>
+              <a:t>75</a:t>
             </a:fld>
             <a:endParaRPr lang="en-US"/>
           </a:p>
@@ -42517,6 +47096,570 @@
 </p:sld>
 </file>
 
+<file path=ppt/slides/slide46.xml><?xml version="1.0" encoding="utf-8"?>
+<p:sld xmlns:a="http://schemas.openxmlformats.org/drawingml/2006/main" xmlns:r="http://schemas.openxmlformats.org/officeDocument/2006/relationships" xmlns:p="http://schemas.openxmlformats.org/presentationml/2006/main">
+  <p:cSld>
+    <p:spTree>
+      <p:nvGrpSpPr>
+        <p:cNvPr id="1" name=""/>
+        <p:cNvGrpSpPr/>
+        <p:nvPr/>
+      </p:nvGrpSpPr>
+      <p:grpSpPr>
+        <a:xfrm>
+          <a:off x="0" y="0"/>
+          <a:ext cx="0" cy="0"/>
+          <a:chOff x="0" y="0"/>
+          <a:chExt cx="0" cy="0"/>
+        </a:xfrm>
+      </p:grpSpPr>
+      <p:sp>
+        <p:nvSpPr>
+          <p:cNvPr id="2" name="Title 1"/>
+          <p:cNvSpPr>
+            <a:spLocks noGrp="1"/>
+          </p:cNvSpPr>
+          <p:nvPr>
+            <p:ph type="title"/>
+          </p:nvPr>
+        </p:nvSpPr>
+        <p:spPr/>
+        <p:txBody>
+          <a:bodyPr/>
+          <a:lstStyle/>
+          <a:p>
+            <a:pPr lvl="0" marL="0" indent="0">
+              <a:buNone/>
+            </a:pPr>
+            <a:r>
+              <a:rPr/>
+              <a:t>Review</a:t>
+            </a:r>
+            <a:r>
+              <a:rPr/>
+              <a:t> </a:t>
+            </a:r>
+            <a:r>
+              <a:rPr/>
+              <a:t>basic</a:t>
+            </a:r>
+            <a:r>
+              <a:rPr/>
+              <a:t> </a:t>
+            </a:r>
+            <a:r>
+              <a:rPr/>
+              <a:t>scatterplot</a:t>
+            </a:r>
+          </a:p>
+        </p:txBody>
+      </p:sp>
+      <p:sp>
+        <p:nvSpPr>
+          <p:cNvPr id="3" name="Content Placeholder 2"/>
+          <p:cNvSpPr>
+            <a:spLocks noGrp="1"/>
+          </p:cNvSpPr>
+          <p:nvPr>
+            <p:ph idx="1"/>
+          </p:nvPr>
+        </p:nvSpPr>
+        <p:spPr/>
+        <p:txBody>
+          <a:bodyPr/>
+          <a:lstStyle/>
+          <a:p>
+            <a:pPr lvl="1"/>
+            <a:r>
+              <a:rPr/>
+              <a:t>Python code</a:t>
+            </a:r>
+          </a:p>
+          <a:p>
+            <a:pPr lvl="0" marL="1270000" indent="0">
+              <a:buNone/>
+            </a:pPr>
+            <a:r>
+              <a:rPr sz="1800">
+                <a:latin typeface="Courier"/>
+              </a:rPr>
+              <a:t>ch = alt.Chart(df).mark_point().encode(
+    x='Age', y='Price'
+)</a:t>
+            </a:r>
+          </a:p>
+          <a:p>
+            <a:pPr lvl="1"/>
+            <a:r>
+              <a:rPr/>
+              <a:t>R code</a:t>
+            </a:r>
+          </a:p>
+          <a:p>
+            <a:pPr lvl="0" marL="1270000" indent="0">
+              <a:buNone/>
+            </a:pPr>
+            <a:r>
+              <a:rPr sz="1800">
+                <a:latin typeface="Courier"/>
+              </a:rPr>
+              <a:t>ggplot(saratoga_houses, aes(x=Age, y=Price)) +
+  geom_point()</a:t>
+            </a:r>
+          </a:p>
+          <a:p>
+            <a:pPr lvl="1"/>
+            <a:r>
+              <a:rPr/>
+              <a:t>Tableau</a:t>
+            </a:r>
+          </a:p>
+          <a:p>
+            <a:pPr lvl="2"/>
+            <a:r>
+              <a:rPr/>
+              <a:t>(Drag and drop)</a:t>
+            </a:r>
+          </a:p>
+        </p:txBody>
+      </p:sp>
+    </p:spTree>
+  </p:cSld>
+</p:sld>
+</file>
+
+<file path=ppt/slides/slide47.xml><?xml version="1.0" encoding="utf-8"?>
+<p:sld xmlns:a="http://schemas.openxmlformats.org/drawingml/2006/main" xmlns:r="http://schemas.openxmlformats.org/officeDocument/2006/relationships" xmlns:p="http://schemas.openxmlformats.org/presentationml/2006/main">
+  <p:cSld>
+    <p:spTree>
+      <p:nvGrpSpPr>
+        <p:cNvPr id="1" name=""/>
+        <p:cNvGrpSpPr/>
+        <p:nvPr/>
+      </p:nvGrpSpPr>
+      <p:grpSpPr>
+        <a:xfrm>
+          <a:off x="0" y="0"/>
+          <a:ext cx="0" cy="0"/>
+          <a:chOff x="0" y="0"/>
+          <a:chExt cx="0" cy="0"/>
+        </a:xfrm>
+      </p:grpSpPr>
+      <p:sp>
+        <p:nvSpPr>
+          <p:cNvPr id="2" name="Title 1"/>
+          <p:cNvSpPr>
+            <a:spLocks noGrp="1"/>
+          </p:cNvSpPr>
+          <p:nvPr>
+            <p:ph type="title"/>
+          </p:nvPr>
+        </p:nvSpPr>
+        <p:spPr/>
+        <p:txBody>
+          <a:bodyPr/>
+          <a:lstStyle/>
+          <a:p>
+            <a:pPr lvl="0" marL="0" indent="0">
+              <a:buNone/>
+            </a:pPr>
+            <a:r>
+              <a:rPr/>
+              <a:t>Changing</a:t>
+            </a:r>
+            <a:r>
+              <a:rPr/>
+              <a:t> </a:t>
+            </a:r>
+            <a:r>
+              <a:rPr/>
+              <a:t>default</a:t>
+            </a:r>
+            <a:r>
+              <a:rPr/>
+              <a:t> </a:t>
+            </a:r>
+            <a:r>
+              <a:rPr/>
+              <a:t>options</a:t>
+            </a:r>
+          </a:p>
+        </p:txBody>
+      </p:sp>
+      <p:sp>
+        <p:nvSpPr>
+          <p:cNvPr id="3" name="Content Placeholder 2"/>
+          <p:cNvSpPr>
+            <a:spLocks noGrp="1"/>
+          </p:cNvSpPr>
+          <p:nvPr>
+            <p:ph idx="1"/>
+          </p:nvPr>
+        </p:nvSpPr>
+        <p:spPr/>
+        <p:txBody>
+          <a:bodyPr/>
+          <a:lstStyle/>
+          <a:p>
+            <a:pPr lvl="1"/>
+            <a:r>
+              <a:rPr/>
+              <a:t>Python code</a:t>
+            </a:r>
+          </a:p>
+          <a:p>
+            <a:pPr lvl="0" marL="1270000" indent="0">
+              <a:buNone/>
+            </a:pPr>
+            <a:r>
+              <a:rPr sz="1800">
+                <a:latin typeface="Courier"/>
+              </a:rPr>
+              <a:t>.mark_point(shape="square", color="green").</a:t>
+            </a:r>
+          </a:p>
+          <a:p>
+            <a:pPr lvl="1"/>
+            <a:r>
+              <a:rPr/>
+              <a:t>R code</a:t>
+            </a:r>
+          </a:p>
+          <a:p>
+            <a:pPr lvl="0" marL="1270000" indent="0">
+              <a:buNone/>
+            </a:pPr>
+            <a:r>
+              <a:rPr sz="1800">
+                <a:latin typeface="Courier"/>
+              </a:rPr>
+              <a:t>geom_point(shape="square", color="green")</a:t>
+            </a:r>
+          </a:p>
+          <a:p>
+            <a:pPr lvl="1"/>
+            <a:r>
+              <a:rPr/>
+              <a:t>Tableau</a:t>
+            </a:r>
+          </a:p>
+          <a:p>
+            <a:pPr lvl="2"/>
+            <a:r>
+              <a:rPr/>
+              <a:t>(Drag and drop)</a:t>
+            </a:r>
+          </a:p>
+        </p:txBody>
+      </p:sp>
+    </p:spTree>
+  </p:cSld>
+</p:sld>
+</file>
+
+<file path=ppt/slides/slide48.xml><?xml version="1.0" encoding="utf-8"?>
+<p:sld xmlns:a="http://schemas.openxmlformats.org/drawingml/2006/main" xmlns:r="http://schemas.openxmlformats.org/officeDocument/2006/relationships" xmlns:p="http://schemas.openxmlformats.org/presentationml/2006/main">
+  <p:cSld>
+    <p:spTree>
+      <p:nvGrpSpPr>
+        <p:cNvPr id="1" name=""/>
+        <p:cNvGrpSpPr/>
+        <p:nvPr/>
+      </p:nvGrpSpPr>
+      <p:grpSpPr>
+        <a:xfrm>
+          <a:off x="0" y="0"/>
+          <a:ext cx="0" cy="0"/>
+          <a:chOff x="0" y="0"/>
+          <a:chExt cx="0" cy="0"/>
+        </a:xfrm>
+      </p:grpSpPr>
+      <p:sp>
+        <p:nvSpPr>
+          <p:cNvPr id="2" name="Title 1"/>
+          <p:cNvSpPr>
+            <a:spLocks noGrp="1"/>
+          </p:cNvSpPr>
+          <p:nvPr>
+            <p:ph type="title"/>
+          </p:nvPr>
+        </p:nvSpPr>
+        <p:spPr/>
+        <p:txBody>
+          <a:bodyPr/>
+          <a:lstStyle/>
+          <a:p>
+            <a:pPr lvl="0" marL="0" indent="0">
+              <a:buNone/>
+            </a:pPr>
+            <a:r>
+              <a:rPr/>
+              <a:t>Basic</a:t>
+            </a:r>
+            <a:r>
+              <a:rPr/>
+              <a:t> </a:t>
+            </a:r>
+            <a:r>
+              <a:rPr/>
+              <a:t>exercise</a:t>
+            </a:r>
+            <a:r>
+              <a:rPr/>
+              <a:t> </a:t>
+            </a:r>
+            <a:r>
+              <a:rPr/>
+              <a:t>-</a:t>
+            </a:r>
+            <a:r>
+              <a:rPr/>
+              <a:t> </a:t>
+            </a:r>
+            <a:r>
+              <a:rPr/>
+              <a:t>global</a:t>
+            </a:r>
+            <a:r>
+              <a:rPr/>
+              <a:t> </a:t>
+            </a:r>
+            <a:r>
+              <a:rPr/>
+              <a:t>modifications</a:t>
+            </a:r>
+          </a:p>
+        </p:txBody>
+      </p:sp>
+      <p:sp>
+        <p:nvSpPr>
+          <p:cNvPr id="3" name="Content Placeholder 2"/>
+          <p:cNvSpPr>
+            <a:spLocks noGrp="1"/>
+          </p:cNvSpPr>
+          <p:nvPr>
+            <p:ph idx="1"/>
+          </p:nvPr>
+        </p:nvSpPr>
+        <p:spPr/>
+        <p:txBody>
+          <a:bodyPr/>
+          <a:lstStyle/>
+          <a:p>
+            <a:pPr lvl="1"/>
+            <a:r>
+              <a:rPr/>
+              <a:t>Use the Saratoga housing data set.</a:t>
+            </a:r>
+          </a:p>
+          <a:p>
+            <a:pPr lvl="1"/>
+            <a:r>
+              <a:rPr/>
+              <a:t>Try the suggested changes to the defaults and see what the visualization looks like.</a:t>
+            </a:r>
+          </a:p>
+          <a:p>
+            <a:pPr lvl="1"/>
+            <a:r>
+              <a:rPr/>
+              <a:t>Try changing the size of the points.</a:t>
+            </a:r>
+          </a:p>
+        </p:txBody>
+      </p:sp>
+    </p:spTree>
+  </p:cSld>
+</p:sld>
+</file>
+
+<file path=ppt/slides/slide49.xml><?xml version="1.0" encoding="utf-8"?>
+<p:sld xmlns:a="http://schemas.openxmlformats.org/drawingml/2006/main" xmlns:r="http://schemas.openxmlformats.org/officeDocument/2006/relationships" xmlns:p="http://schemas.openxmlformats.org/presentationml/2006/main">
+  <p:cSld>
+    <p:spTree>
+      <p:nvGrpSpPr>
+        <p:cNvPr id="1" name=""/>
+        <p:cNvGrpSpPr/>
+        <p:nvPr/>
+      </p:nvGrpSpPr>
+      <p:grpSpPr>
+        <a:xfrm>
+          <a:off x="0" y="0"/>
+          <a:ext cx="0" cy="0"/>
+          <a:chOff x="0" y="0"/>
+          <a:chExt cx="0" cy="0"/>
+        </a:xfrm>
+      </p:grpSpPr>
+      <p:sp>
+        <p:nvSpPr>
+          <p:cNvPr id="2" name="Title 1"/>
+          <p:cNvSpPr>
+            <a:spLocks noGrp="1"/>
+          </p:cNvSpPr>
+          <p:nvPr>
+            <p:ph type="title"/>
+          </p:nvPr>
+        </p:nvSpPr>
+        <p:spPr/>
+        <p:txBody>
+          <a:bodyPr/>
+          <a:lstStyle/>
+          <a:p>
+            <a:pPr lvl="0" marL="0" indent="0">
+              <a:buNone/>
+            </a:pPr>
+            <a:r>
+              <a:rPr/>
+              <a:t>Aesthetics</a:t>
+            </a:r>
+            <a:r>
+              <a:rPr/>
+              <a:t> </a:t>
+            </a:r>
+            <a:r>
+              <a:rPr/>
+              <a:t>for</a:t>
+            </a:r>
+            <a:r>
+              <a:rPr/>
+              <a:t> </a:t>
+            </a:r>
+            <a:r>
+              <a:rPr/>
+              <a:t>points</a:t>
+            </a:r>
+            <a:r>
+              <a:rPr/>
+              <a:t> </a:t>
+            </a:r>
+            <a:r>
+              <a:rPr/>
+              <a:t>-</a:t>
+            </a:r>
+            <a:r>
+              <a:rPr/>
+              <a:t> </a:t>
+            </a:r>
+            <a:r>
+              <a:rPr/>
+              <a:t>location</a:t>
+            </a:r>
+            <a:r>
+              <a:rPr/>
+              <a:t> </a:t>
+            </a:r>
+            <a:r>
+              <a:rPr/>
+              <a:t>(1</a:t>
+            </a:r>
+            <a:r>
+              <a:rPr/>
+              <a:t> </a:t>
+            </a:r>
+            <a:r>
+              <a:rPr/>
+              <a:t>of</a:t>
+            </a:r>
+            <a:r>
+              <a:rPr/>
+              <a:t> </a:t>
+            </a:r>
+            <a:r>
+              <a:rPr/>
+              <a:t>2)</a:t>
+            </a:r>
+          </a:p>
+        </p:txBody>
+      </p:sp>
+      <p:pic>
+        <p:nvPicPr>
+          <p:cNvPr descr="../images/r/point-aesthetics-x.png" id="0" name="Picture 1"/>
+          <p:cNvPicPr>
+            <a:picLocks noGrp="1" noChangeAspect="1"/>
+          </p:cNvPicPr>
+          <p:nvPr/>
+        </p:nvPicPr>
+        <p:blipFill>
+          <a:blip r:embed="rId3"/>
+          <a:stretch>
+            <a:fillRect/>
+          </a:stretch>
+        </p:blipFill>
+        <p:spPr bwMode="auto">
+          <a:xfrm>
+            <a:off x="2565400" y="1600200"/>
+            <a:ext cx="4013200" cy="4013200"/>
+          </a:xfrm>
+          <a:prstGeom prst="rect">
+            <a:avLst/>
+          </a:prstGeom>
+          <a:noFill/>
+          <a:ln w="9525">
+            <a:noFill/>
+            <a:headEnd/>
+            <a:tailEnd/>
+          </a:ln>
+        </p:spPr>
+      </p:pic>
+      <p:sp>
+        <p:nvSpPr>
+          <p:cNvPr id="1" name="TextBox 3"/>
+          <p:cNvSpPr txBox="1"/>
+          <p:nvPr/>
+        </p:nvSpPr>
+        <p:spPr>
+          <a:xfrm>
+            <a:off x="457200" y="5613400"/>
+            <a:ext cx="8229600" cy="508000"/>
+          </a:xfrm>
+          <a:prstGeom prst="rect">
+            <a:avLst/>
+          </a:prstGeom>
+          <a:noFill/>
+        </p:spPr>
+        <p:txBody>
+          <a:bodyPr/>
+          <a:lstStyle/>
+          <a:p>
+            <a:pPr lvl="0" marL="0" indent="0" algn="ctr">
+              <a:buNone/>
+            </a:pPr>
+            <a:r>
+              <a:rPr/>
+              <a:t>Illustration</a:t>
+            </a:r>
+            <a:r>
+              <a:rPr/>
+              <a:t> </a:t>
+            </a:r>
+            <a:r>
+              <a:rPr/>
+              <a:t>of</a:t>
+            </a:r>
+            <a:r>
+              <a:rPr/>
+              <a:t> </a:t>
+            </a:r>
+            <a:r>
+              <a:rPr/>
+              <a:t>location</a:t>
+            </a:r>
+            <a:r>
+              <a:rPr/>
+              <a:t> </a:t>
+            </a:r>
+            <a:r>
+              <a:rPr/>
+              <a:t>aesthetics</a:t>
+            </a:r>
+          </a:p>
+        </p:txBody>
+      </p:sp>
+    </p:spTree>
+  </p:cSld>
+</p:sld>
+</file>
+
 <file path=ppt/slides/slide5.xml><?xml version="1.0" encoding="utf-8"?>
 <p:sld xmlns:a="http://schemas.openxmlformats.org/drawingml/2006/main" xmlns:r="http://schemas.openxmlformats.org/officeDocument/2006/relationships" xmlns:p="http://schemas.openxmlformats.org/presentationml/2006/main">
   <p:cSld>
@@ -42639,6 +47782,1403 @@
             <a:r>
               <a:rPr/>
               <a:t>What software are you most comfortable with?</a:t>
+            </a:r>
+          </a:p>
+        </p:txBody>
+      </p:sp>
+    </p:spTree>
+  </p:cSld>
+</p:sld>
+</file>
+
+<file path=ppt/slides/slide50.xml><?xml version="1.0" encoding="utf-8"?>
+<p:sld xmlns:a="http://schemas.openxmlformats.org/drawingml/2006/main" xmlns:r="http://schemas.openxmlformats.org/officeDocument/2006/relationships" xmlns:p="http://schemas.openxmlformats.org/presentationml/2006/main">
+  <p:cSld>
+    <p:spTree>
+      <p:nvGrpSpPr>
+        <p:cNvPr id="1" name=""/>
+        <p:cNvGrpSpPr/>
+        <p:nvPr/>
+      </p:nvGrpSpPr>
+      <p:grpSpPr>
+        <a:xfrm>
+          <a:off x="0" y="0"/>
+          <a:ext cx="0" cy="0"/>
+          <a:chOff x="0" y="0"/>
+          <a:chExt cx="0" cy="0"/>
+        </a:xfrm>
+      </p:grpSpPr>
+      <p:sp>
+        <p:nvSpPr>
+          <p:cNvPr id="2" name="Title 1"/>
+          <p:cNvSpPr>
+            <a:spLocks noGrp="1"/>
+          </p:cNvSpPr>
+          <p:nvPr>
+            <p:ph type="title"/>
+          </p:nvPr>
+        </p:nvSpPr>
+        <p:spPr/>
+        <p:txBody>
+          <a:bodyPr/>
+          <a:lstStyle/>
+          <a:p>
+            <a:pPr lvl="0" marL="0" indent="0">
+              <a:buNone/>
+            </a:pPr>
+            <a:r>
+              <a:rPr/>
+              <a:t>Aesthetics</a:t>
+            </a:r>
+            <a:r>
+              <a:rPr/>
+              <a:t> </a:t>
+            </a:r>
+            <a:r>
+              <a:rPr/>
+              <a:t>for</a:t>
+            </a:r>
+            <a:r>
+              <a:rPr/>
+              <a:t> </a:t>
+            </a:r>
+            <a:r>
+              <a:rPr/>
+              <a:t>points</a:t>
+            </a:r>
+            <a:r>
+              <a:rPr/>
+              <a:t> </a:t>
+            </a:r>
+            <a:r>
+              <a:rPr/>
+              <a:t>-</a:t>
+            </a:r>
+            <a:r>
+              <a:rPr/>
+              <a:t> </a:t>
+            </a:r>
+            <a:r>
+              <a:rPr/>
+              <a:t>location</a:t>
+            </a:r>
+            <a:r>
+              <a:rPr/>
+              <a:t> </a:t>
+            </a:r>
+            <a:r>
+              <a:rPr/>
+              <a:t>(2</a:t>
+            </a:r>
+            <a:r>
+              <a:rPr/>
+              <a:t> </a:t>
+            </a:r>
+            <a:r>
+              <a:rPr/>
+              <a:t>of</a:t>
+            </a:r>
+            <a:r>
+              <a:rPr/>
+              <a:t> </a:t>
+            </a:r>
+            <a:r>
+              <a:rPr/>
+              <a:t>2)</a:t>
+            </a:r>
+          </a:p>
+        </p:txBody>
+      </p:sp>
+      <p:pic>
+        <p:nvPicPr>
+          <p:cNvPr descr="../images/r/point-aesthetics-y.png" id="0" name="Picture 1"/>
+          <p:cNvPicPr>
+            <a:picLocks noGrp="1" noChangeAspect="1"/>
+          </p:cNvPicPr>
+          <p:nvPr/>
+        </p:nvPicPr>
+        <p:blipFill>
+          <a:blip r:embed="rId3"/>
+          <a:stretch>
+            <a:fillRect/>
+          </a:stretch>
+        </p:blipFill>
+        <p:spPr bwMode="auto">
+          <a:xfrm>
+            <a:off x="2565400" y="1600200"/>
+            <a:ext cx="4013200" cy="4013200"/>
+          </a:xfrm>
+          <a:prstGeom prst="rect">
+            <a:avLst/>
+          </a:prstGeom>
+          <a:noFill/>
+          <a:ln w="9525">
+            <a:noFill/>
+            <a:headEnd/>
+            <a:tailEnd/>
+          </a:ln>
+        </p:spPr>
+      </p:pic>
+      <p:sp>
+        <p:nvSpPr>
+          <p:cNvPr id="1" name="TextBox 3"/>
+          <p:cNvSpPr txBox="1"/>
+          <p:nvPr/>
+        </p:nvSpPr>
+        <p:spPr>
+          <a:xfrm>
+            <a:off x="457200" y="5613400"/>
+            <a:ext cx="8229600" cy="508000"/>
+          </a:xfrm>
+          <a:prstGeom prst="rect">
+            <a:avLst/>
+          </a:prstGeom>
+          <a:noFill/>
+        </p:spPr>
+        <p:txBody>
+          <a:bodyPr/>
+          <a:lstStyle/>
+          <a:p>
+            <a:pPr lvl="0" marL="0" indent="0" algn="ctr">
+              <a:buNone/>
+            </a:pPr>
+            <a:r>
+              <a:rPr/>
+              <a:t>Illustration</a:t>
+            </a:r>
+            <a:r>
+              <a:rPr/>
+              <a:t> </a:t>
+            </a:r>
+            <a:r>
+              <a:rPr/>
+              <a:t>of</a:t>
+            </a:r>
+            <a:r>
+              <a:rPr/>
+              <a:t> </a:t>
+            </a:r>
+            <a:r>
+              <a:rPr/>
+              <a:t>location</a:t>
+            </a:r>
+            <a:r>
+              <a:rPr/>
+              <a:t> </a:t>
+            </a:r>
+            <a:r>
+              <a:rPr/>
+              <a:t>aesthetics</a:t>
+            </a:r>
+          </a:p>
+        </p:txBody>
+      </p:sp>
+    </p:spTree>
+  </p:cSld>
+</p:sld>
+</file>
+
+<file path=ppt/slides/slide51.xml><?xml version="1.0" encoding="utf-8"?>
+<p:sld xmlns:a="http://schemas.openxmlformats.org/drawingml/2006/main" xmlns:r="http://schemas.openxmlformats.org/officeDocument/2006/relationships" xmlns:p="http://schemas.openxmlformats.org/presentationml/2006/main">
+  <p:cSld>
+    <p:spTree>
+      <p:nvGrpSpPr>
+        <p:cNvPr id="1" name=""/>
+        <p:cNvGrpSpPr/>
+        <p:nvPr/>
+      </p:nvGrpSpPr>
+      <p:grpSpPr>
+        <a:xfrm>
+          <a:off x="0" y="0"/>
+          <a:ext cx="0" cy="0"/>
+          <a:chOff x="0" y="0"/>
+          <a:chExt cx="0" cy="0"/>
+        </a:xfrm>
+      </p:grpSpPr>
+      <p:sp>
+        <p:nvSpPr>
+          <p:cNvPr id="2" name="Title 1"/>
+          <p:cNvSpPr>
+            <a:spLocks noGrp="1"/>
+          </p:cNvSpPr>
+          <p:nvPr>
+            <p:ph type="title"/>
+          </p:nvPr>
+        </p:nvSpPr>
+        <p:spPr/>
+        <p:txBody>
+          <a:bodyPr/>
+          <a:lstStyle/>
+          <a:p>
+            <a:pPr lvl="0" marL="0" indent="0">
+              <a:buNone/>
+            </a:pPr>
+            <a:r>
+              <a:rPr/>
+              <a:t>Basic</a:t>
+            </a:r>
+            <a:r>
+              <a:rPr/>
+              <a:t> </a:t>
+            </a:r>
+            <a:r>
+              <a:rPr/>
+              <a:t>exercise</a:t>
+            </a:r>
+            <a:r>
+              <a:rPr/>
+              <a:t> </a:t>
+            </a:r>
+            <a:r>
+              <a:rPr/>
+              <a:t>-</a:t>
+            </a:r>
+            <a:r>
+              <a:rPr/>
+              <a:t> </a:t>
+            </a:r>
+            <a:r>
+              <a:rPr/>
+              <a:t>location</a:t>
+            </a:r>
+          </a:p>
+        </p:txBody>
+      </p:sp>
+      <p:sp>
+        <p:nvSpPr>
+          <p:cNvPr id="3" name="Content Placeholder 2"/>
+          <p:cNvSpPr>
+            <a:spLocks noGrp="1"/>
+          </p:cNvSpPr>
+          <p:nvPr>
+            <p:ph idx="1"/>
+          </p:nvPr>
+        </p:nvSpPr>
+        <p:spPr/>
+        <p:txBody>
+          <a:bodyPr/>
+          <a:lstStyle/>
+          <a:p>
+            <a:pPr lvl="1"/>
+            <a:r>
+              <a:rPr/>
+              <a:t>Use the Saratoga housing data set.</a:t>
+            </a:r>
+          </a:p>
+          <a:p>
+            <a:pPr lvl="1"/>
+            <a:r>
+              <a:rPr/>
+              <a:t>Revise the plot so that the location of the points represents x=Bedrooms and Y=Price.</a:t>
+            </a:r>
+          </a:p>
+        </p:txBody>
+      </p:sp>
+    </p:spTree>
+  </p:cSld>
+</p:sld>
+</file>
+
+<file path=ppt/slides/slide52.xml><?xml version="1.0" encoding="utf-8"?>
+<p:sld xmlns:a="http://schemas.openxmlformats.org/drawingml/2006/main" xmlns:r="http://schemas.openxmlformats.org/officeDocument/2006/relationships" xmlns:p="http://schemas.openxmlformats.org/presentationml/2006/main">
+  <p:cSld>
+    <p:spTree>
+      <p:nvGrpSpPr>
+        <p:cNvPr id="1" name=""/>
+        <p:cNvGrpSpPr/>
+        <p:nvPr/>
+      </p:nvGrpSpPr>
+      <p:grpSpPr>
+        <a:xfrm>
+          <a:off x="0" y="0"/>
+          <a:ext cx="0" cy="0"/>
+          <a:chOff x="0" y="0"/>
+          <a:chExt cx="0" cy="0"/>
+        </a:xfrm>
+      </p:grpSpPr>
+      <p:sp>
+        <p:nvSpPr>
+          <p:cNvPr id="2" name="Title 1"/>
+          <p:cNvSpPr>
+            <a:spLocks noGrp="1"/>
+          </p:cNvSpPr>
+          <p:nvPr>
+            <p:ph type="title"/>
+          </p:nvPr>
+        </p:nvSpPr>
+        <p:spPr/>
+        <p:txBody>
+          <a:bodyPr/>
+          <a:lstStyle/>
+          <a:p>
+            <a:pPr lvl="0" marL="0" indent="0">
+              <a:buNone/>
+            </a:pPr>
+            <a:r>
+              <a:rPr/>
+              <a:t>Basic</a:t>
+            </a:r>
+            <a:r>
+              <a:rPr/>
+              <a:t> </a:t>
+            </a:r>
+            <a:r>
+              <a:rPr/>
+              <a:t>exercise</a:t>
+            </a:r>
+            <a:r>
+              <a:rPr/>
+              <a:t> </a:t>
+            </a:r>
+            <a:r>
+              <a:rPr/>
+              <a:t>-</a:t>
+            </a:r>
+            <a:r>
+              <a:rPr/>
+              <a:t> </a:t>
+            </a:r>
+            <a:r>
+              <a:rPr/>
+              <a:t>location</a:t>
+            </a:r>
+          </a:p>
+        </p:txBody>
+      </p:sp>
+      <p:sp>
+        <p:nvSpPr>
+          <p:cNvPr id="3" name="Content Placeholder 2"/>
+          <p:cNvSpPr>
+            <a:spLocks noGrp="1"/>
+          </p:cNvSpPr>
+          <p:nvPr>
+            <p:ph idx="1"/>
+          </p:nvPr>
+        </p:nvSpPr>
+        <p:spPr/>
+        <p:txBody>
+          <a:bodyPr/>
+          <a:lstStyle/>
+          <a:p>
+            <a:pPr lvl="1"/>
+            <a:r>
+              <a:rPr/>
+              <a:t>Use the Saratoga housing data set.</a:t>
+            </a:r>
+          </a:p>
+          <a:p>
+            <a:pPr lvl="1"/>
+            <a:r>
+              <a:rPr/>
+              <a:t>Revise the plot so that the location of the points represents x=Bedrooms and Y=Price.</a:t>
+            </a:r>
+          </a:p>
+        </p:txBody>
+      </p:sp>
+    </p:spTree>
+  </p:cSld>
+</p:sld>
+</file>
+
+<file path=ppt/slides/slide53.xml><?xml version="1.0" encoding="utf-8"?>
+<p:sld xmlns:a="http://schemas.openxmlformats.org/drawingml/2006/main" xmlns:r="http://schemas.openxmlformats.org/officeDocument/2006/relationships" xmlns:p="http://schemas.openxmlformats.org/presentationml/2006/main">
+  <p:cSld>
+    <p:spTree>
+      <p:nvGrpSpPr>
+        <p:cNvPr id="1" name=""/>
+        <p:cNvGrpSpPr/>
+        <p:nvPr/>
+      </p:nvGrpSpPr>
+      <p:grpSpPr>
+        <a:xfrm>
+          <a:off x="0" y="0"/>
+          <a:ext cx="0" cy="0"/>
+          <a:chOff x="0" y="0"/>
+          <a:chExt cx="0" cy="0"/>
+        </a:xfrm>
+      </p:grpSpPr>
+      <p:sp>
+        <p:nvSpPr>
+          <p:cNvPr id="2" name="Title 1"/>
+          <p:cNvSpPr>
+            <a:spLocks noGrp="1"/>
+          </p:cNvSpPr>
+          <p:nvPr>
+            <p:ph type="title"/>
+          </p:nvPr>
+        </p:nvSpPr>
+        <p:spPr/>
+        <p:txBody>
+          <a:bodyPr/>
+          <a:lstStyle/>
+          <a:p>
+            <a:pPr lvl="0" marL="0" indent="0">
+              <a:buNone/>
+            </a:pPr>
+            <a:r>
+              <a:rPr/>
+              <a:t>Here’s</a:t>
+            </a:r>
+            <a:r>
+              <a:rPr/>
+              <a:t> </a:t>
+            </a:r>
+            <a:r>
+              <a:rPr/>
+              <a:t>the</a:t>
+            </a:r>
+            <a:r>
+              <a:rPr/>
+              <a:t> </a:t>
+            </a:r>
+            <a:r>
+              <a:rPr/>
+              <a:t>Python</a:t>
+            </a:r>
+            <a:r>
+              <a:rPr/>
+              <a:t> </a:t>
+            </a:r>
+            <a:r>
+              <a:rPr/>
+              <a:t>code</a:t>
+            </a:r>
+          </a:p>
+        </p:txBody>
+      </p:sp>
+      <p:sp>
+        <p:nvSpPr>
+          <p:cNvPr id="3" name="Content Placeholder 2"/>
+          <p:cNvSpPr>
+            <a:spLocks noGrp="1"/>
+          </p:cNvSpPr>
+          <p:nvPr>
+            <p:ph idx="1"/>
+          </p:nvPr>
+        </p:nvSpPr>
+        <p:spPr/>
+        <p:txBody>
+          <a:bodyPr/>
+          <a:lstStyle/>
+          <a:p>
+            <a:pPr lvl="0" marL="0" indent="0">
+              <a:buNone/>
+            </a:pPr>
+            <a:r>
+              <a:rPr/>
+              <a:t>Here’s the Python code.</a:t>
+            </a:r>
+          </a:p>
+          <a:p>
+            <a:pPr lvl="0" marL="1270000" indent="0">
+              <a:buNone/>
+            </a:pPr>
+            <a:r>
+              <a:rPr sz="1800">
+                <a:latin typeface="Courier"/>
+              </a:rPr>
+              <a:t>ch4 = alt.Chart(df).mark_point().encode(
+      x='Bedrooms',y='Price')</a:t>
+            </a:r>
+          </a:p>
+        </p:txBody>
+      </p:sp>
+    </p:spTree>
+  </p:cSld>
+</p:sld>
+</file>
+
+<file path=ppt/slides/slide54.xml><?xml version="1.0" encoding="utf-8"?>
+<p:sld xmlns:a="http://schemas.openxmlformats.org/drawingml/2006/main" xmlns:r="http://schemas.openxmlformats.org/officeDocument/2006/relationships" xmlns:p="http://schemas.openxmlformats.org/presentationml/2006/main">
+  <p:cSld>
+    <p:spTree>
+      <p:nvGrpSpPr>
+        <p:cNvPr id="1" name=""/>
+        <p:cNvGrpSpPr/>
+        <p:nvPr/>
+      </p:nvGrpSpPr>
+      <p:grpSpPr>
+        <a:xfrm>
+          <a:off x="0" y="0"/>
+          <a:ext cx="0" cy="0"/>
+          <a:chOff x="0" y="0"/>
+          <a:chExt cx="0" cy="0"/>
+        </a:xfrm>
+      </p:grpSpPr>
+      <p:sp>
+        <p:nvSpPr>
+          <p:cNvPr id="2" name="Title 1"/>
+          <p:cNvSpPr>
+            <a:spLocks noGrp="1"/>
+          </p:cNvSpPr>
+          <p:nvPr>
+            <p:ph type="title"/>
+          </p:nvPr>
+        </p:nvSpPr>
+        <p:spPr/>
+        <p:txBody>
+          <a:bodyPr/>
+          <a:lstStyle/>
+          <a:p>
+            <a:pPr lvl="0" marL="0" indent="0">
+              <a:buNone/>
+            </a:pPr>
+            <a:r>
+              <a:rPr/>
+              <a:t>Here’s</a:t>
+            </a:r>
+            <a:r>
+              <a:rPr/>
+              <a:t> </a:t>
+            </a:r>
+            <a:r>
+              <a:rPr/>
+              <a:t>the</a:t>
+            </a:r>
+            <a:r>
+              <a:rPr/>
+              <a:t> </a:t>
+            </a:r>
+            <a:r>
+              <a:rPr/>
+              <a:t>result</a:t>
+            </a:r>
+            <a:r>
+              <a:rPr/>
+              <a:t> </a:t>
+            </a:r>
+            <a:r>
+              <a:rPr/>
+              <a:t>in</a:t>
+            </a:r>
+            <a:r>
+              <a:rPr/>
+              <a:t> </a:t>
+            </a:r>
+            <a:r>
+              <a:rPr/>
+              <a:t>Python</a:t>
+            </a:r>
+          </a:p>
+        </p:txBody>
+      </p:sp>
+      <p:pic>
+        <p:nvPicPr>
+          <p:cNvPr descr="../images/python/altair-basic-exercise-location.png" id="0" name="Picture 1"/>
+          <p:cNvPicPr>
+            <a:picLocks noGrp="1" noChangeAspect="1"/>
+          </p:cNvPicPr>
+          <p:nvPr/>
+        </p:nvPicPr>
+        <p:blipFill>
+          <a:blip r:embed="rId2"/>
+          <a:stretch>
+            <a:fillRect/>
+          </a:stretch>
+        </p:blipFill>
+        <p:spPr bwMode="auto">
+          <a:xfrm>
+            <a:off x="2108200" y="1600200"/>
+            <a:ext cx="4914900" cy="4013200"/>
+          </a:xfrm>
+          <a:prstGeom prst="rect">
+            <a:avLst/>
+          </a:prstGeom>
+          <a:noFill/>
+          <a:ln w="9525">
+            <a:noFill/>
+            <a:headEnd/>
+            <a:tailEnd/>
+          </a:ln>
+        </p:spPr>
+      </p:pic>
+      <p:sp>
+        <p:nvSpPr>
+          <p:cNvPr id="1" name="TextBox 3"/>
+          <p:cNvSpPr txBox="1"/>
+          <p:nvPr/>
+        </p:nvSpPr>
+        <p:spPr>
+          <a:xfrm>
+            <a:off x="457200" y="5613400"/>
+            <a:ext cx="8229600" cy="508000"/>
+          </a:xfrm>
+          <a:prstGeom prst="rect">
+            <a:avLst/>
+          </a:prstGeom>
+          <a:noFill/>
+        </p:spPr>
+        <p:txBody>
+          <a:bodyPr/>
+          <a:lstStyle/>
+          <a:p>
+            <a:pPr lvl="0" marL="0" indent="0" algn="ctr">
+              <a:buNone/>
+            </a:pPr>
+            <a:r>
+              <a:rPr/>
+              <a:t>Python</a:t>
+            </a:r>
+            <a:r>
+              <a:rPr/>
+              <a:t> </a:t>
+            </a:r>
+            <a:r>
+              <a:rPr/>
+              <a:t>scatterplot</a:t>
+            </a:r>
+            <a:r>
+              <a:rPr/>
+              <a:t> </a:t>
+            </a:r>
+            <a:r>
+              <a:rPr/>
+              <a:t>of</a:t>
+            </a:r>
+            <a:r>
+              <a:rPr/>
+              <a:t> </a:t>
+            </a:r>
+            <a:r>
+              <a:rPr/>
+              <a:t>bedrooms</a:t>
+            </a:r>
+            <a:r>
+              <a:rPr/>
+              <a:t> </a:t>
+            </a:r>
+            <a:r>
+              <a:rPr/>
+              <a:t>and</a:t>
+            </a:r>
+            <a:r>
+              <a:rPr/>
+              <a:t> </a:t>
+            </a:r>
+            <a:r>
+              <a:rPr/>
+              <a:t>price</a:t>
+            </a:r>
+          </a:p>
+        </p:txBody>
+      </p:sp>
+    </p:spTree>
+  </p:cSld>
+</p:sld>
+</file>
+
+<file path=ppt/slides/slide55.xml><?xml version="1.0" encoding="utf-8"?>
+<p:sld xmlns:a="http://schemas.openxmlformats.org/drawingml/2006/main" xmlns:r="http://schemas.openxmlformats.org/officeDocument/2006/relationships" xmlns:p="http://schemas.openxmlformats.org/presentationml/2006/main">
+  <p:cSld>
+    <p:spTree>
+      <p:nvGrpSpPr>
+        <p:cNvPr id="1" name=""/>
+        <p:cNvGrpSpPr/>
+        <p:nvPr/>
+      </p:nvGrpSpPr>
+      <p:grpSpPr>
+        <a:xfrm>
+          <a:off x="0" y="0"/>
+          <a:ext cx="0" cy="0"/>
+          <a:chOff x="0" y="0"/>
+          <a:chExt cx="0" cy="0"/>
+        </a:xfrm>
+      </p:grpSpPr>
+      <p:sp>
+        <p:nvSpPr>
+          <p:cNvPr id="2" name="Title 1"/>
+          <p:cNvSpPr>
+            <a:spLocks noGrp="1"/>
+          </p:cNvSpPr>
+          <p:nvPr>
+            <p:ph type="title"/>
+          </p:nvPr>
+        </p:nvSpPr>
+        <p:spPr/>
+        <p:txBody>
+          <a:bodyPr/>
+          <a:lstStyle/>
+          <a:p>
+            <a:pPr lvl="0" marL="0" indent="0">
+              <a:buNone/>
+            </a:pPr>
+            <a:r>
+              <a:rPr/>
+              <a:t>Here’s</a:t>
+            </a:r>
+            <a:r>
+              <a:rPr/>
+              <a:t> </a:t>
+            </a:r>
+            <a:r>
+              <a:rPr/>
+              <a:t>the</a:t>
+            </a:r>
+            <a:r>
+              <a:rPr/>
+              <a:t> </a:t>
+            </a:r>
+            <a:r>
+              <a:rPr/>
+              <a:t>R</a:t>
+            </a:r>
+            <a:r>
+              <a:rPr/>
+              <a:t> </a:t>
+            </a:r>
+            <a:r>
+              <a:rPr/>
+              <a:t>code</a:t>
+            </a:r>
+          </a:p>
+        </p:txBody>
+      </p:sp>
+      <p:sp>
+        <p:nvSpPr>
+          <p:cNvPr id="3" name="Content Placeholder 2"/>
+          <p:cNvSpPr>
+            <a:spLocks noGrp="1"/>
+          </p:cNvSpPr>
+          <p:nvPr>
+            <p:ph idx="1"/>
+          </p:nvPr>
+        </p:nvSpPr>
+        <p:spPr/>
+        <p:txBody>
+          <a:bodyPr/>
+          <a:lstStyle/>
+          <a:p>
+            <a:pPr lvl="0" marL="1270000" indent="0">
+              <a:buNone/>
+            </a:pPr>
+            <a:r>
+              <a:rPr sz="1800">
+                <a:latin typeface="Courier"/>
+              </a:rPr>
+              <a:t>ggplot(saratoga_houses, aes(x=Bedrooms, y=Price)) + 
+  geom_point())</a:t>
+            </a:r>
+          </a:p>
+        </p:txBody>
+      </p:sp>
+    </p:spTree>
+  </p:cSld>
+</p:sld>
+</file>
+
+<file path=ppt/slides/slide56.xml><?xml version="1.0" encoding="utf-8"?>
+<p:sld xmlns:a="http://schemas.openxmlformats.org/drawingml/2006/main" xmlns:r="http://schemas.openxmlformats.org/officeDocument/2006/relationships" xmlns:p="http://schemas.openxmlformats.org/presentationml/2006/main">
+  <p:cSld>
+    <p:spTree>
+      <p:nvGrpSpPr>
+        <p:cNvPr id="1" name=""/>
+        <p:cNvGrpSpPr/>
+        <p:nvPr/>
+      </p:nvGrpSpPr>
+      <p:grpSpPr>
+        <a:xfrm>
+          <a:off x="0" y="0"/>
+          <a:ext cx="0" cy="0"/>
+          <a:chOff x="0" y="0"/>
+          <a:chExt cx="0" cy="0"/>
+        </a:xfrm>
+      </p:grpSpPr>
+      <p:sp>
+        <p:nvSpPr>
+          <p:cNvPr id="2" name="Title 1"/>
+          <p:cNvSpPr>
+            <a:spLocks noGrp="1"/>
+          </p:cNvSpPr>
+          <p:nvPr>
+            <p:ph type="title"/>
+          </p:nvPr>
+        </p:nvSpPr>
+        <p:spPr/>
+        <p:txBody>
+          <a:bodyPr/>
+          <a:lstStyle/>
+          <a:p>
+            <a:pPr lvl="0" marL="0" indent="0">
+              <a:buNone/>
+            </a:pPr>
+            <a:r>
+              <a:rPr/>
+              <a:t>Here’s</a:t>
+            </a:r>
+            <a:r>
+              <a:rPr/>
+              <a:t> </a:t>
+            </a:r>
+            <a:r>
+              <a:rPr/>
+              <a:t>the</a:t>
+            </a:r>
+            <a:r>
+              <a:rPr/>
+              <a:t> </a:t>
+            </a:r>
+            <a:r>
+              <a:rPr/>
+              <a:t>result</a:t>
+            </a:r>
+            <a:r>
+              <a:rPr/>
+              <a:t> </a:t>
+            </a:r>
+            <a:r>
+              <a:rPr/>
+              <a:t>in</a:t>
+            </a:r>
+            <a:r>
+              <a:rPr/>
+              <a:t> </a:t>
+            </a:r>
+            <a:r>
+              <a:rPr/>
+              <a:t>R</a:t>
+            </a:r>
+          </a:p>
+        </p:txBody>
+      </p:sp>
+      <p:pic>
+        <p:nvPicPr>
+          <p:cNvPr descr="../images/r/bedrooms-and-price.png" id="0" name="Picture 1"/>
+          <p:cNvPicPr>
+            <a:picLocks noGrp="1" noChangeAspect="1"/>
+          </p:cNvPicPr>
+          <p:nvPr/>
+        </p:nvPicPr>
+        <p:blipFill>
+          <a:blip r:embed="rId2"/>
+          <a:stretch>
+            <a:fillRect/>
+          </a:stretch>
+        </p:blipFill>
+        <p:spPr bwMode="auto">
+          <a:xfrm>
+            <a:off x="2565400" y="1600200"/>
+            <a:ext cx="4013200" cy="4013200"/>
+          </a:xfrm>
+          <a:prstGeom prst="rect">
+            <a:avLst/>
+          </a:prstGeom>
+          <a:noFill/>
+          <a:ln w="9525">
+            <a:noFill/>
+            <a:headEnd/>
+            <a:tailEnd/>
+          </a:ln>
+        </p:spPr>
+      </p:pic>
+      <p:sp>
+        <p:nvSpPr>
+          <p:cNvPr id="1" name="TextBox 3"/>
+          <p:cNvSpPr txBox="1"/>
+          <p:nvPr/>
+        </p:nvSpPr>
+        <p:spPr>
+          <a:xfrm>
+            <a:off x="457200" y="5613400"/>
+            <a:ext cx="8229600" cy="508000"/>
+          </a:xfrm>
+          <a:prstGeom prst="rect">
+            <a:avLst/>
+          </a:prstGeom>
+          <a:noFill/>
+        </p:spPr>
+        <p:txBody>
+          <a:bodyPr/>
+          <a:lstStyle/>
+          <a:p>
+            <a:pPr lvl="0" marL="0" indent="0" algn="ctr">
+              <a:buNone/>
+            </a:pPr>
+            <a:r>
+              <a:rPr/>
+              <a:t>Scatterplot</a:t>
+            </a:r>
+            <a:r>
+              <a:rPr/>
+              <a:t> </a:t>
+            </a:r>
+            <a:r>
+              <a:rPr/>
+              <a:t>of</a:t>
+            </a:r>
+            <a:r>
+              <a:rPr/>
+              <a:t> </a:t>
+            </a:r>
+            <a:r>
+              <a:rPr/>
+              <a:t>bedrooms</a:t>
+            </a:r>
+            <a:r>
+              <a:rPr/>
+              <a:t> </a:t>
+            </a:r>
+            <a:r>
+              <a:rPr/>
+              <a:t>and</a:t>
+            </a:r>
+            <a:r>
+              <a:rPr/>
+              <a:t> </a:t>
+            </a:r>
+            <a:r>
+              <a:rPr/>
+              <a:t>price</a:t>
+            </a:r>
+          </a:p>
+        </p:txBody>
+      </p:sp>
+    </p:spTree>
+  </p:cSld>
+</p:sld>
+</file>
+
+<file path=ppt/slides/slide57.xml><?xml version="1.0" encoding="utf-8"?>
+<p:sld xmlns:a="http://schemas.openxmlformats.org/drawingml/2006/main" xmlns:r="http://schemas.openxmlformats.org/officeDocument/2006/relationships" xmlns:p="http://schemas.openxmlformats.org/presentationml/2006/main">
+  <p:cSld>
+    <p:spTree>
+      <p:nvGrpSpPr>
+        <p:cNvPr id="1" name=""/>
+        <p:cNvGrpSpPr/>
+        <p:nvPr/>
+      </p:nvGrpSpPr>
+      <p:grpSpPr>
+        <a:xfrm>
+          <a:off x="0" y="0"/>
+          <a:ext cx="0" cy="0"/>
+          <a:chOff x="0" y="0"/>
+          <a:chExt cx="0" cy="0"/>
+        </a:xfrm>
+      </p:grpSpPr>
+      <p:sp>
+        <p:nvSpPr>
+          <p:cNvPr id="2" name="Title 1"/>
+          <p:cNvSpPr>
+            <a:spLocks noGrp="1"/>
+          </p:cNvSpPr>
+          <p:nvPr>
+            <p:ph type="title"/>
+          </p:nvPr>
+        </p:nvSpPr>
+        <p:spPr/>
+        <p:txBody>
+          <a:bodyPr/>
+          <a:lstStyle/>
+          <a:p>
+            <a:pPr lvl="0" marL="0" indent="0">
+              <a:buNone/>
+            </a:pPr>
+            <a:r>
+              <a:rPr/>
+              <a:t>Here</a:t>
+            </a:r>
+            <a:r>
+              <a:rPr/>
+              <a:t> </a:t>
+            </a:r>
+            <a:r>
+              <a:rPr/>
+              <a:t>are</a:t>
+            </a:r>
+            <a:r>
+              <a:rPr/>
+              <a:t> </a:t>
+            </a:r>
+            <a:r>
+              <a:rPr/>
+              <a:t>the</a:t>
+            </a:r>
+            <a:r>
+              <a:rPr/>
+              <a:t> </a:t>
+            </a:r>
+            <a:r>
+              <a:rPr/>
+              <a:t>results</a:t>
+            </a:r>
+            <a:r>
+              <a:rPr/>
+              <a:t> </a:t>
+            </a:r>
+            <a:r>
+              <a:rPr/>
+              <a:t>in</a:t>
+            </a:r>
+            <a:r>
+              <a:rPr/>
+              <a:t> </a:t>
+            </a:r>
+            <a:r>
+              <a:rPr/>
+              <a:t>Tableau.</a:t>
+            </a:r>
+          </a:p>
+        </p:txBody>
+      </p:sp>
+      <p:pic>
+        <p:nvPicPr>
+          <p:cNvPr descr="../images/tableau/bedrooms-vs-price.png" id="0" name="Picture 1"/>
+          <p:cNvPicPr>
+            <a:picLocks noGrp="1" noChangeAspect="1"/>
+          </p:cNvPicPr>
+          <p:nvPr/>
+        </p:nvPicPr>
+        <p:blipFill>
+          <a:blip r:embed="rId3"/>
+          <a:stretch>
+            <a:fillRect/>
+          </a:stretch>
+        </p:blipFill>
+        <p:spPr bwMode="auto">
+          <a:xfrm>
+            <a:off x="558800" y="1600200"/>
+            <a:ext cx="8026400" cy="4013200"/>
+          </a:xfrm>
+          <a:prstGeom prst="rect">
+            <a:avLst/>
+          </a:prstGeom>
+          <a:noFill/>
+          <a:ln w="9525">
+            <a:noFill/>
+            <a:headEnd/>
+            <a:tailEnd/>
+          </a:ln>
+        </p:spPr>
+      </p:pic>
+      <p:sp>
+        <p:nvSpPr>
+          <p:cNvPr id="1" name="TextBox 3"/>
+          <p:cNvSpPr txBox="1"/>
+          <p:nvPr/>
+        </p:nvSpPr>
+        <p:spPr>
+          <a:xfrm>
+            <a:off x="457200" y="5613400"/>
+            <a:ext cx="8229600" cy="508000"/>
+          </a:xfrm>
+          <a:prstGeom prst="rect">
+            <a:avLst/>
+          </a:prstGeom>
+          <a:noFill/>
+        </p:spPr>
+        <p:txBody>
+          <a:bodyPr/>
+          <a:lstStyle/>
+          <a:p>
+            <a:pPr lvl="0" marL="0" indent="0" algn="ctr">
+              <a:buNone/>
+            </a:pPr>
+            <a:r>
+              <a:rPr/>
+              <a:t>Tableau</a:t>
+            </a:r>
+            <a:r>
+              <a:rPr/>
+              <a:t> </a:t>
+            </a:r>
+            <a:r>
+              <a:rPr/>
+              <a:t>scatterplot</a:t>
+            </a:r>
+            <a:r>
+              <a:rPr/>
+              <a:t> </a:t>
+            </a:r>
+            <a:r>
+              <a:rPr/>
+              <a:t>of</a:t>
+            </a:r>
+            <a:r>
+              <a:rPr/>
+              <a:t> </a:t>
+            </a:r>
+            <a:r>
+              <a:rPr/>
+              <a:t>Bedrooms</a:t>
+            </a:r>
+            <a:r>
+              <a:rPr/>
+              <a:t> </a:t>
+            </a:r>
+            <a:r>
+              <a:rPr/>
+              <a:t>and</a:t>
+            </a:r>
+            <a:r>
+              <a:rPr/>
+              <a:t> </a:t>
+            </a:r>
+            <a:r>
+              <a:rPr/>
+              <a:t>Price</a:t>
+            </a:r>
+          </a:p>
+        </p:txBody>
+      </p:sp>
+    </p:spTree>
+  </p:cSld>
+</p:sld>
+</file>
+
+<file path=ppt/slides/slide58.xml><?xml version="1.0" encoding="utf-8"?>
+<p:sld xmlns:a="http://schemas.openxmlformats.org/drawingml/2006/main" xmlns:r="http://schemas.openxmlformats.org/officeDocument/2006/relationships" xmlns:p="http://schemas.openxmlformats.org/presentationml/2006/main">
+  <p:cSld>
+    <p:spTree>
+      <p:nvGrpSpPr>
+        <p:cNvPr id="1" name=""/>
+        <p:cNvGrpSpPr/>
+        <p:nvPr/>
+      </p:nvGrpSpPr>
+      <p:grpSpPr>
+        <a:xfrm>
+          <a:off x="0" y="0"/>
+          <a:ext cx="0" cy="0"/>
+          <a:chOff x="0" y="0"/>
+          <a:chExt cx="0" cy="0"/>
+        </a:xfrm>
+      </p:grpSpPr>
+      <p:sp>
+        <p:nvSpPr>
+          <p:cNvPr id="2" name="Title 1"/>
+          <p:cNvSpPr>
+            <a:spLocks noGrp="1"/>
+          </p:cNvSpPr>
+          <p:nvPr>
+            <p:ph type="title"/>
+          </p:nvPr>
+        </p:nvSpPr>
+        <p:spPr/>
+        <p:txBody>
+          <a:bodyPr/>
+          <a:lstStyle/>
+          <a:p>
+            <a:pPr lvl="0" marL="0" indent="0">
+              <a:buNone/>
+            </a:pPr>
+            <a:r>
+              <a:rPr/>
+              <a:t>Aesthetics</a:t>
+            </a:r>
+            <a:r>
+              <a:rPr/>
+              <a:t> </a:t>
+            </a:r>
+            <a:r>
+              <a:rPr/>
+              <a:t>for</a:t>
+            </a:r>
+            <a:r>
+              <a:rPr/>
+              <a:t> </a:t>
+            </a:r>
+            <a:r>
+              <a:rPr/>
+              <a:t>points</a:t>
+            </a:r>
+            <a:r>
+              <a:rPr/>
+              <a:t> </a:t>
+            </a:r>
+            <a:r>
+              <a:rPr/>
+              <a:t>-</a:t>
+            </a:r>
+            <a:r>
+              <a:rPr/>
+              <a:t> </a:t>
+            </a:r>
+            <a:r>
+              <a:rPr/>
+              <a:t>shape</a:t>
+            </a:r>
+          </a:p>
+        </p:txBody>
+      </p:sp>
+      <p:pic>
+        <p:nvPicPr>
+          <p:cNvPr descr="../images/r/point-aesthetics-shape.png" id="0" name="Picture 1"/>
+          <p:cNvPicPr>
+            <a:picLocks noGrp="1" noChangeAspect="1"/>
+          </p:cNvPicPr>
+          <p:nvPr/>
+        </p:nvPicPr>
+        <p:blipFill>
+          <a:blip r:embed="rId3"/>
+          <a:stretch>
+            <a:fillRect/>
+          </a:stretch>
+        </p:blipFill>
+        <p:spPr bwMode="auto">
+          <a:xfrm>
+            <a:off x="2565400" y="1600200"/>
+            <a:ext cx="4013200" cy="4013200"/>
+          </a:xfrm>
+          <a:prstGeom prst="rect">
+            <a:avLst/>
+          </a:prstGeom>
+          <a:noFill/>
+          <a:ln w="9525">
+            <a:noFill/>
+            <a:headEnd/>
+            <a:tailEnd/>
+          </a:ln>
+        </p:spPr>
+      </p:pic>
+      <p:sp>
+        <p:nvSpPr>
+          <p:cNvPr id="1" name="TextBox 3"/>
+          <p:cNvSpPr txBox="1"/>
+          <p:nvPr/>
+        </p:nvSpPr>
+        <p:spPr>
+          <a:xfrm>
+            <a:off x="457200" y="5613400"/>
+            <a:ext cx="8229600" cy="508000"/>
+          </a:xfrm>
+          <a:prstGeom prst="rect">
+            <a:avLst/>
+          </a:prstGeom>
+          <a:noFill/>
+        </p:spPr>
+        <p:txBody>
+          <a:bodyPr/>
+          <a:lstStyle/>
+          <a:p>
+            <a:pPr lvl="0" marL="0" indent="0" algn="ctr">
+              <a:buNone/>
+            </a:pPr>
+            <a:r>
+              <a:rPr/>
+              <a:t>Illustration</a:t>
+            </a:r>
+            <a:r>
+              <a:rPr/>
+              <a:t> </a:t>
+            </a:r>
+            <a:r>
+              <a:rPr/>
+              <a:t>of</a:t>
+            </a:r>
+            <a:r>
+              <a:rPr/>
+              <a:t> </a:t>
+            </a:r>
+            <a:r>
+              <a:rPr/>
+              <a:t>shape</a:t>
+            </a:r>
+            <a:r>
+              <a:rPr/>
+              <a:t> </a:t>
+            </a:r>
+            <a:r>
+              <a:rPr/>
+              <a:t>aesthetics</a:t>
+            </a:r>
+          </a:p>
+        </p:txBody>
+      </p:sp>
+    </p:spTree>
+  </p:cSld>
+</p:sld>
+</file>
+
+<file path=ppt/slides/slide59.xml><?xml version="1.0" encoding="utf-8"?>
+<p:sld xmlns:a="http://schemas.openxmlformats.org/drawingml/2006/main" xmlns:r="http://schemas.openxmlformats.org/officeDocument/2006/relationships" xmlns:p="http://schemas.openxmlformats.org/presentationml/2006/main">
+  <p:cSld>
+    <p:spTree>
+      <p:nvGrpSpPr>
+        <p:cNvPr id="1" name=""/>
+        <p:cNvGrpSpPr/>
+        <p:nvPr/>
+      </p:nvGrpSpPr>
+      <p:grpSpPr>
+        <a:xfrm>
+          <a:off x="0" y="0"/>
+          <a:ext cx="0" cy="0"/>
+          <a:chOff x="0" y="0"/>
+          <a:chExt cx="0" cy="0"/>
+        </a:xfrm>
+      </p:grpSpPr>
+      <p:sp>
+        <p:nvSpPr>
+          <p:cNvPr id="2" name="Title 1"/>
+          <p:cNvSpPr>
+            <a:spLocks noGrp="1"/>
+          </p:cNvSpPr>
+          <p:nvPr>
+            <p:ph type="title"/>
+          </p:nvPr>
+        </p:nvSpPr>
+        <p:spPr/>
+        <p:txBody>
+          <a:bodyPr/>
+          <a:lstStyle/>
+          <a:p>
+            <a:pPr lvl="0" marL="0" indent="0">
+              <a:buNone/>
+            </a:pPr>
+            <a:r>
+              <a:rPr/>
+              <a:t>Basic</a:t>
+            </a:r>
+            <a:r>
+              <a:rPr/>
+              <a:t> </a:t>
+            </a:r>
+            <a:r>
+              <a:rPr/>
+              <a:t>exercise</a:t>
+            </a:r>
+            <a:r>
+              <a:rPr/>
+              <a:t> </a:t>
+            </a:r>
+            <a:r>
+              <a:rPr/>
+              <a:t>-</a:t>
+            </a:r>
+            <a:r>
+              <a:rPr/>
+              <a:t> </a:t>
+            </a:r>
+            <a:r>
+              <a:rPr/>
+              <a:t>shape</a:t>
+            </a:r>
+          </a:p>
+        </p:txBody>
+      </p:sp>
+      <p:sp>
+        <p:nvSpPr>
+          <p:cNvPr id="3" name="Content Placeholder 2"/>
+          <p:cNvSpPr>
+            <a:spLocks noGrp="1"/>
+          </p:cNvSpPr>
+          <p:nvPr>
+            <p:ph idx="1"/>
+          </p:nvPr>
+        </p:nvSpPr>
+        <p:spPr/>
+        <p:txBody>
+          <a:bodyPr/>
+          <a:lstStyle/>
+          <a:p>
+            <a:pPr lvl="1"/>
+            <a:r>
+              <a:rPr/>
+              <a:t>Use the Saratoga housing data set.</a:t>
+            </a:r>
+          </a:p>
+          <a:p>
+            <a:pPr lvl="1"/>
+            <a:r>
+              <a:rPr/>
+              <a:t>Draw a plot of all of the data where the location is x=Age and y=Price and the symbol represents the number of bedrooms.</a:t>
             </a:r>
           </a:p>
         </p:txBody>
@@ -42805,6 +49345,1282 @@
 </p:sld>
 </file>
 
+<file path=ppt/slides/slide60.xml><?xml version="1.0" encoding="utf-8"?>
+<p:sld xmlns:a="http://schemas.openxmlformats.org/drawingml/2006/main" xmlns:r="http://schemas.openxmlformats.org/officeDocument/2006/relationships" xmlns:p="http://schemas.openxmlformats.org/presentationml/2006/main">
+  <p:cSld>
+    <p:spTree>
+      <p:nvGrpSpPr>
+        <p:cNvPr id="1" name=""/>
+        <p:cNvGrpSpPr/>
+        <p:nvPr/>
+      </p:nvGrpSpPr>
+      <p:grpSpPr>
+        <a:xfrm>
+          <a:off x="0" y="0"/>
+          <a:ext cx="0" cy="0"/>
+          <a:chOff x="0" y="0"/>
+          <a:chExt cx="0" cy="0"/>
+        </a:xfrm>
+      </p:grpSpPr>
+      <p:sp>
+        <p:nvSpPr>
+          <p:cNvPr id="2" name="Title 1"/>
+          <p:cNvSpPr>
+            <a:spLocks noGrp="1"/>
+          </p:cNvSpPr>
+          <p:nvPr>
+            <p:ph type="title"/>
+          </p:nvPr>
+        </p:nvSpPr>
+        <p:spPr/>
+        <p:txBody>
+          <a:bodyPr/>
+          <a:lstStyle/>
+          <a:p>
+            <a:pPr lvl="0" marL="0" indent="0">
+              <a:buNone/>
+            </a:pPr>
+            <a:r>
+              <a:rPr/>
+              <a:t>Basic</a:t>
+            </a:r>
+            <a:r>
+              <a:rPr/>
+              <a:t> </a:t>
+            </a:r>
+            <a:r>
+              <a:rPr/>
+              <a:t>exercise</a:t>
+            </a:r>
+            <a:r>
+              <a:rPr/>
+              <a:t> </a:t>
+            </a:r>
+            <a:r>
+              <a:rPr/>
+              <a:t>-</a:t>
+            </a:r>
+            <a:r>
+              <a:rPr/>
+              <a:t> </a:t>
+            </a:r>
+            <a:r>
+              <a:rPr/>
+              <a:t>shape</a:t>
+            </a:r>
+          </a:p>
+        </p:txBody>
+      </p:sp>
+      <p:sp>
+        <p:nvSpPr>
+          <p:cNvPr id="3" name="Content Placeholder 2"/>
+          <p:cNvSpPr>
+            <a:spLocks noGrp="1"/>
+          </p:cNvSpPr>
+          <p:nvPr>
+            <p:ph idx="1"/>
+          </p:nvPr>
+        </p:nvSpPr>
+        <p:spPr/>
+        <p:txBody>
+          <a:bodyPr/>
+          <a:lstStyle/>
+          <a:p>
+            <a:pPr lvl="1"/>
+            <a:r>
+              <a:rPr/>
+              <a:t>Use the Saratoga housing data set.</a:t>
+            </a:r>
+          </a:p>
+          <a:p>
+            <a:pPr lvl="1"/>
+            <a:r>
+              <a:rPr/>
+              <a:t>Draw a plot of all of the data where the location is x=Age and y=Price and the symbol represents the number of bedrooms.</a:t>
+            </a:r>
+          </a:p>
+        </p:txBody>
+      </p:sp>
+    </p:spTree>
+  </p:cSld>
+</p:sld>
+</file>
+
+<file path=ppt/slides/slide61.xml><?xml version="1.0" encoding="utf-8"?>
+<p:sld xmlns:a="http://schemas.openxmlformats.org/drawingml/2006/main" xmlns:r="http://schemas.openxmlformats.org/officeDocument/2006/relationships" xmlns:p="http://schemas.openxmlformats.org/presentationml/2006/main">
+  <p:cSld>
+    <p:spTree>
+      <p:nvGrpSpPr>
+        <p:cNvPr id="1" name=""/>
+        <p:cNvGrpSpPr/>
+        <p:nvPr/>
+      </p:nvGrpSpPr>
+      <p:grpSpPr>
+        <a:xfrm>
+          <a:off x="0" y="0"/>
+          <a:ext cx="0" cy="0"/>
+          <a:chOff x="0" y="0"/>
+          <a:chExt cx="0" cy="0"/>
+        </a:xfrm>
+      </p:grpSpPr>
+      <p:sp>
+        <p:nvSpPr>
+          <p:cNvPr id="2" name="Title 1"/>
+          <p:cNvSpPr>
+            <a:spLocks noGrp="1"/>
+          </p:cNvSpPr>
+          <p:nvPr>
+            <p:ph type="title"/>
+          </p:nvPr>
+        </p:nvSpPr>
+        <p:spPr/>
+        <p:txBody>
+          <a:bodyPr/>
+          <a:lstStyle/>
+          <a:p>
+            <a:pPr lvl="0" marL="0" indent="0">
+              <a:buNone/>
+            </a:pPr>
+            <a:r>
+              <a:rPr/>
+              <a:t>Here’s</a:t>
+            </a:r>
+            <a:r>
+              <a:rPr/>
+              <a:t> </a:t>
+            </a:r>
+            <a:r>
+              <a:rPr/>
+              <a:t>the</a:t>
+            </a:r>
+            <a:r>
+              <a:rPr/>
+              <a:t> </a:t>
+            </a:r>
+            <a:r>
+              <a:rPr/>
+              <a:t>Python</a:t>
+            </a:r>
+            <a:r>
+              <a:rPr/>
+              <a:t> </a:t>
+            </a:r>
+            <a:r>
+              <a:rPr/>
+              <a:t>code.</a:t>
+            </a:r>
+          </a:p>
+        </p:txBody>
+      </p:sp>
+      <p:sp>
+        <p:nvSpPr>
+          <p:cNvPr id="3" name="Content Placeholder 2"/>
+          <p:cNvSpPr>
+            <a:spLocks noGrp="1"/>
+          </p:cNvSpPr>
+          <p:nvPr>
+            <p:ph idx="1"/>
+          </p:nvPr>
+        </p:nvSpPr>
+        <p:spPr/>
+        <p:txBody>
+          <a:bodyPr/>
+          <a:lstStyle/>
+          <a:p>
+            <a:pPr lvl="0" marL="1270000" indent="0">
+              <a:buNone/>
+            </a:pPr>
+            <a:r>
+              <a:rPr sz="1800">
+                <a:latin typeface="Courier"/>
+              </a:rPr>
+              <a:t>ch5 = alt.Chart(df).mark_point().encode(
+      x='Age',y='Price', shape='Bedrooms:N')</a:t>
+            </a:r>
+          </a:p>
+        </p:txBody>
+      </p:sp>
+    </p:spTree>
+  </p:cSld>
+</p:sld>
+</file>
+
+<file path=ppt/slides/slide62.xml><?xml version="1.0" encoding="utf-8"?>
+<p:sld xmlns:a="http://schemas.openxmlformats.org/drawingml/2006/main" xmlns:r="http://schemas.openxmlformats.org/officeDocument/2006/relationships" xmlns:p="http://schemas.openxmlformats.org/presentationml/2006/main">
+  <p:cSld>
+    <p:spTree>
+      <p:nvGrpSpPr>
+        <p:cNvPr id="1" name=""/>
+        <p:cNvGrpSpPr/>
+        <p:nvPr/>
+      </p:nvGrpSpPr>
+      <p:grpSpPr>
+        <a:xfrm>
+          <a:off x="0" y="0"/>
+          <a:ext cx="0" cy="0"/>
+          <a:chOff x="0" y="0"/>
+          <a:chExt cx="0" cy="0"/>
+        </a:xfrm>
+      </p:grpSpPr>
+      <p:sp>
+        <p:nvSpPr>
+          <p:cNvPr id="2" name="Title 1"/>
+          <p:cNvSpPr>
+            <a:spLocks noGrp="1"/>
+          </p:cNvSpPr>
+          <p:nvPr>
+            <p:ph type="title"/>
+          </p:nvPr>
+        </p:nvSpPr>
+        <p:spPr/>
+        <p:txBody>
+          <a:bodyPr/>
+          <a:lstStyle/>
+          <a:p>
+            <a:pPr lvl="0" marL="0" indent="0">
+              <a:buNone/>
+            </a:pPr>
+            <a:r>
+              <a:rPr/>
+              <a:t>Here’s</a:t>
+            </a:r>
+            <a:r>
+              <a:rPr/>
+              <a:t> </a:t>
+            </a:r>
+            <a:r>
+              <a:rPr/>
+              <a:t>the</a:t>
+            </a:r>
+            <a:r>
+              <a:rPr/>
+              <a:t> </a:t>
+            </a:r>
+            <a:r>
+              <a:rPr/>
+              <a:t>results</a:t>
+            </a:r>
+            <a:r>
+              <a:rPr/>
+              <a:t> </a:t>
+            </a:r>
+            <a:r>
+              <a:rPr/>
+              <a:t>in</a:t>
+            </a:r>
+            <a:r>
+              <a:rPr/>
+              <a:t> </a:t>
+            </a:r>
+            <a:r>
+              <a:rPr/>
+              <a:t>Python.</a:t>
+            </a:r>
+          </a:p>
+        </p:txBody>
+      </p:sp>
+      <p:pic>
+        <p:nvPicPr>
+          <p:cNvPr descr="../images/python/altair-basic-exercise-shape.png" id="0" name="Picture 1"/>
+          <p:cNvPicPr>
+            <a:picLocks noGrp="1" noChangeAspect="1"/>
+          </p:cNvPicPr>
+          <p:nvPr/>
+        </p:nvPicPr>
+        <p:blipFill>
+          <a:blip r:embed="rId2"/>
+          <a:stretch>
+            <a:fillRect/>
+          </a:stretch>
+        </p:blipFill>
+        <p:spPr bwMode="auto">
+          <a:xfrm>
+            <a:off x="2006600" y="1600200"/>
+            <a:ext cx="5143500" cy="4013200"/>
+          </a:xfrm>
+          <a:prstGeom prst="rect">
+            <a:avLst/>
+          </a:prstGeom>
+          <a:noFill/>
+          <a:ln w="9525">
+            <a:noFill/>
+            <a:headEnd/>
+            <a:tailEnd/>
+          </a:ln>
+        </p:spPr>
+      </p:pic>
+      <p:sp>
+        <p:nvSpPr>
+          <p:cNvPr id="1" name="TextBox 3"/>
+          <p:cNvSpPr txBox="1"/>
+          <p:nvPr/>
+        </p:nvSpPr>
+        <p:spPr>
+          <a:xfrm>
+            <a:off x="457200" y="5613400"/>
+            <a:ext cx="8229600" cy="508000"/>
+          </a:xfrm>
+          <a:prstGeom prst="rect">
+            <a:avLst/>
+          </a:prstGeom>
+          <a:noFill/>
+        </p:spPr>
+        <p:txBody>
+          <a:bodyPr/>
+          <a:lstStyle/>
+          <a:p>
+            <a:pPr lvl="0" marL="0" indent="0" algn="ctr">
+              <a:buNone/>
+            </a:pPr>
+            <a:r>
+              <a:rPr/>
+              <a:t>Python</a:t>
+            </a:r>
+            <a:r>
+              <a:rPr/>
+              <a:t> </a:t>
+            </a:r>
+            <a:r>
+              <a:rPr/>
+              <a:t>scatterplot</a:t>
+            </a:r>
+            <a:r>
+              <a:rPr/>
+              <a:t> </a:t>
+            </a:r>
+            <a:r>
+              <a:rPr/>
+              <a:t>mapping</a:t>
+            </a:r>
+            <a:r>
+              <a:rPr/>
+              <a:t> </a:t>
+            </a:r>
+            <a:r>
+              <a:rPr/>
+              <a:t>bedrooms</a:t>
+            </a:r>
+            <a:r>
+              <a:rPr/>
+              <a:t> </a:t>
+            </a:r>
+            <a:r>
+              <a:rPr/>
+              <a:t>to</a:t>
+            </a:r>
+            <a:r>
+              <a:rPr/>
+              <a:t> </a:t>
+            </a:r>
+            <a:r>
+              <a:rPr/>
+              <a:t>shape</a:t>
+            </a:r>
+          </a:p>
+        </p:txBody>
+      </p:sp>
+    </p:spTree>
+  </p:cSld>
+</p:sld>
+</file>
+
+<file path=ppt/slides/slide63.xml><?xml version="1.0" encoding="utf-8"?>
+<p:sld xmlns:a="http://schemas.openxmlformats.org/drawingml/2006/main" xmlns:r="http://schemas.openxmlformats.org/officeDocument/2006/relationships" xmlns:p="http://schemas.openxmlformats.org/presentationml/2006/main">
+  <p:cSld>
+    <p:spTree>
+      <p:nvGrpSpPr>
+        <p:cNvPr id="1" name=""/>
+        <p:cNvGrpSpPr/>
+        <p:nvPr/>
+      </p:nvGrpSpPr>
+      <p:grpSpPr>
+        <a:xfrm>
+          <a:off x="0" y="0"/>
+          <a:ext cx="0" cy="0"/>
+          <a:chOff x="0" y="0"/>
+          <a:chExt cx="0" cy="0"/>
+        </a:xfrm>
+      </p:grpSpPr>
+      <p:sp>
+        <p:nvSpPr>
+          <p:cNvPr id="3" name="Content Placeholder 2"/>
+          <p:cNvSpPr>
+            <a:spLocks noGrp="1"/>
+          </p:cNvSpPr>
+          <p:nvPr>
+            <p:ph idx="1"/>
+          </p:nvPr>
+        </p:nvSpPr>
+        <p:spPr/>
+        <p:txBody>
+          <a:bodyPr/>
+          <a:lstStyle/>
+          <a:p>
+            <a:pPr lvl="0" marL="0" indent="0">
+              <a:buNone/>
+            </a:pPr>
+            <a:r>
+              <a:rPr/>
+              <a:t>Here’s the R code.</a:t>
+            </a:r>
+          </a:p>
+          <a:p>
+            <a:pPr lvl="0" marL="1270000" indent="0">
+              <a:buNone/>
+            </a:pPr>
+            <a:r>
+              <a:rPr sz="1800">
+                <a:latin typeface="Courier"/>
+              </a:rPr>
+              <a:t>ggplot(saratoga_houses, aes(x=Age, y=Price)) + 
+  geom_point(aes(shape=factor(Bedrooms)))</a:t>
+            </a:r>
+          </a:p>
+        </p:txBody>
+      </p:sp>
+    </p:spTree>
+  </p:cSld>
+</p:sld>
+</file>
+
+<file path=ppt/slides/slide64.xml><?xml version="1.0" encoding="utf-8"?>
+<p:sld xmlns:a="http://schemas.openxmlformats.org/drawingml/2006/main" xmlns:r="http://schemas.openxmlformats.org/officeDocument/2006/relationships" xmlns:p="http://schemas.openxmlformats.org/presentationml/2006/main">
+  <p:cSld>
+    <p:spTree>
+      <p:nvGrpSpPr>
+        <p:cNvPr id="1" name=""/>
+        <p:cNvGrpSpPr/>
+        <p:nvPr/>
+      </p:nvGrpSpPr>
+      <p:grpSpPr>
+        <a:xfrm>
+          <a:off x="0" y="0"/>
+          <a:ext cx="0" cy="0"/>
+          <a:chOff x="0" y="0"/>
+          <a:chExt cx="0" cy="0"/>
+        </a:xfrm>
+      </p:grpSpPr>
+      <p:sp>
+        <p:nvSpPr>
+          <p:cNvPr id="2" name="Title 1"/>
+          <p:cNvSpPr>
+            <a:spLocks noGrp="1"/>
+          </p:cNvSpPr>
+          <p:nvPr>
+            <p:ph type="title"/>
+          </p:nvPr>
+        </p:nvSpPr>
+        <p:spPr/>
+        <p:txBody>
+          <a:bodyPr/>
+          <a:lstStyle/>
+          <a:p>
+            <a:pPr lvl="0" marL="0" indent="0">
+              <a:buNone/>
+            </a:pPr>
+            <a:r>
+              <a:rPr/>
+              <a:t>Here’s</a:t>
+            </a:r>
+            <a:r>
+              <a:rPr/>
+              <a:t> </a:t>
+            </a:r>
+            <a:r>
+              <a:rPr/>
+              <a:t>the</a:t>
+            </a:r>
+            <a:r>
+              <a:rPr/>
+              <a:t> </a:t>
+            </a:r>
+            <a:r>
+              <a:rPr/>
+              <a:t>results</a:t>
+            </a:r>
+            <a:r>
+              <a:rPr/>
+              <a:t> </a:t>
+            </a:r>
+            <a:r>
+              <a:rPr/>
+              <a:t>in</a:t>
+            </a:r>
+            <a:r>
+              <a:rPr/>
+              <a:t> </a:t>
+            </a:r>
+            <a:r>
+              <a:rPr/>
+              <a:t>R</a:t>
+            </a:r>
+          </a:p>
+        </p:txBody>
+      </p:sp>
+      <p:pic>
+        <p:nvPicPr>
+          <p:cNvPr descr="../images/r/shape-bedrooms.png" id="0" name="Picture 1"/>
+          <p:cNvPicPr>
+            <a:picLocks noGrp="1" noChangeAspect="1"/>
+          </p:cNvPicPr>
+          <p:nvPr/>
+        </p:nvPicPr>
+        <p:blipFill>
+          <a:blip r:embed="rId3"/>
+          <a:stretch>
+            <a:fillRect/>
+          </a:stretch>
+        </p:blipFill>
+        <p:spPr bwMode="auto">
+          <a:xfrm>
+            <a:off x="2565400" y="1600200"/>
+            <a:ext cx="4013200" cy="4013200"/>
+          </a:xfrm>
+          <a:prstGeom prst="rect">
+            <a:avLst/>
+          </a:prstGeom>
+          <a:noFill/>
+          <a:ln w="9525">
+            <a:noFill/>
+            <a:headEnd/>
+            <a:tailEnd/>
+          </a:ln>
+        </p:spPr>
+      </p:pic>
+      <p:sp>
+        <p:nvSpPr>
+          <p:cNvPr id="1" name="TextBox 3"/>
+          <p:cNvSpPr txBox="1"/>
+          <p:nvPr/>
+        </p:nvSpPr>
+        <p:spPr>
+          <a:xfrm>
+            <a:off x="457200" y="5613400"/>
+            <a:ext cx="8229600" cy="508000"/>
+          </a:xfrm>
+          <a:prstGeom prst="rect">
+            <a:avLst/>
+          </a:prstGeom>
+          <a:noFill/>
+        </p:spPr>
+        <p:txBody>
+          <a:bodyPr/>
+          <a:lstStyle/>
+          <a:p>
+            <a:pPr lvl="0" marL="0" indent="0" algn="ctr">
+              <a:buNone/>
+            </a:pPr>
+            <a:r>
+              <a:rPr/>
+              <a:t>R</a:t>
+            </a:r>
+            <a:r>
+              <a:rPr/>
+              <a:t> </a:t>
+            </a:r>
+            <a:r>
+              <a:rPr/>
+              <a:t>scatterplot</a:t>
+            </a:r>
+            <a:r>
+              <a:rPr/>
+              <a:t> </a:t>
+            </a:r>
+            <a:r>
+              <a:rPr/>
+              <a:t>mapping</a:t>
+            </a:r>
+            <a:r>
+              <a:rPr/>
+              <a:t> </a:t>
+            </a:r>
+            <a:r>
+              <a:rPr/>
+              <a:t>bedrooms</a:t>
+            </a:r>
+            <a:r>
+              <a:rPr/>
+              <a:t> </a:t>
+            </a:r>
+            <a:r>
+              <a:rPr/>
+              <a:t>to</a:t>
+            </a:r>
+            <a:r>
+              <a:rPr/>
+              <a:t> </a:t>
+            </a:r>
+            <a:r>
+              <a:rPr/>
+              <a:t>shape</a:t>
+            </a:r>
+          </a:p>
+        </p:txBody>
+      </p:sp>
+    </p:spTree>
+  </p:cSld>
+</p:sld>
+</file>
+
+<file path=ppt/slides/slide65.xml><?xml version="1.0" encoding="utf-8"?>
+<p:sld xmlns:a="http://schemas.openxmlformats.org/drawingml/2006/main" xmlns:r="http://schemas.openxmlformats.org/officeDocument/2006/relationships" xmlns:p="http://schemas.openxmlformats.org/presentationml/2006/main">
+  <p:cSld>
+    <p:spTree>
+      <p:nvGrpSpPr>
+        <p:cNvPr id="1" name=""/>
+        <p:cNvGrpSpPr/>
+        <p:nvPr/>
+      </p:nvGrpSpPr>
+      <p:grpSpPr>
+        <a:xfrm>
+          <a:off x="0" y="0"/>
+          <a:ext cx="0" cy="0"/>
+          <a:chOff x="0" y="0"/>
+          <a:chExt cx="0" cy="0"/>
+        </a:xfrm>
+      </p:grpSpPr>
+      <p:sp>
+        <p:nvSpPr>
+          <p:cNvPr id="2" name="Title 1"/>
+          <p:cNvSpPr>
+            <a:spLocks noGrp="1"/>
+          </p:cNvSpPr>
+          <p:nvPr>
+            <p:ph type="title"/>
+          </p:nvPr>
+        </p:nvSpPr>
+        <p:spPr/>
+        <p:txBody>
+          <a:bodyPr/>
+          <a:lstStyle/>
+          <a:p>
+            <a:pPr lvl="0" marL="0" indent="0">
+              <a:buNone/>
+            </a:pPr>
+            <a:r>
+              <a:rPr/>
+              <a:t>Here</a:t>
+            </a:r>
+            <a:r>
+              <a:rPr/>
+              <a:t> </a:t>
+            </a:r>
+            <a:r>
+              <a:rPr/>
+              <a:t>’s</a:t>
+            </a:r>
+            <a:r>
+              <a:rPr/>
+              <a:t> </a:t>
+            </a:r>
+            <a:r>
+              <a:rPr/>
+              <a:t>the</a:t>
+            </a:r>
+            <a:r>
+              <a:rPr/>
+              <a:t> </a:t>
+            </a:r>
+            <a:r>
+              <a:rPr/>
+              <a:t>result</a:t>
+            </a:r>
+            <a:r>
+              <a:rPr/>
+              <a:t> </a:t>
+            </a:r>
+            <a:r>
+              <a:rPr/>
+              <a:t>in</a:t>
+            </a:r>
+            <a:r>
+              <a:rPr/>
+              <a:t> </a:t>
+            </a:r>
+            <a:r>
+              <a:rPr/>
+              <a:t>Tableau.</a:t>
+            </a:r>
+          </a:p>
+        </p:txBody>
+      </p:sp>
+      <p:pic>
+        <p:nvPicPr>
+          <p:cNvPr descr="../images/tableau/shape-bedrooms.png" id="0" name="Picture 1"/>
+          <p:cNvPicPr>
+            <a:picLocks noGrp="1" noChangeAspect="1"/>
+          </p:cNvPicPr>
+          <p:nvPr/>
+        </p:nvPicPr>
+        <p:blipFill>
+          <a:blip r:embed="rId3"/>
+          <a:stretch>
+            <a:fillRect/>
+          </a:stretch>
+        </p:blipFill>
+        <p:spPr bwMode="auto">
+          <a:xfrm>
+            <a:off x="558800" y="1600200"/>
+            <a:ext cx="8026400" cy="4013200"/>
+          </a:xfrm>
+          <a:prstGeom prst="rect">
+            <a:avLst/>
+          </a:prstGeom>
+          <a:noFill/>
+          <a:ln w="9525">
+            <a:noFill/>
+            <a:headEnd/>
+            <a:tailEnd/>
+          </a:ln>
+        </p:spPr>
+      </p:pic>
+      <p:sp>
+        <p:nvSpPr>
+          <p:cNvPr id="1" name="TextBox 3"/>
+          <p:cNvSpPr txBox="1"/>
+          <p:nvPr/>
+        </p:nvSpPr>
+        <p:spPr>
+          <a:xfrm>
+            <a:off x="457200" y="5613400"/>
+            <a:ext cx="8229600" cy="508000"/>
+          </a:xfrm>
+          <a:prstGeom prst="rect">
+            <a:avLst/>
+          </a:prstGeom>
+          <a:noFill/>
+        </p:spPr>
+        <p:txBody>
+          <a:bodyPr/>
+          <a:lstStyle/>
+          <a:p>
+            <a:pPr lvl="0" marL="0" indent="0" algn="ctr">
+              <a:buNone/>
+            </a:pPr>
+            <a:r>
+              <a:rPr/>
+              <a:t>Tableau</a:t>
+            </a:r>
+            <a:r>
+              <a:rPr/>
+              <a:t> </a:t>
+            </a:r>
+            <a:r>
+              <a:rPr/>
+              <a:t>scatterplot</a:t>
+            </a:r>
+            <a:r>
+              <a:rPr/>
+              <a:t> </a:t>
+            </a:r>
+            <a:r>
+              <a:rPr/>
+              <a:t>using</a:t>
+            </a:r>
+            <a:r>
+              <a:rPr/>
+              <a:t> </a:t>
+            </a:r>
+            <a:r>
+              <a:rPr/>
+              <a:t>shapes</a:t>
+            </a:r>
+            <a:r>
+              <a:rPr/>
+              <a:t> </a:t>
+            </a:r>
+            <a:r>
+              <a:rPr/>
+              <a:t>to</a:t>
+            </a:r>
+            <a:r>
+              <a:rPr/>
+              <a:t> </a:t>
+            </a:r>
+            <a:r>
+              <a:rPr/>
+              <a:t>represent</a:t>
+            </a:r>
+            <a:r>
+              <a:rPr/>
+              <a:t> </a:t>
+            </a:r>
+            <a:r>
+              <a:rPr/>
+              <a:t>Bedrooms</a:t>
+            </a:r>
+          </a:p>
+        </p:txBody>
+      </p:sp>
+    </p:spTree>
+  </p:cSld>
+</p:sld>
+</file>
+
+<file path=ppt/slides/slide66.xml><?xml version="1.0" encoding="utf-8"?>
+<p:sld xmlns:a="http://schemas.openxmlformats.org/drawingml/2006/main" xmlns:r="http://schemas.openxmlformats.org/officeDocument/2006/relationships" xmlns:p="http://schemas.openxmlformats.org/presentationml/2006/main">
+  <p:cSld>
+    <p:spTree>
+      <p:nvGrpSpPr>
+        <p:cNvPr id="1" name=""/>
+        <p:cNvGrpSpPr/>
+        <p:nvPr/>
+      </p:nvGrpSpPr>
+      <p:grpSpPr>
+        <a:xfrm>
+          <a:off x="0" y="0"/>
+          <a:ext cx="0" cy="0"/>
+          <a:chOff x="0" y="0"/>
+          <a:chExt cx="0" cy="0"/>
+        </a:xfrm>
+      </p:grpSpPr>
+      <p:sp>
+        <p:nvSpPr>
+          <p:cNvPr id="2" name="Title 1"/>
+          <p:cNvSpPr>
+            <a:spLocks noGrp="1"/>
+          </p:cNvSpPr>
+          <p:nvPr>
+            <p:ph type="title"/>
+          </p:nvPr>
+        </p:nvSpPr>
+        <p:spPr/>
+        <p:txBody>
+          <a:bodyPr/>
+          <a:lstStyle/>
+          <a:p>
+            <a:pPr lvl="0" marL="0" indent="0">
+              <a:buNone/>
+            </a:pPr>
+            <a:r>
+              <a:rPr/>
+              <a:t>Aesthetics</a:t>
+            </a:r>
+            <a:r>
+              <a:rPr/>
+              <a:t> </a:t>
+            </a:r>
+            <a:r>
+              <a:rPr/>
+              <a:t>for</a:t>
+            </a:r>
+            <a:r>
+              <a:rPr/>
+              <a:t> </a:t>
+            </a:r>
+            <a:r>
+              <a:rPr/>
+              <a:t>points</a:t>
+            </a:r>
+            <a:r>
+              <a:rPr/>
+              <a:t> </a:t>
+            </a:r>
+            <a:r>
+              <a:rPr/>
+              <a:t>-</a:t>
+            </a:r>
+            <a:r>
+              <a:rPr/>
+              <a:t> </a:t>
+            </a:r>
+            <a:r>
+              <a:rPr/>
+              <a:t>size</a:t>
+            </a:r>
+          </a:p>
+        </p:txBody>
+      </p:sp>
+      <p:pic>
+        <p:nvPicPr>
+          <p:cNvPr descr="../images/r/point-aesthetics-size.png" id="0" name="Picture 1"/>
+          <p:cNvPicPr>
+            <a:picLocks noGrp="1" noChangeAspect="1"/>
+          </p:cNvPicPr>
+          <p:nvPr/>
+        </p:nvPicPr>
+        <p:blipFill>
+          <a:blip r:embed="rId3"/>
+          <a:stretch>
+            <a:fillRect/>
+          </a:stretch>
+        </p:blipFill>
+        <p:spPr bwMode="auto">
+          <a:xfrm>
+            <a:off x="2565400" y="1600200"/>
+            <a:ext cx="4013200" cy="4013200"/>
+          </a:xfrm>
+          <a:prstGeom prst="rect">
+            <a:avLst/>
+          </a:prstGeom>
+          <a:noFill/>
+          <a:ln w="9525">
+            <a:noFill/>
+            <a:headEnd/>
+            <a:tailEnd/>
+          </a:ln>
+        </p:spPr>
+      </p:pic>
+      <p:sp>
+        <p:nvSpPr>
+          <p:cNvPr id="1" name="TextBox 3"/>
+          <p:cNvSpPr txBox="1"/>
+          <p:nvPr/>
+        </p:nvSpPr>
+        <p:spPr>
+          <a:xfrm>
+            <a:off x="457200" y="5613400"/>
+            <a:ext cx="8229600" cy="508000"/>
+          </a:xfrm>
+          <a:prstGeom prst="rect">
+            <a:avLst/>
+          </a:prstGeom>
+          <a:noFill/>
+        </p:spPr>
+        <p:txBody>
+          <a:bodyPr/>
+          <a:lstStyle/>
+          <a:p>
+            <a:pPr lvl="0" marL="0" indent="0" algn="ctr">
+              <a:buNone/>
+            </a:pPr>
+            <a:r>
+              <a:rPr/>
+              <a:t>Illustration</a:t>
+            </a:r>
+            <a:r>
+              <a:rPr/>
+              <a:t> </a:t>
+            </a:r>
+            <a:r>
+              <a:rPr/>
+              <a:t>of</a:t>
+            </a:r>
+            <a:r>
+              <a:rPr/>
+              <a:t> </a:t>
+            </a:r>
+            <a:r>
+              <a:rPr/>
+              <a:t>size</a:t>
+            </a:r>
+            <a:r>
+              <a:rPr/>
+              <a:t> </a:t>
+            </a:r>
+            <a:r>
+              <a:rPr/>
+              <a:t>aesthetics</a:t>
+            </a:r>
+          </a:p>
+        </p:txBody>
+      </p:sp>
+    </p:spTree>
+  </p:cSld>
+</p:sld>
+</file>
+
+<file path=ppt/slides/slide67.xml><?xml version="1.0" encoding="utf-8"?>
+<p:sld xmlns:a="http://schemas.openxmlformats.org/drawingml/2006/main" xmlns:r="http://schemas.openxmlformats.org/officeDocument/2006/relationships" xmlns:p="http://schemas.openxmlformats.org/presentationml/2006/main">
+  <p:cSld>
+    <p:spTree>
+      <p:nvGrpSpPr>
+        <p:cNvPr id="1" name=""/>
+        <p:cNvGrpSpPr/>
+        <p:nvPr/>
+      </p:nvGrpSpPr>
+      <p:grpSpPr>
+        <a:xfrm>
+          <a:off x="0" y="0"/>
+          <a:ext cx="0" cy="0"/>
+          <a:chOff x="0" y="0"/>
+          <a:chExt cx="0" cy="0"/>
+        </a:xfrm>
+      </p:grpSpPr>
+      <p:sp>
+        <p:nvSpPr>
+          <p:cNvPr id="2" name="Title 1"/>
+          <p:cNvSpPr>
+            <a:spLocks noGrp="1"/>
+          </p:cNvSpPr>
+          <p:nvPr>
+            <p:ph type="title"/>
+          </p:nvPr>
+        </p:nvSpPr>
+        <p:spPr/>
+        <p:txBody>
+          <a:bodyPr/>
+          <a:lstStyle/>
+          <a:p>
+            <a:pPr lvl="0" marL="0" indent="0">
+              <a:buNone/>
+            </a:pPr>
+            <a:r>
+              <a:rPr/>
+              <a:t>Basic</a:t>
+            </a:r>
+            <a:r>
+              <a:rPr/>
+              <a:t> </a:t>
+            </a:r>
+            <a:r>
+              <a:rPr/>
+              <a:t>exercise</a:t>
+            </a:r>
+            <a:r>
+              <a:rPr/>
+              <a:t> </a:t>
+            </a:r>
+            <a:r>
+              <a:rPr/>
+              <a:t>-</a:t>
+            </a:r>
+            <a:r>
+              <a:rPr/>
+              <a:t> </a:t>
+            </a:r>
+            <a:r>
+              <a:rPr/>
+              <a:t>size</a:t>
+            </a:r>
+          </a:p>
+        </p:txBody>
+      </p:sp>
+      <p:sp>
+        <p:nvSpPr>
+          <p:cNvPr id="3" name="Content Placeholder 2"/>
+          <p:cNvSpPr>
+            <a:spLocks noGrp="1"/>
+          </p:cNvSpPr>
+          <p:nvPr>
+            <p:ph idx="1"/>
+          </p:nvPr>
+        </p:nvSpPr>
+        <p:spPr/>
+        <p:txBody>
+          <a:bodyPr/>
+          <a:lstStyle/>
+          <a:p>
+            <a:pPr lvl="1"/>
+            <a:r>
+              <a:rPr/>
+              <a:t>Use the Saratoga housing data set.</a:t>
+            </a:r>
+          </a:p>
+          <a:p>
+            <a:pPr lvl="1"/>
+            <a:r>
+              <a:rPr/>
+              <a:t>Draw a plot where the location is x=Age and y=Price and the size represents the living area.</a:t>
+            </a:r>
+          </a:p>
+        </p:txBody>
+      </p:sp>
+    </p:spTree>
+  </p:cSld>
+</p:sld>
+</file>
+
+<file path=ppt/slides/slide68.xml><?xml version="1.0" encoding="utf-8"?>
+<p:sld xmlns:a="http://schemas.openxmlformats.org/drawingml/2006/main" xmlns:r="http://schemas.openxmlformats.org/officeDocument/2006/relationships" xmlns:p="http://schemas.openxmlformats.org/presentationml/2006/main">
+  <p:cSld>
+    <p:spTree>
+      <p:nvGrpSpPr>
+        <p:cNvPr id="1" name=""/>
+        <p:cNvGrpSpPr/>
+        <p:nvPr/>
+      </p:nvGrpSpPr>
+      <p:grpSpPr>
+        <a:xfrm>
+          <a:off x="0" y="0"/>
+          <a:ext cx="0" cy="0"/>
+          <a:chOff x="0" y="0"/>
+          <a:chExt cx="0" cy="0"/>
+        </a:xfrm>
+      </p:grpSpPr>
+      <p:sp>
+        <p:nvSpPr>
+          <p:cNvPr id="2" name="Title 1"/>
+          <p:cNvSpPr>
+            <a:spLocks noGrp="1"/>
+          </p:cNvSpPr>
+          <p:nvPr>
+            <p:ph type="title"/>
+          </p:nvPr>
+        </p:nvSpPr>
+        <p:spPr/>
+        <p:txBody>
+          <a:bodyPr/>
+          <a:lstStyle/>
+          <a:p>
+            <a:pPr lvl="0" marL="0" indent="0">
+              <a:buNone/>
+            </a:pPr>
+            <a:r>
+              <a:rPr/>
+              <a:t>Basic</a:t>
+            </a:r>
+            <a:r>
+              <a:rPr/>
+              <a:t> </a:t>
+            </a:r>
+            <a:r>
+              <a:rPr/>
+              <a:t>exercise</a:t>
+            </a:r>
+            <a:r>
+              <a:rPr/>
+              <a:t> </a:t>
+            </a:r>
+            <a:r>
+              <a:rPr/>
+              <a:t>-</a:t>
+            </a:r>
+            <a:r>
+              <a:rPr/>
+              <a:t> </a:t>
+            </a:r>
+            <a:r>
+              <a:rPr/>
+              <a:t>size</a:t>
+            </a:r>
+          </a:p>
+        </p:txBody>
+      </p:sp>
+      <p:sp>
+        <p:nvSpPr>
+          <p:cNvPr id="3" name="Content Placeholder 2"/>
+          <p:cNvSpPr>
+            <a:spLocks noGrp="1"/>
+          </p:cNvSpPr>
+          <p:nvPr>
+            <p:ph idx="1"/>
+          </p:nvPr>
+        </p:nvSpPr>
+        <p:spPr/>
+        <p:txBody>
+          <a:bodyPr/>
+          <a:lstStyle/>
+          <a:p>
+            <a:pPr lvl="1"/>
+            <a:r>
+              <a:rPr/>
+              <a:t>Use the Saratoga housing data set.</a:t>
+            </a:r>
+          </a:p>
+          <a:p>
+            <a:pPr lvl="1"/>
+            <a:r>
+              <a:rPr/>
+              <a:t>Draw a plot where the location is x=Age and y=Price and the size represents the living area.</a:t>
+            </a:r>
+          </a:p>
+        </p:txBody>
+      </p:sp>
+    </p:spTree>
+  </p:cSld>
+</p:sld>
+</file>
+
+<file path=ppt/slides/slide69.xml><?xml version="1.0" encoding="utf-8"?>
+<p:sld xmlns:a="http://schemas.openxmlformats.org/drawingml/2006/main" xmlns:r="http://schemas.openxmlformats.org/officeDocument/2006/relationships" xmlns:p="http://schemas.openxmlformats.org/presentationml/2006/main">
+  <p:cSld>
+    <p:spTree>
+      <p:nvGrpSpPr>
+        <p:cNvPr id="1" name=""/>
+        <p:cNvGrpSpPr/>
+        <p:nvPr/>
+      </p:nvGrpSpPr>
+      <p:grpSpPr>
+        <a:xfrm>
+          <a:off x="0" y="0"/>
+          <a:ext cx="0" cy="0"/>
+          <a:chOff x="0" y="0"/>
+          <a:chExt cx="0" cy="0"/>
+        </a:xfrm>
+      </p:grpSpPr>
+      <p:sp>
+        <p:nvSpPr>
+          <p:cNvPr id="2" name="Title 1"/>
+          <p:cNvSpPr>
+            <a:spLocks noGrp="1"/>
+          </p:cNvSpPr>
+          <p:nvPr>
+            <p:ph type="title"/>
+          </p:nvPr>
+        </p:nvSpPr>
+        <p:spPr/>
+        <p:txBody>
+          <a:bodyPr/>
+          <a:lstStyle/>
+          <a:p>
+            <a:pPr lvl="0" marL="0" indent="0">
+              <a:buNone/>
+            </a:pPr>
+            <a:r>
+              <a:rPr/>
+              <a:t>Here’s</a:t>
+            </a:r>
+            <a:r>
+              <a:rPr/>
+              <a:t> </a:t>
+            </a:r>
+            <a:r>
+              <a:rPr/>
+              <a:t>the</a:t>
+            </a:r>
+            <a:r>
+              <a:rPr/>
+              <a:t> </a:t>
+            </a:r>
+            <a:r>
+              <a:rPr/>
+              <a:t>Python</a:t>
+            </a:r>
+            <a:r>
+              <a:rPr/>
+              <a:t> </a:t>
+            </a:r>
+            <a:r>
+              <a:rPr/>
+              <a:t>code.</a:t>
+            </a:r>
+          </a:p>
+        </p:txBody>
+      </p:sp>
+      <p:sp>
+        <p:nvSpPr>
+          <p:cNvPr id="3" name="Content Placeholder 2"/>
+          <p:cNvSpPr>
+            <a:spLocks noGrp="1"/>
+          </p:cNvSpPr>
+          <p:nvPr>
+            <p:ph idx="1"/>
+          </p:nvPr>
+        </p:nvSpPr>
+        <p:spPr/>
+        <p:txBody>
+          <a:bodyPr/>
+          <a:lstStyle/>
+          <a:p>
+            <a:pPr lvl="0" marL="1270000" indent="0">
+              <a:buNone/>
+            </a:pPr>
+            <a:r>
+              <a:rPr sz="1800">
+                <a:latin typeface="Courier"/>
+              </a:rPr>
+              <a:t>ch6 = alt.Chart(df).mark_point().encode(
+      x='Age',y='Price', size='Size')</a:t>
+            </a:r>
+          </a:p>
+        </p:txBody>
+      </p:sp>
+    </p:spTree>
+  </p:cSld>
+</p:sld>
+</file>
+
 <file path=ppt/slides/slide7.xml><?xml version="1.0" encoding="utf-8"?>
 <p:sld xmlns:a="http://schemas.openxmlformats.org/drawingml/2006/main" xmlns:r="http://schemas.openxmlformats.org/officeDocument/2006/relationships" xmlns:p="http://schemas.openxmlformats.org/presentationml/2006/main">
   <p:cSld>
@@ -43036,6 +50852,1458 @@
 </p:sld>
 </file>
 
+<file path=ppt/slides/slide70.xml><?xml version="1.0" encoding="utf-8"?>
+<p:sld xmlns:a="http://schemas.openxmlformats.org/drawingml/2006/main" xmlns:r="http://schemas.openxmlformats.org/officeDocument/2006/relationships" xmlns:p="http://schemas.openxmlformats.org/presentationml/2006/main">
+  <p:cSld>
+    <p:spTree>
+      <p:nvGrpSpPr>
+        <p:cNvPr id="1" name=""/>
+        <p:cNvGrpSpPr/>
+        <p:nvPr/>
+      </p:nvGrpSpPr>
+      <p:grpSpPr>
+        <a:xfrm>
+          <a:off x="0" y="0"/>
+          <a:ext cx="0" cy="0"/>
+          <a:chOff x="0" y="0"/>
+          <a:chExt cx="0" cy="0"/>
+        </a:xfrm>
+      </p:grpSpPr>
+      <p:sp>
+        <p:nvSpPr>
+          <p:cNvPr id="2" name="Title 1"/>
+          <p:cNvSpPr>
+            <a:spLocks noGrp="1"/>
+          </p:cNvSpPr>
+          <p:nvPr>
+            <p:ph type="title"/>
+          </p:nvPr>
+        </p:nvSpPr>
+        <p:spPr/>
+        <p:txBody>
+          <a:bodyPr/>
+          <a:lstStyle/>
+          <a:p>
+            <a:pPr lvl="0" marL="0" indent="0">
+              <a:buNone/>
+            </a:pPr>
+            <a:r>
+              <a:rPr/>
+              <a:t>Here’s</a:t>
+            </a:r>
+            <a:r>
+              <a:rPr/>
+              <a:t> </a:t>
+            </a:r>
+            <a:r>
+              <a:rPr/>
+              <a:t>the</a:t>
+            </a:r>
+            <a:r>
+              <a:rPr/>
+              <a:t> </a:t>
+            </a:r>
+            <a:r>
+              <a:rPr/>
+              <a:t>result</a:t>
+            </a:r>
+            <a:r>
+              <a:rPr/>
+              <a:t> </a:t>
+            </a:r>
+            <a:r>
+              <a:rPr/>
+              <a:t>in</a:t>
+            </a:r>
+            <a:r>
+              <a:rPr/>
+              <a:t> </a:t>
+            </a:r>
+            <a:r>
+              <a:rPr/>
+              <a:t>Python.</a:t>
+            </a:r>
+          </a:p>
+        </p:txBody>
+      </p:sp>
+      <p:pic>
+        <p:nvPicPr>
+          <p:cNvPr descr="../images/python/altair-basic-exercise-size.png" id="0" name="Picture 1"/>
+          <p:cNvPicPr>
+            <a:picLocks noGrp="1" noChangeAspect="1"/>
+          </p:cNvPicPr>
+          <p:nvPr/>
+        </p:nvPicPr>
+        <p:blipFill>
+          <a:blip r:embed="rId2"/>
+          <a:stretch>
+            <a:fillRect/>
+          </a:stretch>
+        </p:blipFill>
+        <p:spPr bwMode="auto">
+          <a:xfrm>
+            <a:off x="2006600" y="1600200"/>
+            <a:ext cx="5143500" cy="4013200"/>
+          </a:xfrm>
+          <a:prstGeom prst="rect">
+            <a:avLst/>
+          </a:prstGeom>
+          <a:noFill/>
+          <a:ln w="9525">
+            <a:noFill/>
+            <a:headEnd/>
+            <a:tailEnd/>
+          </a:ln>
+        </p:spPr>
+      </p:pic>
+      <p:sp>
+        <p:nvSpPr>
+          <p:cNvPr id="1" name="TextBox 3"/>
+          <p:cNvSpPr txBox="1"/>
+          <p:nvPr/>
+        </p:nvSpPr>
+        <p:spPr>
+          <a:xfrm>
+            <a:off x="457200" y="5613400"/>
+            <a:ext cx="8229600" cy="508000"/>
+          </a:xfrm>
+          <a:prstGeom prst="rect">
+            <a:avLst/>
+          </a:prstGeom>
+          <a:noFill/>
+        </p:spPr>
+        <p:txBody>
+          <a:bodyPr/>
+          <a:lstStyle/>
+          <a:p>
+            <a:pPr lvl="0" marL="0" indent="0" algn="ctr">
+              <a:buNone/>
+            </a:pPr>
+            <a:r>
+              <a:rPr/>
+              <a:t>Python</a:t>
+            </a:r>
+            <a:r>
+              <a:rPr/>
+              <a:t> </a:t>
+            </a:r>
+            <a:r>
+              <a:rPr/>
+              <a:t>scatterplot</a:t>
+            </a:r>
+            <a:r>
+              <a:rPr/>
+              <a:t> </a:t>
+            </a:r>
+            <a:r>
+              <a:rPr/>
+              <a:t>mapping</a:t>
+            </a:r>
+            <a:r>
+              <a:rPr/>
+              <a:t> </a:t>
+            </a:r>
+            <a:r>
+              <a:rPr/>
+              <a:t>living</a:t>
+            </a:r>
+            <a:r>
+              <a:rPr/>
+              <a:t> </a:t>
+            </a:r>
+            <a:r>
+              <a:rPr/>
+              <a:t>area</a:t>
+            </a:r>
+            <a:r>
+              <a:rPr/>
+              <a:t> </a:t>
+            </a:r>
+            <a:r>
+              <a:rPr/>
+              <a:t>to</a:t>
+            </a:r>
+            <a:r>
+              <a:rPr/>
+              <a:t> </a:t>
+            </a:r>
+            <a:r>
+              <a:rPr/>
+              <a:t>size</a:t>
+            </a:r>
+          </a:p>
+        </p:txBody>
+      </p:sp>
+    </p:spTree>
+  </p:cSld>
+</p:sld>
+</file>
+
+<file path=ppt/slides/slide71.xml><?xml version="1.0" encoding="utf-8"?>
+<p:sld xmlns:a="http://schemas.openxmlformats.org/drawingml/2006/main" xmlns:r="http://schemas.openxmlformats.org/officeDocument/2006/relationships" xmlns:p="http://schemas.openxmlformats.org/presentationml/2006/main">
+  <p:cSld>
+    <p:spTree>
+      <p:nvGrpSpPr>
+        <p:cNvPr id="1" name=""/>
+        <p:cNvGrpSpPr/>
+        <p:nvPr/>
+      </p:nvGrpSpPr>
+      <p:grpSpPr>
+        <a:xfrm>
+          <a:off x="0" y="0"/>
+          <a:ext cx="0" cy="0"/>
+          <a:chOff x="0" y="0"/>
+          <a:chExt cx="0" cy="0"/>
+        </a:xfrm>
+      </p:grpSpPr>
+      <p:sp>
+        <p:nvSpPr>
+          <p:cNvPr id="2" name="Title 1"/>
+          <p:cNvSpPr>
+            <a:spLocks noGrp="1"/>
+          </p:cNvSpPr>
+          <p:nvPr>
+            <p:ph type="title"/>
+          </p:nvPr>
+        </p:nvSpPr>
+        <p:spPr/>
+        <p:txBody>
+          <a:bodyPr/>
+          <a:lstStyle/>
+          <a:p>
+            <a:pPr lvl="0" marL="0" indent="0">
+              <a:buNone/>
+            </a:pPr>
+            <a:r>
+              <a:rPr/>
+              <a:t>Here’s</a:t>
+            </a:r>
+            <a:r>
+              <a:rPr/>
+              <a:t> </a:t>
+            </a:r>
+            <a:r>
+              <a:rPr/>
+              <a:t>the</a:t>
+            </a:r>
+            <a:r>
+              <a:rPr/>
+              <a:t> </a:t>
+            </a:r>
+            <a:r>
+              <a:rPr/>
+              <a:t>R</a:t>
+            </a:r>
+            <a:r>
+              <a:rPr/>
+              <a:t> </a:t>
+            </a:r>
+            <a:r>
+              <a:rPr/>
+              <a:t>code.</a:t>
+            </a:r>
+          </a:p>
+        </p:txBody>
+      </p:sp>
+      <p:sp>
+        <p:nvSpPr>
+          <p:cNvPr id="3" name="Content Placeholder 2"/>
+          <p:cNvSpPr>
+            <a:spLocks noGrp="1"/>
+          </p:cNvSpPr>
+          <p:nvPr>
+            <p:ph idx="1"/>
+          </p:nvPr>
+        </p:nvSpPr>
+        <p:spPr/>
+        <p:txBody>
+          <a:bodyPr/>
+          <a:lstStyle/>
+          <a:p>
+            <a:pPr lvl="0" marL="1270000" indent="0">
+              <a:buNone/>
+            </a:pPr>
+            <a:r>
+              <a:rPr sz="1800">
+                <a:latin typeface="Courier"/>
+              </a:rPr>
+              <a:t>ggplot(saratoga_houses, aes(x=Age, y=Price)) + 
+  geom_point(aes(size=Living.Area))</a:t>
+            </a:r>
+          </a:p>
+        </p:txBody>
+      </p:sp>
+    </p:spTree>
+  </p:cSld>
+</p:sld>
+</file>
+
+<file path=ppt/slides/slide72.xml><?xml version="1.0" encoding="utf-8"?>
+<p:sld xmlns:a="http://schemas.openxmlformats.org/drawingml/2006/main" xmlns:r="http://schemas.openxmlformats.org/officeDocument/2006/relationships" xmlns:p="http://schemas.openxmlformats.org/presentationml/2006/main">
+  <p:cSld>
+    <p:spTree>
+      <p:nvGrpSpPr>
+        <p:cNvPr id="1" name=""/>
+        <p:cNvGrpSpPr/>
+        <p:nvPr/>
+      </p:nvGrpSpPr>
+      <p:grpSpPr>
+        <a:xfrm>
+          <a:off x="0" y="0"/>
+          <a:ext cx="0" cy="0"/>
+          <a:chOff x="0" y="0"/>
+          <a:chExt cx="0" cy="0"/>
+        </a:xfrm>
+      </p:grpSpPr>
+      <p:sp>
+        <p:nvSpPr>
+          <p:cNvPr id="2" name="Title 1"/>
+          <p:cNvSpPr>
+            <a:spLocks noGrp="1"/>
+          </p:cNvSpPr>
+          <p:nvPr>
+            <p:ph type="title"/>
+          </p:nvPr>
+        </p:nvSpPr>
+        <p:spPr/>
+        <p:txBody>
+          <a:bodyPr/>
+          <a:lstStyle/>
+          <a:p>
+            <a:pPr lvl="0" marL="0" indent="0">
+              <a:buNone/>
+            </a:pPr>
+            <a:r>
+              <a:rPr/>
+              <a:t>Here’s</a:t>
+            </a:r>
+            <a:r>
+              <a:rPr/>
+              <a:t> </a:t>
+            </a:r>
+            <a:r>
+              <a:rPr/>
+              <a:t>the</a:t>
+            </a:r>
+            <a:r>
+              <a:rPr/>
+              <a:t> </a:t>
+            </a:r>
+            <a:r>
+              <a:rPr/>
+              <a:t>result</a:t>
+            </a:r>
+            <a:r>
+              <a:rPr/>
+              <a:t> </a:t>
+            </a:r>
+            <a:r>
+              <a:rPr/>
+              <a:t>in</a:t>
+            </a:r>
+            <a:r>
+              <a:rPr/>
+              <a:t> </a:t>
+            </a:r>
+            <a:r>
+              <a:rPr/>
+              <a:t>R.</a:t>
+            </a:r>
+          </a:p>
+        </p:txBody>
+      </p:sp>
+      <p:pic>
+        <p:nvPicPr>
+          <p:cNvPr descr="../images/r-size-living-area.png" id="0" name="Picture 1"/>
+          <p:cNvPicPr>
+            <a:picLocks noGrp="1" noChangeAspect="1"/>
+          </p:cNvPicPr>
+          <p:nvPr/>
+        </p:nvPicPr>
+        <p:blipFill>
+          <a:blip r:embed="rId2"/>
+          <a:stretch>
+            <a:fillRect/>
+          </a:stretch>
+        </p:blipFill>
+        <p:spPr bwMode="auto">
+          <a:xfrm>
+            <a:off x="2311400" y="1600200"/>
+            <a:ext cx="4521200" cy="4521200"/>
+          </a:xfrm>
+          <a:prstGeom prst="rect">
+            <a:avLst/>
+          </a:prstGeom>
+          <a:noFill/>
+          <a:ln w="9525">
+            <a:noFill/>
+            <a:headEnd/>
+            <a:tailEnd/>
+          </a:ln>
+        </p:spPr>
+      </p:pic>
+    </p:spTree>
+  </p:cSld>
+</p:sld>
+</file>
+
+<file path=ppt/slides/slide73.xml><?xml version="1.0" encoding="utf-8"?>
+<p:sld xmlns:a="http://schemas.openxmlformats.org/drawingml/2006/main" xmlns:r="http://schemas.openxmlformats.org/officeDocument/2006/relationships" xmlns:p="http://schemas.openxmlformats.org/presentationml/2006/main">
+  <p:cSld>
+    <p:spTree>
+      <p:nvGrpSpPr>
+        <p:cNvPr id="1" name=""/>
+        <p:cNvGrpSpPr/>
+        <p:nvPr/>
+      </p:nvGrpSpPr>
+      <p:grpSpPr>
+        <a:xfrm>
+          <a:off x="0" y="0"/>
+          <a:ext cx="0" cy="0"/>
+          <a:chOff x="0" y="0"/>
+          <a:chExt cx="0" cy="0"/>
+        </a:xfrm>
+      </p:grpSpPr>
+      <p:sp>
+        <p:nvSpPr>
+          <p:cNvPr id="2" name="Title 1"/>
+          <p:cNvSpPr>
+            <a:spLocks noGrp="1"/>
+          </p:cNvSpPr>
+          <p:nvPr>
+            <p:ph type="title"/>
+          </p:nvPr>
+        </p:nvSpPr>
+        <p:spPr/>
+        <p:txBody>
+          <a:bodyPr/>
+          <a:lstStyle/>
+          <a:p>
+            <a:pPr lvl="0" marL="0" indent="0">
+              <a:buNone/>
+            </a:pPr>
+            <a:r>
+              <a:rPr/>
+              <a:t>Here’s</a:t>
+            </a:r>
+            <a:r>
+              <a:rPr/>
+              <a:t> </a:t>
+            </a:r>
+            <a:r>
+              <a:rPr/>
+              <a:t>the</a:t>
+            </a:r>
+            <a:r>
+              <a:rPr/>
+              <a:t> </a:t>
+            </a:r>
+            <a:r>
+              <a:rPr/>
+              <a:t>result</a:t>
+            </a:r>
+            <a:r>
+              <a:rPr/>
+              <a:t> </a:t>
+            </a:r>
+            <a:r>
+              <a:rPr/>
+              <a:t>in</a:t>
+            </a:r>
+            <a:r>
+              <a:rPr/>
+              <a:t> </a:t>
+            </a:r>
+            <a:r>
+              <a:rPr/>
+              <a:t>Tableau.</a:t>
+            </a:r>
+          </a:p>
+        </p:txBody>
+      </p:sp>
+      <p:pic>
+        <p:nvPicPr>
+          <p:cNvPr descr="../images/tableau/size-living-area.png" id="0" name="Picture 1"/>
+          <p:cNvPicPr>
+            <a:picLocks noGrp="1" noChangeAspect="1"/>
+          </p:cNvPicPr>
+          <p:nvPr/>
+        </p:nvPicPr>
+        <p:blipFill>
+          <a:blip r:embed="rId2"/>
+          <a:stretch>
+            <a:fillRect/>
+          </a:stretch>
+        </p:blipFill>
+        <p:spPr bwMode="auto">
+          <a:xfrm>
+            <a:off x="558800" y="1600200"/>
+            <a:ext cx="8026400" cy="4013200"/>
+          </a:xfrm>
+          <a:prstGeom prst="rect">
+            <a:avLst/>
+          </a:prstGeom>
+          <a:noFill/>
+          <a:ln w="9525">
+            <a:noFill/>
+            <a:headEnd/>
+            <a:tailEnd/>
+          </a:ln>
+        </p:spPr>
+      </p:pic>
+      <p:sp>
+        <p:nvSpPr>
+          <p:cNvPr id="1" name="TextBox 3"/>
+          <p:cNvSpPr txBox="1"/>
+          <p:nvPr/>
+        </p:nvSpPr>
+        <p:spPr>
+          <a:xfrm>
+            <a:off x="457200" y="5613400"/>
+            <a:ext cx="8229600" cy="508000"/>
+          </a:xfrm>
+          <a:prstGeom prst="rect">
+            <a:avLst/>
+          </a:prstGeom>
+          <a:noFill/>
+        </p:spPr>
+        <p:txBody>
+          <a:bodyPr/>
+          <a:lstStyle/>
+          <a:p>
+            <a:pPr lvl="0" marL="0" indent="0" algn="ctr">
+              <a:buNone/>
+            </a:pPr>
+            <a:r>
+              <a:rPr/>
+              <a:t>Visualizaion</a:t>
+            </a:r>
+            <a:r>
+              <a:rPr/>
+              <a:t> </a:t>
+            </a:r>
+            <a:r>
+              <a:rPr/>
+              <a:t>using</a:t>
+            </a:r>
+            <a:r>
+              <a:rPr/>
+              <a:t> </a:t>
+            </a:r>
+            <a:r>
+              <a:rPr/>
+              <a:t>Living.Area</a:t>
+            </a:r>
+            <a:r>
+              <a:rPr/>
+              <a:t> </a:t>
+            </a:r>
+            <a:r>
+              <a:rPr/>
+              <a:t>as</a:t>
+            </a:r>
+            <a:r>
+              <a:rPr/>
+              <a:t> </a:t>
+            </a:r>
+            <a:r>
+              <a:rPr/>
+              <a:t>the</a:t>
+            </a:r>
+            <a:r>
+              <a:rPr/>
+              <a:t> </a:t>
+            </a:r>
+            <a:r>
+              <a:rPr/>
+              <a:t>size</a:t>
+            </a:r>
+          </a:p>
+        </p:txBody>
+      </p:sp>
+    </p:spTree>
+  </p:cSld>
+</p:sld>
+</file>
+
+<file path=ppt/slides/slide74.xml><?xml version="1.0" encoding="utf-8"?>
+<p:sld xmlns:a="http://schemas.openxmlformats.org/drawingml/2006/main" xmlns:r="http://schemas.openxmlformats.org/officeDocument/2006/relationships" xmlns:p="http://schemas.openxmlformats.org/presentationml/2006/main">
+  <p:cSld>
+    <p:spTree>
+      <p:nvGrpSpPr>
+        <p:cNvPr id="1" name=""/>
+        <p:cNvGrpSpPr/>
+        <p:nvPr/>
+      </p:nvGrpSpPr>
+      <p:grpSpPr>
+        <a:xfrm>
+          <a:off x="0" y="0"/>
+          <a:ext cx="0" cy="0"/>
+          <a:chOff x="0" y="0"/>
+          <a:chExt cx="0" cy="0"/>
+        </a:xfrm>
+      </p:grpSpPr>
+      <p:sp>
+        <p:nvSpPr>
+          <p:cNvPr id="2" name="Title 1"/>
+          <p:cNvSpPr>
+            <a:spLocks noGrp="1"/>
+          </p:cNvSpPr>
+          <p:nvPr>
+            <p:ph type="title"/>
+          </p:nvPr>
+        </p:nvSpPr>
+        <p:spPr/>
+        <p:txBody>
+          <a:bodyPr/>
+          <a:lstStyle/>
+          <a:p>
+            <a:pPr lvl="0" marL="0" indent="0">
+              <a:buNone/>
+            </a:pPr>
+            <a:r>
+              <a:rPr/>
+              <a:t>Aesthetics</a:t>
+            </a:r>
+            <a:r>
+              <a:rPr/>
+              <a:t> </a:t>
+            </a:r>
+            <a:r>
+              <a:rPr/>
+              <a:t>for</a:t>
+            </a:r>
+            <a:r>
+              <a:rPr/>
+              <a:t> </a:t>
+            </a:r>
+            <a:r>
+              <a:rPr/>
+              <a:t>points</a:t>
+            </a:r>
+            <a:r>
+              <a:rPr/>
+              <a:t> </a:t>
+            </a:r>
+            <a:r>
+              <a:rPr/>
+              <a:t>-</a:t>
+            </a:r>
+            <a:r>
+              <a:rPr/>
+              <a:t> </a:t>
+            </a:r>
+            <a:r>
+              <a:rPr/>
+              <a:t>color</a:t>
+            </a:r>
+            <a:r>
+              <a:rPr/>
+              <a:t> </a:t>
+            </a:r>
+            <a:r>
+              <a:rPr/>
+              <a:t>(1</a:t>
+            </a:r>
+            <a:r>
+              <a:rPr/>
+              <a:t> </a:t>
+            </a:r>
+            <a:r>
+              <a:rPr/>
+              <a:t>of</a:t>
+            </a:r>
+            <a:r>
+              <a:rPr/>
+              <a:t> </a:t>
+            </a:r>
+            <a:r>
+              <a:rPr/>
+              <a:t>2)</a:t>
+            </a:r>
+          </a:p>
+        </p:txBody>
+      </p:sp>
+      <p:pic>
+        <p:nvPicPr>
+          <p:cNvPr descr="../images/r/point-aesthetics-color-1.png" id="0" name="Picture 1"/>
+          <p:cNvPicPr>
+            <a:picLocks noGrp="1" noChangeAspect="1"/>
+          </p:cNvPicPr>
+          <p:nvPr/>
+        </p:nvPicPr>
+        <p:blipFill>
+          <a:blip r:embed="rId3"/>
+          <a:stretch>
+            <a:fillRect/>
+          </a:stretch>
+        </p:blipFill>
+        <p:spPr bwMode="auto">
+          <a:xfrm>
+            <a:off x="2565400" y="1600200"/>
+            <a:ext cx="4013200" cy="4013200"/>
+          </a:xfrm>
+          <a:prstGeom prst="rect">
+            <a:avLst/>
+          </a:prstGeom>
+          <a:noFill/>
+          <a:ln w="9525">
+            <a:noFill/>
+            <a:headEnd/>
+            <a:tailEnd/>
+          </a:ln>
+        </p:spPr>
+      </p:pic>
+      <p:sp>
+        <p:nvSpPr>
+          <p:cNvPr id="1" name="TextBox 3"/>
+          <p:cNvSpPr txBox="1"/>
+          <p:nvPr/>
+        </p:nvSpPr>
+        <p:spPr>
+          <a:xfrm>
+            <a:off x="457200" y="5613400"/>
+            <a:ext cx="8229600" cy="508000"/>
+          </a:xfrm>
+          <a:prstGeom prst="rect">
+            <a:avLst/>
+          </a:prstGeom>
+          <a:noFill/>
+        </p:spPr>
+        <p:txBody>
+          <a:bodyPr/>
+          <a:lstStyle/>
+          <a:p>
+            <a:pPr lvl="0" marL="0" indent="0" algn="ctr">
+              <a:buNone/>
+            </a:pPr>
+            <a:r>
+              <a:rPr/>
+              <a:t>Illustration</a:t>
+            </a:r>
+            <a:r>
+              <a:rPr/>
+              <a:t> </a:t>
+            </a:r>
+            <a:r>
+              <a:rPr/>
+              <a:t>of</a:t>
+            </a:r>
+            <a:r>
+              <a:rPr/>
+              <a:t> </a:t>
+            </a:r>
+            <a:r>
+              <a:rPr/>
+              <a:t>color</a:t>
+            </a:r>
+            <a:r>
+              <a:rPr/>
+              <a:t> </a:t>
+            </a:r>
+            <a:r>
+              <a:rPr/>
+              <a:t>aesthetics</a:t>
+            </a:r>
+          </a:p>
+        </p:txBody>
+      </p:sp>
+    </p:spTree>
+  </p:cSld>
+</p:sld>
+</file>
+
+<file path=ppt/slides/slide75.xml><?xml version="1.0" encoding="utf-8"?>
+<p:sld xmlns:a="http://schemas.openxmlformats.org/drawingml/2006/main" xmlns:r="http://schemas.openxmlformats.org/officeDocument/2006/relationships" xmlns:p="http://schemas.openxmlformats.org/presentationml/2006/main">
+  <p:cSld>
+    <p:spTree>
+      <p:nvGrpSpPr>
+        <p:cNvPr id="1" name=""/>
+        <p:cNvGrpSpPr/>
+        <p:nvPr/>
+      </p:nvGrpSpPr>
+      <p:grpSpPr>
+        <a:xfrm>
+          <a:off x="0" y="0"/>
+          <a:ext cx="0" cy="0"/>
+          <a:chOff x="0" y="0"/>
+          <a:chExt cx="0" cy="0"/>
+        </a:xfrm>
+      </p:grpSpPr>
+      <p:sp>
+        <p:nvSpPr>
+          <p:cNvPr id="2" name="Title 1"/>
+          <p:cNvSpPr>
+            <a:spLocks noGrp="1"/>
+          </p:cNvSpPr>
+          <p:nvPr>
+            <p:ph type="title"/>
+          </p:nvPr>
+        </p:nvSpPr>
+        <p:spPr/>
+        <p:txBody>
+          <a:bodyPr/>
+          <a:lstStyle/>
+          <a:p>
+            <a:pPr lvl="0" marL="0" indent="0">
+              <a:buNone/>
+            </a:pPr>
+            <a:r>
+              <a:rPr/>
+              <a:t>Aesthetics</a:t>
+            </a:r>
+            <a:r>
+              <a:rPr/>
+              <a:t> </a:t>
+            </a:r>
+            <a:r>
+              <a:rPr/>
+              <a:t>for</a:t>
+            </a:r>
+            <a:r>
+              <a:rPr/>
+              <a:t> </a:t>
+            </a:r>
+            <a:r>
+              <a:rPr/>
+              <a:t>points</a:t>
+            </a:r>
+            <a:r>
+              <a:rPr/>
+              <a:t> </a:t>
+            </a:r>
+            <a:r>
+              <a:rPr/>
+              <a:t>-</a:t>
+            </a:r>
+            <a:r>
+              <a:rPr/>
+              <a:t> </a:t>
+            </a:r>
+            <a:r>
+              <a:rPr/>
+              <a:t>color</a:t>
+            </a:r>
+            <a:r>
+              <a:rPr/>
+              <a:t> </a:t>
+            </a:r>
+            <a:r>
+              <a:rPr/>
+              <a:t>(2</a:t>
+            </a:r>
+            <a:r>
+              <a:rPr/>
+              <a:t> </a:t>
+            </a:r>
+            <a:r>
+              <a:rPr/>
+              <a:t>of</a:t>
+            </a:r>
+            <a:r>
+              <a:rPr/>
+              <a:t> </a:t>
+            </a:r>
+            <a:r>
+              <a:rPr/>
+              <a:t>2)</a:t>
+            </a:r>
+          </a:p>
+        </p:txBody>
+      </p:sp>
+      <p:pic>
+        <p:nvPicPr>
+          <p:cNvPr descr="../images/r/point-aesthetics-color-2.png" id="0" name="Picture 1"/>
+          <p:cNvPicPr>
+            <a:picLocks noGrp="1" noChangeAspect="1"/>
+          </p:cNvPicPr>
+          <p:nvPr/>
+        </p:nvPicPr>
+        <p:blipFill>
+          <a:blip r:embed="rId3"/>
+          <a:stretch>
+            <a:fillRect/>
+          </a:stretch>
+        </p:blipFill>
+        <p:spPr bwMode="auto">
+          <a:xfrm>
+            <a:off x="2565400" y="1600200"/>
+            <a:ext cx="4013200" cy="4013200"/>
+          </a:xfrm>
+          <a:prstGeom prst="rect">
+            <a:avLst/>
+          </a:prstGeom>
+          <a:noFill/>
+          <a:ln w="9525">
+            <a:noFill/>
+            <a:headEnd/>
+            <a:tailEnd/>
+          </a:ln>
+        </p:spPr>
+      </p:pic>
+      <p:sp>
+        <p:nvSpPr>
+          <p:cNvPr id="1" name="TextBox 3"/>
+          <p:cNvSpPr txBox="1"/>
+          <p:nvPr/>
+        </p:nvSpPr>
+        <p:spPr>
+          <a:xfrm>
+            <a:off x="457200" y="5613400"/>
+            <a:ext cx="8229600" cy="508000"/>
+          </a:xfrm>
+          <a:prstGeom prst="rect">
+            <a:avLst/>
+          </a:prstGeom>
+          <a:noFill/>
+        </p:spPr>
+        <p:txBody>
+          <a:bodyPr/>
+          <a:lstStyle/>
+          <a:p>
+            <a:pPr lvl="0" marL="0" indent="0" algn="ctr">
+              <a:buNone/>
+            </a:pPr>
+            <a:r>
+              <a:rPr/>
+              <a:t>R</a:t>
+            </a:r>
+            <a:r>
+              <a:rPr/>
+              <a:t> </a:t>
+            </a:r>
+            <a:r>
+              <a:rPr/>
+              <a:t>graph</a:t>
+            </a:r>
+            <a:r>
+              <a:rPr/>
+              <a:t> </a:t>
+            </a:r>
+            <a:r>
+              <a:rPr/>
+              <a:t>using</a:t>
+            </a:r>
+            <a:r>
+              <a:rPr/>
+              <a:t> </a:t>
+            </a:r>
+            <a:r>
+              <a:rPr/>
+              <a:t>color</a:t>
+            </a:r>
+            <a:r>
+              <a:rPr/>
+              <a:t> </a:t>
+            </a:r>
+            <a:r>
+              <a:rPr/>
+              <a:t>to</a:t>
+            </a:r>
+            <a:r>
+              <a:rPr/>
+              <a:t> </a:t>
+            </a:r>
+            <a:r>
+              <a:rPr/>
+              <a:t>represent</a:t>
+            </a:r>
+            <a:r>
+              <a:rPr/>
+              <a:t> </a:t>
+            </a:r>
+            <a:r>
+              <a:rPr/>
+              <a:t>Living.Area</a:t>
+            </a:r>
+          </a:p>
+        </p:txBody>
+      </p:sp>
+    </p:spTree>
+  </p:cSld>
+</p:sld>
+</file>
+
+<file path=ppt/slides/slide76.xml><?xml version="1.0" encoding="utf-8"?>
+<p:sld xmlns:a="http://schemas.openxmlformats.org/drawingml/2006/main" xmlns:r="http://schemas.openxmlformats.org/officeDocument/2006/relationships" xmlns:p="http://schemas.openxmlformats.org/presentationml/2006/main">
+  <p:cSld>
+    <p:spTree>
+      <p:nvGrpSpPr>
+        <p:cNvPr id="1" name=""/>
+        <p:cNvGrpSpPr/>
+        <p:nvPr/>
+      </p:nvGrpSpPr>
+      <p:grpSpPr>
+        <a:xfrm>
+          <a:off x="0" y="0"/>
+          <a:ext cx="0" cy="0"/>
+          <a:chOff x="0" y="0"/>
+          <a:chExt cx="0" cy="0"/>
+        </a:xfrm>
+      </p:grpSpPr>
+      <p:sp>
+        <p:nvSpPr>
+          <p:cNvPr id="2" name="Title 1"/>
+          <p:cNvSpPr>
+            <a:spLocks noGrp="1"/>
+          </p:cNvSpPr>
+          <p:nvPr>
+            <p:ph type="title"/>
+          </p:nvPr>
+        </p:nvSpPr>
+        <p:spPr/>
+        <p:txBody>
+          <a:bodyPr/>
+          <a:lstStyle/>
+          <a:p>
+            <a:pPr lvl="0" marL="0" indent="0">
+              <a:buNone/>
+            </a:pPr>
+            <a:r>
+              <a:rPr/>
+              <a:t>Basic</a:t>
+            </a:r>
+            <a:r>
+              <a:rPr/>
+              <a:t> </a:t>
+            </a:r>
+            <a:r>
+              <a:rPr/>
+              <a:t>exercise</a:t>
+            </a:r>
+            <a:r>
+              <a:rPr/>
+              <a:t> </a:t>
+            </a:r>
+            <a:r>
+              <a:rPr/>
+              <a:t>-</a:t>
+            </a:r>
+            <a:r>
+              <a:rPr/>
+              <a:t> </a:t>
+            </a:r>
+            <a:r>
+              <a:rPr/>
+              <a:t>color</a:t>
+            </a:r>
+          </a:p>
+        </p:txBody>
+      </p:sp>
+      <p:sp>
+        <p:nvSpPr>
+          <p:cNvPr id="3" name="Content Placeholder 2"/>
+          <p:cNvSpPr>
+            <a:spLocks noGrp="1"/>
+          </p:cNvSpPr>
+          <p:nvPr>
+            <p:ph idx="1"/>
+          </p:nvPr>
+        </p:nvSpPr>
+        <p:spPr/>
+        <p:txBody>
+          <a:bodyPr/>
+          <a:lstStyle/>
+          <a:p>
+            <a:pPr lvl="1"/>
+            <a:r>
+              <a:rPr/>
+              <a:t>Use the Saratoga housing data set.</a:t>
+            </a:r>
+          </a:p>
+          <a:p>
+            <a:pPr lvl="1"/>
+            <a:r>
+              <a:rPr/>
+              <a:t>Draw a plot where the location is x=Age and y=Price and the color represents the number of bathrooms.</a:t>
+            </a:r>
+          </a:p>
+        </p:txBody>
+      </p:sp>
+    </p:spTree>
+  </p:cSld>
+</p:sld>
+</file>
+
+<file path=ppt/slides/slide77.xml><?xml version="1.0" encoding="utf-8"?>
+<p:sld xmlns:a="http://schemas.openxmlformats.org/drawingml/2006/main" xmlns:r="http://schemas.openxmlformats.org/officeDocument/2006/relationships" xmlns:p="http://schemas.openxmlformats.org/presentationml/2006/main">
+  <p:cSld>
+    <p:spTree>
+      <p:nvGrpSpPr>
+        <p:cNvPr id="1" name=""/>
+        <p:cNvGrpSpPr/>
+        <p:nvPr/>
+      </p:nvGrpSpPr>
+      <p:grpSpPr>
+        <a:xfrm>
+          <a:off x="0" y="0"/>
+          <a:ext cx="0" cy="0"/>
+          <a:chOff x="0" y="0"/>
+          <a:chExt cx="0" cy="0"/>
+        </a:xfrm>
+      </p:grpSpPr>
+      <p:sp>
+        <p:nvSpPr>
+          <p:cNvPr id="2" name="Title 1"/>
+          <p:cNvSpPr>
+            <a:spLocks noGrp="1"/>
+          </p:cNvSpPr>
+          <p:nvPr>
+            <p:ph type="title"/>
+          </p:nvPr>
+        </p:nvSpPr>
+        <p:spPr/>
+        <p:txBody>
+          <a:bodyPr/>
+          <a:lstStyle/>
+          <a:p>
+            <a:pPr lvl="0" marL="0" indent="0">
+              <a:buNone/>
+            </a:pPr>
+            <a:r>
+              <a:rPr/>
+              <a:t>Basic</a:t>
+            </a:r>
+            <a:r>
+              <a:rPr/>
+              <a:t> </a:t>
+            </a:r>
+            <a:r>
+              <a:rPr/>
+              <a:t>exercise</a:t>
+            </a:r>
+            <a:r>
+              <a:rPr/>
+              <a:t> </a:t>
+            </a:r>
+            <a:r>
+              <a:rPr/>
+              <a:t>-</a:t>
+            </a:r>
+            <a:r>
+              <a:rPr/>
+              <a:t> </a:t>
+            </a:r>
+            <a:r>
+              <a:rPr/>
+              <a:t>color</a:t>
+            </a:r>
+          </a:p>
+        </p:txBody>
+      </p:sp>
+      <p:sp>
+        <p:nvSpPr>
+          <p:cNvPr id="3" name="Content Placeholder 2"/>
+          <p:cNvSpPr>
+            <a:spLocks noGrp="1"/>
+          </p:cNvSpPr>
+          <p:nvPr>
+            <p:ph idx="1"/>
+          </p:nvPr>
+        </p:nvSpPr>
+        <p:spPr/>
+        <p:txBody>
+          <a:bodyPr/>
+          <a:lstStyle/>
+          <a:p>
+            <a:pPr lvl="1"/>
+            <a:r>
+              <a:rPr/>
+              <a:t>Use the Saratoga housing data set.</a:t>
+            </a:r>
+          </a:p>
+          <a:p>
+            <a:pPr lvl="1"/>
+            <a:r>
+              <a:rPr/>
+              <a:t>Draw a plot where the location is x=Age and y=Price and the color represents the number of bathrooms.</a:t>
+            </a:r>
+          </a:p>
+        </p:txBody>
+      </p:sp>
+    </p:spTree>
+  </p:cSld>
+</p:sld>
+</file>
+
+<file path=ppt/slides/slide78.xml><?xml version="1.0" encoding="utf-8"?>
+<p:sld xmlns:a="http://schemas.openxmlformats.org/drawingml/2006/main" xmlns:r="http://schemas.openxmlformats.org/officeDocument/2006/relationships" xmlns:p="http://schemas.openxmlformats.org/presentationml/2006/main">
+  <p:cSld>
+    <p:spTree>
+      <p:nvGrpSpPr>
+        <p:cNvPr id="1" name=""/>
+        <p:cNvGrpSpPr/>
+        <p:nvPr/>
+      </p:nvGrpSpPr>
+      <p:grpSpPr>
+        <a:xfrm>
+          <a:off x="0" y="0"/>
+          <a:ext cx="0" cy="0"/>
+          <a:chOff x="0" y="0"/>
+          <a:chExt cx="0" cy="0"/>
+        </a:xfrm>
+      </p:grpSpPr>
+      <p:sp>
+        <p:nvSpPr>
+          <p:cNvPr id="2" name="Title 1"/>
+          <p:cNvSpPr>
+            <a:spLocks noGrp="1"/>
+          </p:cNvSpPr>
+          <p:nvPr>
+            <p:ph type="title"/>
+          </p:nvPr>
+        </p:nvSpPr>
+        <p:spPr/>
+        <p:txBody>
+          <a:bodyPr/>
+          <a:lstStyle/>
+          <a:p>
+            <a:pPr lvl="0" marL="0" indent="0">
+              <a:buNone/>
+            </a:pPr>
+            <a:r>
+              <a:rPr/>
+              <a:t>Here’s</a:t>
+            </a:r>
+            <a:r>
+              <a:rPr/>
+              <a:t> </a:t>
+            </a:r>
+            <a:r>
+              <a:rPr/>
+              <a:t>the</a:t>
+            </a:r>
+            <a:r>
+              <a:rPr/>
+              <a:t> </a:t>
+            </a:r>
+            <a:r>
+              <a:rPr/>
+              <a:t>Python</a:t>
+            </a:r>
+            <a:r>
+              <a:rPr/>
+              <a:t> </a:t>
+            </a:r>
+            <a:r>
+              <a:rPr/>
+              <a:t>code.</a:t>
+            </a:r>
+          </a:p>
+        </p:txBody>
+      </p:sp>
+      <p:sp>
+        <p:nvSpPr>
+          <p:cNvPr id="3" name="Content Placeholder 2"/>
+          <p:cNvSpPr>
+            <a:spLocks noGrp="1"/>
+          </p:cNvSpPr>
+          <p:nvPr>
+            <p:ph idx="1"/>
+          </p:nvPr>
+        </p:nvSpPr>
+        <p:spPr/>
+        <p:txBody>
+          <a:bodyPr/>
+          <a:lstStyle/>
+          <a:p>
+            <a:pPr lvl="0" marL="1270000" indent="0">
+              <a:buNone/>
+            </a:pPr>
+            <a:r>
+              <a:rPr sz="1800">
+                <a:latin typeface="Courier"/>
+              </a:rPr>
+              <a:t>ch2 = alt.Chart(df).mark_point().encode(
+  x="Age", y="Price", color="Baths")</a:t>
+            </a:r>
+          </a:p>
+        </p:txBody>
+      </p:sp>
+    </p:spTree>
+  </p:cSld>
+</p:sld>
+</file>
+
+<file path=ppt/slides/slide79.xml><?xml version="1.0" encoding="utf-8"?>
+<p:sld xmlns:a="http://schemas.openxmlformats.org/drawingml/2006/main" xmlns:r="http://schemas.openxmlformats.org/officeDocument/2006/relationships" xmlns:p="http://schemas.openxmlformats.org/presentationml/2006/main">
+  <p:cSld>
+    <p:spTree>
+      <p:nvGrpSpPr>
+        <p:cNvPr id="1" name=""/>
+        <p:cNvGrpSpPr/>
+        <p:nvPr/>
+      </p:nvGrpSpPr>
+      <p:grpSpPr>
+        <a:xfrm>
+          <a:off x="0" y="0"/>
+          <a:ext cx="0" cy="0"/>
+          <a:chOff x="0" y="0"/>
+          <a:chExt cx="0" cy="0"/>
+        </a:xfrm>
+      </p:grpSpPr>
+      <p:sp>
+        <p:nvSpPr>
+          <p:cNvPr id="2" name="Title 1"/>
+          <p:cNvSpPr>
+            <a:spLocks noGrp="1"/>
+          </p:cNvSpPr>
+          <p:nvPr>
+            <p:ph type="title"/>
+          </p:nvPr>
+        </p:nvSpPr>
+        <p:spPr/>
+        <p:txBody>
+          <a:bodyPr/>
+          <a:lstStyle/>
+          <a:p>
+            <a:pPr lvl="0" marL="0" indent="0">
+              <a:buNone/>
+            </a:pPr>
+            <a:r>
+              <a:rPr/>
+              <a:t>Here’s</a:t>
+            </a:r>
+            <a:r>
+              <a:rPr/>
+              <a:t> </a:t>
+            </a:r>
+            <a:r>
+              <a:rPr/>
+              <a:t>the</a:t>
+            </a:r>
+            <a:r>
+              <a:rPr/>
+              <a:t> </a:t>
+            </a:r>
+            <a:r>
+              <a:rPr/>
+              <a:t>result</a:t>
+            </a:r>
+            <a:r>
+              <a:rPr/>
+              <a:t> </a:t>
+            </a:r>
+            <a:r>
+              <a:rPr/>
+              <a:t>in</a:t>
+            </a:r>
+            <a:r>
+              <a:rPr/>
+              <a:t> </a:t>
+            </a:r>
+            <a:r>
+              <a:rPr/>
+              <a:t>Python</a:t>
+            </a:r>
+          </a:p>
+        </p:txBody>
+      </p:sp>
+      <p:pic>
+        <p:nvPicPr>
+          <p:cNvPr descr="../images/python/python-basic-exercise-color.png" id="0" name="Picture 1"/>
+          <p:cNvPicPr>
+            <a:picLocks noGrp="1" noChangeAspect="1"/>
+          </p:cNvPicPr>
+          <p:nvPr/>
+        </p:nvPicPr>
+        <p:blipFill>
+          <a:blip r:embed="rId2"/>
+          <a:stretch>
+            <a:fillRect/>
+          </a:stretch>
+        </p:blipFill>
+        <p:spPr bwMode="auto">
+          <a:xfrm>
+            <a:off x="2108200" y="1600200"/>
+            <a:ext cx="4914900" cy="4013200"/>
+          </a:xfrm>
+          <a:prstGeom prst="rect">
+            <a:avLst/>
+          </a:prstGeom>
+          <a:noFill/>
+          <a:ln w="9525">
+            <a:noFill/>
+            <a:headEnd/>
+            <a:tailEnd/>
+          </a:ln>
+        </p:spPr>
+      </p:pic>
+      <p:sp>
+        <p:nvSpPr>
+          <p:cNvPr id="1" name="TextBox 3"/>
+          <p:cNvSpPr txBox="1"/>
+          <p:nvPr/>
+        </p:nvSpPr>
+        <p:spPr>
+          <a:xfrm>
+            <a:off x="457200" y="5613400"/>
+            <a:ext cx="8229600" cy="508000"/>
+          </a:xfrm>
+          <a:prstGeom prst="rect">
+            <a:avLst/>
+          </a:prstGeom>
+          <a:noFill/>
+        </p:spPr>
+        <p:txBody>
+          <a:bodyPr/>
+          <a:lstStyle/>
+          <a:p>
+            <a:pPr lvl="0" marL="0" indent="0" algn="ctr">
+              <a:buNone/>
+            </a:pPr>
+            <a:r>
+              <a:rPr/>
+              <a:t>Python</a:t>
+            </a:r>
+            <a:r>
+              <a:rPr/>
+              <a:t> </a:t>
+            </a:r>
+            <a:r>
+              <a:rPr/>
+              <a:t>scatterplot</a:t>
+            </a:r>
+            <a:r>
+              <a:rPr/>
+              <a:t> </a:t>
+            </a:r>
+            <a:r>
+              <a:rPr/>
+              <a:t>mapping</a:t>
+            </a:r>
+            <a:r>
+              <a:rPr/>
+              <a:t> </a:t>
+            </a:r>
+            <a:r>
+              <a:rPr/>
+              <a:t>bathrooms</a:t>
+            </a:r>
+            <a:r>
+              <a:rPr/>
+              <a:t> </a:t>
+            </a:r>
+            <a:r>
+              <a:rPr/>
+              <a:t>to</a:t>
+            </a:r>
+            <a:r>
+              <a:rPr/>
+              <a:t> </a:t>
+            </a:r>
+            <a:r>
+              <a:rPr/>
+              <a:t>color</a:t>
+            </a:r>
+          </a:p>
+        </p:txBody>
+      </p:sp>
+    </p:spTree>
+  </p:cSld>
+</p:sld>
+</file>
+
 <file path=ppt/slides/slide8.xml><?xml version="1.0" encoding="utf-8"?>
 <p:sld xmlns:a="http://schemas.openxmlformats.org/drawingml/2006/main" xmlns:r="http://schemas.openxmlformats.org/officeDocument/2006/relationships" xmlns:p="http://schemas.openxmlformats.org/presentationml/2006/main">
   <p:cSld>
@@ -43195,6 +52463,463 @@
             <a:r>
               <a:rPr/>
               <a:t>Convert the format</a:t>
+            </a:r>
+          </a:p>
+        </p:txBody>
+      </p:sp>
+    </p:spTree>
+  </p:cSld>
+</p:sld>
+</file>
+
+<file path=ppt/slides/slide80.xml><?xml version="1.0" encoding="utf-8"?>
+<p:sld xmlns:a="http://schemas.openxmlformats.org/drawingml/2006/main" xmlns:r="http://schemas.openxmlformats.org/officeDocument/2006/relationships" xmlns:p="http://schemas.openxmlformats.org/presentationml/2006/main">
+  <p:cSld>
+    <p:spTree>
+      <p:nvGrpSpPr>
+        <p:cNvPr id="1" name=""/>
+        <p:cNvGrpSpPr/>
+        <p:nvPr/>
+      </p:nvGrpSpPr>
+      <p:grpSpPr>
+        <a:xfrm>
+          <a:off x="0" y="0"/>
+          <a:ext cx="0" cy="0"/>
+          <a:chOff x="0" y="0"/>
+          <a:chExt cx="0" cy="0"/>
+        </a:xfrm>
+      </p:grpSpPr>
+      <p:sp>
+        <p:nvSpPr>
+          <p:cNvPr id="2" name="Title 1"/>
+          <p:cNvSpPr>
+            <a:spLocks noGrp="1"/>
+          </p:cNvSpPr>
+          <p:nvPr>
+            <p:ph type="title"/>
+          </p:nvPr>
+        </p:nvSpPr>
+        <p:spPr/>
+        <p:txBody>
+          <a:bodyPr/>
+          <a:lstStyle/>
+          <a:p>
+            <a:pPr lvl="0" marL="0" indent="0">
+              <a:buNone/>
+            </a:pPr>
+            <a:r>
+              <a:rPr/>
+              <a:t>Here’s</a:t>
+            </a:r>
+            <a:r>
+              <a:rPr/>
+              <a:t> </a:t>
+            </a:r>
+            <a:r>
+              <a:rPr/>
+              <a:t>the</a:t>
+            </a:r>
+            <a:r>
+              <a:rPr/>
+              <a:t> </a:t>
+            </a:r>
+            <a:r>
+              <a:rPr/>
+              <a:t>R</a:t>
+            </a:r>
+            <a:r>
+              <a:rPr/>
+              <a:t> </a:t>
+            </a:r>
+            <a:r>
+              <a:rPr/>
+              <a:t>code.</a:t>
+            </a:r>
+          </a:p>
+        </p:txBody>
+      </p:sp>
+      <p:sp>
+        <p:nvSpPr>
+          <p:cNvPr id="3" name="Content Placeholder 2"/>
+          <p:cNvSpPr>
+            <a:spLocks noGrp="1"/>
+          </p:cNvSpPr>
+          <p:nvPr>
+            <p:ph idx="1"/>
+          </p:nvPr>
+        </p:nvSpPr>
+        <p:spPr/>
+        <p:txBody>
+          <a:bodyPr/>
+          <a:lstStyle/>
+          <a:p>
+            <a:pPr lvl="0" marL="1270000" indent="0">
+              <a:buNone/>
+            </a:pPr>
+            <a:r>
+              <a:rPr sz="1800">
+                <a:latin typeface="Courier"/>
+              </a:rPr>
+              <a:t>ggplot(saratoga_houses, aes(x=Age, y=Price)) + 
+  geom_point(aes(color=factor(Bathrooms)))</a:t>
+            </a:r>
+          </a:p>
+        </p:txBody>
+      </p:sp>
+    </p:spTree>
+  </p:cSld>
+</p:sld>
+</file>
+
+<file path=ppt/slides/slide81.xml><?xml version="1.0" encoding="utf-8"?>
+<p:sld xmlns:a="http://schemas.openxmlformats.org/drawingml/2006/main" xmlns:r="http://schemas.openxmlformats.org/officeDocument/2006/relationships" xmlns:p="http://schemas.openxmlformats.org/presentationml/2006/main">
+  <p:cSld>
+    <p:spTree>
+      <p:nvGrpSpPr>
+        <p:cNvPr id="1" name=""/>
+        <p:cNvGrpSpPr/>
+        <p:nvPr/>
+      </p:nvGrpSpPr>
+      <p:grpSpPr>
+        <a:xfrm>
+          <a:off x="0" y="0"/>
+          <a:ext cx="0" cy="0"/>
+          <a:chOff x="0" y="0"/>
+          <a:chExt cx="0" cy="0"/>
+        </a:xfrm>
+      </p:grpSpPr>
+      <p:sp>
+        <p:nvSpPr>
+          <p:cNvPr id="2" name="Title 1"/>
+          <p:cNvSpPr>
+            <a:spLocks noGrp="1"/>
+          </p:cNvSpPr>
+          <p:nvPr>
+            <p:ph type="title"/>
+          </p:nvPr>
+        </p:nvSpPr>
+        <p:spPr/>
+        <p:txBody>
+          <a:bodyPr/>
+          <a:lstStyle/>
+          <a:p>
+            <a:pPr lvl="0" marL="0" indent="0">
+              <a:buNone/>
+            </a:pPr>
+            <a:r>
+              <a:rPr/>
+              <a:t>Here’s</a:t>
+            </a:r>
+            <a:r>
+              <a:rPr/>
+              <a:t> </a:t>
+            </a:r>
+            <a:r>
+              <a:rPr/>
+              <a:t>the</a:t>
+            </a:r>
+            <a:r>
+              <a:rPr/>
+              <a:t> </a:t>
+            </a:r>
+            <a:r>
+              <a:rPr/>
+              <a:t>result</a:t>
+            </a:r>
+            <a:r>
+              <a:rPr/>
+              <a:t> </a:t>
+            </a:r>
+            <a:r>
+              <a:rPr/>
+              <a:t>in</a:t>
+            </a:r>
+            <a:r>
+              <a:rPr/>
+              <a:t> </a:t>
+            </a:r>
+            <a:r>
+              <a:rPr/>
+              <a:t>R</a:t>
+            </a:r>
+          </a:p>
+        </p:txBody>
+      </p:sp>
+      <p:pic>
+        <p:nvPicPr>
+          <p:cNvPr descr="../images/r/bathroom-colors.png" id="0" name="Picture 1"/>
+          <p:cNvPicPr>
+            <a:picLocks noGrp="1" noChangeAspect="1"/>
+          </p:cNvPicPr>
+          <p:nvPr/>
+        </p:nvPicPr>
+        <p:blipFill>
+          <a:blip r:embed="rId2"/>
+          <a:stretch>
+            <a:fillRect/>
+          </a:stretch>
+        </p:blipFill>
+        <p:spPr bwMode="auto">
+          <a:xfrm>
+            <a:off x="2565400" y="1600200"/>
+            <a:ext cx="4013200" cy="4013200"/>
+          </a:xfrm>
+          <a:prstGeom prst="rect">
+            <a:avLst/>
+          </a:prstGeom>
+          <a:noFill/>
+          <a:ln w="9525">
+            <a:noFill/>
+            <a:headEnd/>
+            <a:tailEnd/>
+          </a:ln>
+        </p:spPr>
+      </p:pic>
+      <p:sp>
+        <p:nvSpPr>
+          <p:cNvPr id="1" name="TextBox 3"/>
+          <p:cNvSpPr txBox="1"/>
+          <p:nvPr/>
+        </p:nvSpPr>
+        <p:spPr>
+          <a:xfrm>
+            <a:off x="457200" y="5613400"/>
+            <a:ext cx="8229600" cy="508000"/>
+          </a:xfrm>
+          <a:prstGeom prst="rect">
+            <a:avLst/>
+          </a:prstGeom>
+          <a:noFill/>
+        </p:spPr>
+        <p:txBody>
+          <a:bodyPr/>
+          <a:lstStyle/>
+          <a:p>
+            <a:pPr lvl="0" marL="0" indent="0" algn="ctr">
+              <a:buNone/>
+            </a:pPr>
+            <a:r>
+              <a:rPr/>
+              <a:t>R</a:t>
+            </a:r>
+            <a:r>
+              <a:rPr/>
+              <a:t> </a:t>
+            </a:r>
+            <a:r>
+              <a:rPr/>
+              <a:t>scatterplot</a:t>
+            </a:r>
+            <a:r>
+              <a:rPr/>
+              <a:t> </a:t>
+            </a:r>
+            <a:r>
+              <a:rPr/>
+              <a:t>mapping</a:t>
+            </a:r>
+            <a:r>
+              <a:rPr/>
+              <a:t> </a:t>
+            </a:r>
+            <a:r>
+              <a:rPr/>
+              <a:t>bathrooms</a:t>
+            </a:r>
+            <a:r>
+              <a:rPr/>
+              <a:t> </a:t>
+            </a:r>
+            <a:r>
+              <a:rPr/>
+              <a:t>to</a:t>
+            </a:r>
+            <a:r>
+              <a:rPr/>
+              <a:t> </a:t>
+            </a:r>
+            <a:r>
+              <a:rPr/>
+              <a:t>color</a:t>
+            </a:r>
+          </a:p>
+        </p:txBody>
+      </p:sp>
+    </p:spTree>
+  </p:cSld>
+</p:sld>
+</file>
+
+<file path=ppt/slides/slide82.xml><?xml version="1.0" encoding="utf-8"?>
+<p:sld xmlns:a="http://schemas.openxmlformats.org/drawingml/2006/main" xmlns:r="http://schemas.openxmlformats.org/officeDocument/2006/relationships" xmlns:p="http://schemas.openxmlformats.org/presentationml/2006/main">
+  <p:cSld>
+    <p:spTree>
+      <p:nvGrpSpPr>
+        <p:cNvPr id="1" name=""/>
+        <p:cNvGrpSpPr/>
+        <p:nvPr/>
+      </p:nvGrpSpPr>
+      <p:grpSpPr>
+        <a:xfrm>
+          <a:off x="0" y="0"/>
+          <a:ext cx="0" cy="0"/>
+          <a:chOff x="0" y="0"/>
+          <a:chExt cx="0" cy="0"/>
+        </a:xfrm>
+      </p:grpSpPr>
+      <p:sp>
+        <p:nvSpPr>
+          <p:cNvPr id="2" name="Title 1"/>
+          <p:cNvSpPr>
+            <a:spLocks noGrp="1"/>
+          </p:cNvSpPr>
+          <p:nvPr>
+            <p:ph type="title"/>
+          </p:nvPr>
+        </p:nvSpPr>
+        <p:spPr/>
+        <p:txBody>
+          <a:bodyPr/>
+          <a:lstStyle/>
+          <a:p>
+            <a:pPr lvl="0" marL="0" indent="0">
+              <a:buNone/>
+            </a:pPr>
+            <a:r>
+              <a:rPr/>
+              <a:t>Here’s</a:t>
+            </a:r>
+            <a:r>
+              <a:rPr/>
+              <a:t> </a:t>
+            </a:r>
+            <a:r>
+              <a:rPr/>
+              <a:t>the</a:t>
+            </a:r>
+            <a:r>
+              <a:rPr/>
+              <a:t> </a:t>
+            </a:r>
+            <a:r>
+              <a:rPr/>
+              <a:t>result</a:t>
+            </a:r>
+            <a:r>
+              <a:rPr/>
+              <a:t> </a:t>
+            </a:r>
+            <a:r>
+              <a:rPr/>
+              <a:t>in</a:t>
+            </a:r>
+            <a:r>
+              <a:rPr/>
+              <a:t> </a:t>
+            </a:r>
+            <a:r>
+              <a:rPr/>
+              <a:t>Tableau.</a:t>
+            </a:r>
+          </a:p>
+        </p:txBody>
+      </p:sp>
+      <p:pic>
+        <p:nvPicPr>
+          <p:cNvPr descr="../images/tableau/basic-exercise-color.png" id="0" name="Picture 1"/>
+          <p:cNvPicPr>
+            <a:picLocks noGrp="1" noChangeAspect="1"/>
+          </p:cNvPicPr>
+          <p:nvPr/>
+        </p:nvPicPr>
+        <p:blipFill>
+          <a:blip r:embed="rId2"/>
+          <a:stretch>
+            <a:fillRect/>
+          </a:stretch>
+        </p:blipFill>
+        <p:spPr bwMode="auto">
+          <a:xfrm>
+            <a:off x="558800" y="1600200"/>
+            <a:ext cx="8026400" cy="4013200"/>
+          </a:xfrm>
+          <a:prstGeom prst="rect">
+            <a:avLst/>
+          </a:prstGeom>
+          <a:noFill/>
+          <a:ln w="9525">
+            <a:noFill/>
+            <a:headEnd/>
+            <a:tailEnd/>
+          </a:ln>
+        </p:spPr>
+      </p:pic>
+      <p:sp>
+        <p:nvSpPr>
+          <p:cNvPr id="1" name="TextBox 3"/>
+          <p:cNvSpPr txBox="1"/>
+          <p:nvPr/>
+        </p:nvSpPr>
+        <p:spPr>
+          <a:xfrm>
+            <a:off x="457200" y="5613400"/>
+            <a:ext cx="8229600" cy="508000"/>
+          </a:xfrm>
+          <a:prstGeom prst="rect">
+            <a:avLst/>
+          </a:prstGeom>
+          <a:noFill/>
+        </p:spPr>
+        <p:txBody>
+          <a:bodyPr/>
+          <a:lstStyle/>
+          <a:p>
+            <a:pPr lvl="0" marL="0" indent="0" algn="ctr">
+              <a:buNone/>
+            </a:pPr>
+            <a:r>
+              <a:rPr/>
+              <a:t>Tableau</a:t>
+            </a:r>
+            <a:r>
+              <a:rPr/>
+              <a:t> </a:t>
+            </a:r>
+            <a:r>
+              <a:rPr/>
+              <a:t>scatterplot</a:t>
+            </a:r>
+            <a:r>
+              <a:rPr/>
+              <a:t> </a:t>
+            </a:r>
+            <a:r>
+              <a:rPr/>
+              <a:t>mapping</a:t>
+            </a:r>
+            <a:r>
+              <a:rPr/>
+              <a:t> </a:t>
+            </a:r>
+            <a:r>
+              <a:rPr/>
+              <a:t>Bathrooms</a:t>
+            </a:r>
+            <a:r>
+              <a:rPr/>
+              <a:t> </a:t>
+            </a:r>
+            <a:r>
+              <a:rPr/>
+              <a:t>to</a:t>
+            </a:r>
+            <a:r>
+              <a:rPr/>
+              <a:t> </a:t>
+            </a:r>
+            <a:r>
+              <a:rPr/>
+              <a:t>color</a:t>
             </a:r>
           </a:p>
         </p:txBody>
